--- a/NFC.pptx
+++ b/NFC.pptx
@@ -12,10 +12,11 @@
     <p:sldId id="262" r:id="rId6"/>
     <p:sldId id="261" r:id="rId7"/>
     <p:sldId id="263" r:id="rId8"/>
-    <p:sldId id="269" r:id="rId9"/>
-    <p:sldId id="265" r:id="rId10"/>
-    <p:sldId id="266" r:id="rId11"/>
-    <p:sldId id="268" r:id="rId12"/>
+    <p:sldId id="270" r:id="rId9"/>
+    <p:sldId id="269" r:id="rId10"/>
+    <p:sldId id="265" r:id="rId11"/>
+    <p:sldId id="266" r:id="rId12"/>
+    <p:sldId id="268" r:id="rId13"/>
   </p:sldIdLst>
   <p:sldSz cx="12192000" cy="6858000"/>
   <p:notesSz cx="6858000" cy="9144000"/>
@@ -144,7 +145,7 @@
           <p:cNvPr id="2" name="Title 1">
             <a:extLst>
               <a:ext uri="{FF2B5EF4-FFF2-40B4-BE49-F238E27FC236}">
-                <a16:creationId xmlns:a16="http://schemas.microsoft.com/office/drawing/2014/main" id="{EEC9E527-A98A-F45A-7EF1-426C715C0E5C}"/>
+                <a16:creationId xmlns:a16="http://schemas.microsoft.com/office/drawing/2014/main" xmlns="" id="{EEC9E527-A98A-F45A-7EF1-426C715C0E5C}"/>
               </a:ext>
             </a:extLst>
           </p:cNvPr>
@@ -182,7 +183,7 @@
           <p:cNvPr id="3" name="Subtitle 2">
             <a:extLst>
               <a:ext uri="{FF2B5EF4-FFF2-40B4-BE49-F238E27FC236}">
-                <a16:creationId xmlns:a16="http://schemas.microsoft.com/office/drawing/2014/main" id="{35570FC2-A786-03BD-8D34-8DFB1F042900}"/>
+                <a16:creationId xmlns:a16="http://schemas.microsoft.com/office/drawing/2014/main" xmlns="" id="{35570FC2-A786-03BD-8D34-8DFB1F042900}"/>
               </a:ext>
             </a:extLst>
           </p:cNvPr>
@@ -253,7 +254,7 @@
           <p:cNvPr id="4" name="Date Placeholder 3">
             <a:extLst>
               <a:ext uri="{FF2B5EF4-FFF2-40B4-BE49-F238E27FC236}">
-                <a16:creationId xmlns:a16="http://schemas.microsoft.com/office/drawing/2014/main" id="{FCA64515-24A5-D409-F2E6-952D3180F251}"/>
+                <a16:creationId xmlns:a16="http://schemas.microsoft.com/office/drawing/2014/main" xmlns="" id="{FCA64515-24A5-D409-F2E6-952D3180F251}"/>
               </a:ext>
             </a:extLst>
           </p:cNvPr>
@@ -271,7 +272,7 @@
           <a:p>
             <a:fld id="{C6AFB733-5CAB-4116-B755-B92E902BA3C4}" type="datetimeFigureOut">
               <a:rPr lang="en-IN" smtClean="0"/>
-              <a:t>08-06-2022</a:t>
+              <a:t>09-06-2022</a:t>
             </a:fld>
             <a:endParaRPr lang="en-IN"/>
           </a:p>
@@ -282,7 +283,7 @@
           <p:cNvPr id="5" name="Footer Placeholder 4">
             <a:extLst>
               <a:ext uri="{FF2B5EF4-FFF2-40B4-BE49-F238E27FC236}">
-                <a16:creationId xmlns:a16="http://schemas.microsoft.com/office/drawing/2014/main" id="{E3641FB8-5DC4-BCA8-99BD-7E480787EC25}"/>
+                <a16:creationId xmlns:a16="http://schemas.microsoft.com/office/drawing/2014/main" xmlns="" id="{E3641FB8-5DC4-BCA8-99BD-7E480787EC25}"/>
               </a:ext>
             </a:extLst>
           </p:cNvPr>
@@ -307,7 +308,7 @@
           <p:cNvPr id="6" name="Slide Number Placeholder 5">
             <a:extLst>
               <a:ext uri="{FF2B5EF4-FFF2-40B4-BE49-F238E27FC236}">
-                <a16:creationId xmlns:a16="http://schemas.microsoft.com/office/drawing/2014/main" id="{763BC1E1-0144-DA5A-8FB2-B30198A16230}"/>
+                <a16:creationId xmlns:a16="http://schemas.microsoft.com/office/drawing/2014/main" xmlns="" id="{763BC1E1-0144-DA5A-8FB2-B30198A16230}"/>
               </a:ext>
             </a:extLst>
           </p:cNvPr>
@@ -378,7 +379,7 @@
           <p:cNvPr id="2" name="Title 1">
             <a:extLst>
               <a:ext uri="{FF2B5EF4-FFF2-40B4-BE49-F238E27FC236}">
-                <a16:creationId xmlns:a16="http://schemas.microsoft.com/office/drawing/2014/main" id="{B4E640A2-14CC-60EF-48FC-99DA4313BF3C}"/>
+                <a16:creationId xmlns:a16="http://schemas.microsoft.com/office/drawing/2014/main" xmlns="" id="{B4E640A2-14CC-60EF-48FC-99DA4313BF3C}"/>
               </a:ext>
             </a:extLst>
           </p:cNvPr>
@@ -407,7 +408,7 @@
           <p:cNvPr id="3" name="Vertical Text Placeholder 2">
             <a:extLst>
               <a:ext uri="{FF2B5EF4-FFF2-40B4-BE49-F238E27FC236}">
-                <a16:creationId xmlns:a16="http://schemas.microsoft.com/office/drawing/2014/main" id="{760B6001-71E2-3094-3AD3-F54E5FF53E50}"/>
+                <a16:creationId xmlns:a16="http://schemas.microsoft.com/office/drawing/2014/main" xmlns="" id="{760B6001-71E2-3094-3AD3-F54E5FF53E50}"/>
               </a:ext>
             </a:extLst>
           </p:cNvPr>
@@ -465,7 +466,7 @@
           <p:cNvPr id="4" name="Date Placeholder 3">
             <a:extLst>
               <a:ext uri="{FF2B5EF4-FFF2-40B4-BE49-F238E27FC236}">
-                <a16:creationId xmlns:a16="http://schemas.microsoft.com/office/drawing/2014/main" id="{0591E95C-16B6-5A4D-4694-89BAF091A19D}"/>
+                <a16:creationId xmlns:a16="http://schemas.microsoft.com/office/drawing/2014/main" xmlns="" id="{0591E95C-16B6-5A4D-4694-89BAF091A19D}"/>
               </a:ext>
             </a:extLst>
           </p:cNvPr>
@@ -483,7 +484,7 @@
           <a:p>
             <a:fld id="{C6AFB733-5CAB-4116-B755-B92E902BA3C4}" type="datetimeFigureOut">
               <a:rPr lang="en-IN" smtClean="0"/>
-              <a:t>08-06-2022</a:t>
+              <a:t>09-06-2022</a:t>
             </a:fld>
             <a:endParaRPr lang="en-IN"/>
           </a:p>
@@ -494,7 +495,7 @@
           <p:cNvPr id="5" name="Footer Placeholder 4">
             <a:extLst>
               <a:ext uri="{FF2B5EF4-FFF2-40B4-BE49-F238E27FC236}">
-                <a16:creationId xmlns:a16="http://schemas.microsoft.com/office/drawing/2014/main" id="{B09BF4BE-8424-E035-9598-60D821047DF9}"/>
+                <a16:creationId xmlns:a16="http://schemas.microsoft.com/office/drawing/2014/main" xmlns="" id="{B09BF4BE-8424-E035-9598-60D821047DF9}"/>
               </a:ext>
             </a:extLst>
           </p:cNvPr>
@@ -519,7 +520,7 @@
           <p:cNvPr id="6" name="Slide Number Placeholder 5">
             <a:extLst>
               <a:ext uri="{FF2B5EF4-FFF2-40B4-BE49-F238E27FC236}">
-                <a16:creationId xmlns:a16="http://schemas.microsoft.com/office/drawing/2014/main" id="{48AFA06F-670A-348A-4472-4E6F36196362}"/>
+                <a16:creationId xmlns:a16="http://schemas.microsoft.com/office/drawing/2014/main" xmlns="" id="{48AFA06F-670A-348A-4472-4E6F36196362}"/>
               </a:ext>
             </a:extLst>
           </p:cNvPr>
@@ -590,7 +591,7 @@
           <p:cNvPr id="2" name="Vertical Title 1">
             <a:extLst>
               <a:ext uri="{FF2B5EF4-FFF2-40B4-BE49-F238E27FC236}">
-                <a16:creationId xmlns:a16="http://schemas.microsoft.com/office/drawing/2014/main" id="{277436BA-301D-4275-5A9D-E313A7BD1D72}"/>
+                <a16:creationId xmlns:a16="http://schemas.microsoft.com/office/drawing/2014/main" xmlns="" id="{277436BA-301D-4275-5A9D-E313A7BD1D72}"/>
               </a:ext>
             </a:extLst>
           </p:cNvPr>
@@ -624,7 +625,7 @@
           <p:cNvPr id="3" name="Vertical Text Placeholder 2">
             <a:extLst>
               <a:ext uri="{FF2B5EF4-FFF2-40B4-BE49-F238E27FC236}">
-                <a16:creationId xmlns:a16="http://schemas.microsoft.com/office/drawing/2014/main" id="{8DF95D90-D4E9-C25D-50C2-8FF0EEC76202}"/>
+                <a16:creationId xmlns:a16="http://schemas.microsoft.com/office/drawing/2014/main" xmlns="" id="{8DF95D90-D4E9-C25D-50C2-8FF0EEC76202}"/>
               </a:ext>
             </a:extLst>
           </p:cNvPr>
@@ -687,7 +688,7 @@
           <p:cNvPr id="4" name="Date Placeholder 3">
             <a:extLst>
               <a:ext uri="{FF2B5EF4-FFF2-40B4-BE49-F238E27FC236}">
-                <a16:creationId xmlns:a16="http://schemas.microsoft.com/office/drawing/2014/main" id="{377EB5E7-12D4-DC4B-70BC-B059A86ACD95}"/>
+                <a16:creationId xmlns:a16="http://schemas.microsoft.com/office/drawing/2014/main" xmlns="" id="{377EB5E7-12D4-DC4B-70BC-B059A86ACD95}"/>
               </a:ext>
             </a:extLst>
           </p:cNvPr>
@@ -705,7 +706,7 @@
           <a:p>
             <a:fld id="{C6AFB733-5CAB-4116-B755-B92E902BA3C4}" type="datetimeFigureOut">
               <a:rPr lang="en-IN" smtClean="0"/>
-              <a:t>08-06-2022</a:t>
+              <a:t>09-06-2022</a:t>
             </a:fld>
             <a:endParaRPr lang="en-IN"/>
           </a:p>
@@ -716,7 +717,7 @@
           <p:cNvPr id="5" name="Footer Placeholder 4">
             <a:extLst>
               <a:ext uri="{FF2B5EF4-FFF2-40B4-BE49-F238E27FC236}">
-                <a16:creationId xmlns:a16="http://schemas.microsoft.com/office/drawing/2014/main" id="{4909BF2E-D859-EF97-2719-F79C8CE3E0AB}"/>
+                <a16:creationId xmlns:a16="http://schemas.microsoft.com/office/drawing/2014/main" xmlns="" id="{4909BF2E-D859-EF97-2719-F79C8CE3E0AB}"/>
               </a:ext>
             </a:extLst>
           </p:cNvPr>
@@ -741,7 +742,7 @@
           <p:cNvPr id="6" name="Slide Number Placeholder 5">
             <a:extLst>
               <a:ext uri="{FF2B5EF4-FFF2-40B4-BE49-F238E27FC236}">
-                <a16:creationId xmlns:a16="http://schemas.microsoft.com/office/drawing/2014/main" id="{567CCF26-DB2B-F99A-A1EB-A5B6422ABD37}"/>
+                <a16:creationId xmlns:a16="http://schemas.microsoft.com/office/drawing/2014/main" xmlns="" id="{567CCF26-DB2B-F99A-A1EB-A5B6422ABD37}"/>
               </a:ext>
             </a:extLst>
           </p:cNvPr>
@@ -812,7 +813,7 @@
           <p:cNvPr id="2" name="Title 1">
             <a:extLst>
               <a:ext uri="{FF2B5EF4-FFF2-40B4-BE49-F238E27FC236}">
-                <a16:creationId xmlns:a16="http://schemas.microsoft.com/office/drawing/2014/main" id="{46D85573-9383-186F-8A03-051FE8AE57CB}"/>
+                <a16:creationId xmlns:a16="http://schemas.microsoft.com/office/drawing/2014/main" xmlns="" id="{46D85573-9383-186F-8A03-051FE8AE57CB}"/>
               </a:ext>
             </a:extLst>
           </p:cNvPr>
@@ -841,7 +842,7 @@
           <p:cNvPr id="3" name="Content Placeholder 2">
             <a:extLst>
               <a:ext uri="{FF2B5EF4-FFF2-40B4-BE49-F238E27FC236}">
-                <a16:creationId xmlns:a16="http://schemas.microsoft.com/office/drawing/2014/main" id="{0666526A-5672-C76B-2A34-24F83B2C32C5}"/>
+                <a16:creationId xmlns:a16="http://schemas.microsoft.com/office/drawing/2014/main" xmlns="" id="{0666526A-5672-C76B-2A34-24F83B2C32C5}"/>
               </a:ext>
             </a:extLst>
           </p:cNvPr>
@@ -899,7 +900,7 @@
           <p:cNvPr id="4" name="Date Placeholder 3">
             <a:extLst>
               <a:ext uri="{FF2B5EF4-FFF2-40B4-BE49-F238E27FC236}">
-                <a16:creationId xmlns:a16="http://schemas.microsoft.com/office/drawing/2014/main" id="{C4A86519-C7B4-6F99-EEBF-0C08D5C468E2}"/>
+                <a16:creationId xmlns:a16="http://schemas.microsoft.com/office/drawing/2014/main" xmlns="" id="{C4A86519-C7B4-6F99-EEBF-0C08D5C468E2}"/>
               </a:ext>
             </a:extLst>
           </p:cNvPr>
@@ -917,7 +918,7 @@
           <a:p>
             <a:fld id="{C6AFB733-5CAB-4116-B755-B92E902BA3C4}" type="datetimeFigureOut">
               <a:rPr lang="en-IN" smtClean="0"/>
-              <a:t>08-06-2022</a:t>
+              <a:t>09-06-2022</a:t>
             </a:fld>
             <a:endParaRPr lang="en-IN"/>
           </a:p>
@@ -928,7 +929,7 @@
           <p:cNvPr id="5" name="Footer Placeholder 4">
             <a:extLst>
               <a:ext uri="{FF2B5EF4-FFF2-40B4-BE49-F238E27FC236}">
-                <a16:creationId xmlns:a16="http://schemas.microsoft.com/office/drawing/2014/main" id="{AE472F5F-4B3B-D2CC-E32C-3E66326DFAAD}"/>
+                <a16:creationId xmlns:a16="http://schemas.microsoft.com/office/drawing/2014/main" xmlns="" id="{AE472F5F-4B3B-D2CC-E32C-3E66326DFAAD}"/>
               </a:ext>
             </a:extLst>
           </p:cNvPr>
@@ -953,7 +954,7 @@
           <p:cNvPr id="6" name="Slide Number Placeholder 5">
             <a:extLst>
               <a:ext uri="{FF2B5EF4-FFF2-40B4-BE49-F238E27FC236}">
-                <a16:creationId xmlns:a16="http://schemas.microsoft.com/office/drawing/2014/main" id="{6C1D8CF7-202E-26FF-17B2-97CD443BEAC3}"/>
+                <a16:creationId xmlns:a16="http://schemas.microsoft.com/office/drawing/2014/main" xmlns="" id="{6C1D8CF7-202E-26FF-17B2-97CD443BEAC3}"/>
               </a:ext>
             </a:extLst>
           </p:cNvPr>
@@ -1024,7 +1025,7 @@
           <p:cNvPr id="2" name="Title 1">
             <a:extLst>
               <a:ext uri="{FF2B5EF4-FFF2-40B4-BE49-F238E27FC236}">
-                <a16:creationId xmlns:a16="http://schemas.microsoft.com/office/drawing/2014/main" id="{C3B36350-0BE2-76F1-EB40-799EBEF5D3BE}"/>
+                <a16:creationId xmlns:a16="http://schemas.microsoft.com/office/drawing/2014/main" xmlns="" id="{C3B36350-0BE2-76F1-EB40-799EBEF5D3BE}"/>
               </a:ext>
             </a:extLst>
           </p:cNvPr>
@@ -1062,7 +1063,7 @@
           <p:cNvPr id="3" name="Text Placeholder 2">
             <a:extLst>
               <a:ext uri="{FF2B5EF4-FFF2-40B4-BE49-F238E27FC236}">
-                <a16:creationId xmlns:a16="http://schemas.microsoft.com/office/drawing/2014/main" id="{39562E7E-4698-9B16-F145-07278EA79B46}"/>
+                <a16:creationId xmlns:a16="http://schemas.microsoft.com/office/drawing/2014/main" xmlns="" id="{39562E7E-4698-9B16-F145-07278EA79B46}"/>
               </a:ext>
             </a:extLst>
           </p:cNvPr>
@@ -1187,7 +1188,7 @@
           <p:cNvPr id="4" name="Date Placeholder 3">
             <a:extLst>
               <a:ext uri="{FF2B5EF4-FFF2-40B4-BE49-F238E27FC236}">
-                <a16:creationId xmlns:a16="http://schemas.microsoft.com/office/drawing/2014/main" id="{591AB485-5485-C8FF-62D8-9759D9FF473B}"/>
+                <a16:creationId xmlns:a16="http://schemas.microsoft.com/office/drawing/2014/main" xmlns="" id="{591AB485-5485-C8FF-62D8-9759D9FF473B}"/>
               </a:ext>
             </a:extLst>
           </p:cNvPr>
@@ -1205,7 +1206,7 @@
           <a:p>
             <a:fld id="{C6AFB733-5CAB-4116-B755-B92E902BA3C4}" type="datetimeFigureOut">
               <a:rPr lang="en-IN" smtClean="0"/>
-              <a:t>08-06-2022</a:t>
+              <a:t>09-06-2022</a:t>
             </a:fld>
             <a:endParaRPr lang="en-IN"/>
           </a:p>
@@ -1216,7 +1217,7 @@
           <p:cNvPr id="5" name="Footer Placeholder 4">
             <a:extLst>
               <a:ext uri="{FF2B5EF4-FFF2-40B4-BE49-F238E27FC236}">
-                <a16:creationId xmlns:a16="http://schemas.microsoft.com/office/drawing/2014/main" id="{6711CB21-9EE3-6C51-8A53-30B69FE9D7CB}"/>
+                <a16:creationId xmlns:a16="http://schemas.microsoft.com/office/drawing/2014/main" xmlns="" id="{6711CB21-9EE3-6C51-8A53-30B69FE9D7CB}"/>
               </a:ext>
             </a:extLst>
           </p:cNvPr>
@@ -1241,7 +1242,7 @@
           <p:cNvPr id="6" name="Slide Number Placeholder 5">
             <a:extLst>
               <a:ext uri="{FF2B5EF4-FFF2-40B4-BE49-F238E27FC236}">
-                <a16:creationId xmlns:a16="http://schemas.microsoft.com/office/drawing/2014/main" id="{58406259-003E-C612-0E71-3A0715C6B90B}"/>
+                <a16:creationId xmlns:a16="http://schemas.microsoft.com/office/drawing/2014/main" xmlns="" id="{58406259-003E-C612-0E71-3A0715C6B90B}"/>
               </a:ext>
             </a:extLst>
           </p:cNvPr>
@@ -1312,7 +1313,7 @@
           <p:cNvPr id="2" name="Title 1">
             <a:extLst>
               <a:ext uri="{FF2B5EF4-FFF2-40B4-BE49-F238E27FC236}">
-                <a16:creationId xmlns:a16="http://schemas.microsoft.com/office/drawing/2014/main" id="{7F87F832-1DB8-FEFB-3CB1-5A7E4F5545A6}"/>
+                <a16:creationId xmlns:a16="http://schemas.microsoft.com/office/drawing/2014/main" xmlns="" id="{7F87F832-1DB8-FEFB-3CB1-5A7E4F5545A6}"/>
               </a:ext>
             </a:extLst>
           </p:cNvPr>
@@ -1341,7 +1342,7 @@
           <p:cNvPr id="3" name="Content Placeholder 2">
             <a:extLst>
               <a:ext uri="{FF2B5EF4-FFF2-40B4-BE49-F238E27FC236}">
-                <a16:creationId xmlns:a16="http://schemas.microsoft.com/office/drawing/2014/main" id="{6CCD172C-1235-8766-59A3-F2F7B2361CBC}"/>
+                <a16:creationId xmlns:a16="http://schemas.microsoft.com/office/drawing/2014/main" xmlns="" id="{6CCD172C-1235-8766-59A3-F2F7B2361CBC}"/>
               </a:ext>
             </a:extLst>
           </p:cNvPr>
@@ -1404,7 +1405,7 @@
           <p:cNvPr id="4" name="Content Placeholder 3">
             <a:extLst>
               <a:ext uri="{FF2B5EF4-FFF2-40B4-BE49-F238E27FC236}">
-                <a16:creationId xmlns:a16="http://schemas.microsoft.com/office/drawing/2014/main" id="{A2AAF75E-30B4-95C5-03FA-68DFE9B64F5F}"/>
+                <a16:creationId xmlns:a16="http://schemas.microsoft.com/office/drawing/2014/main" xmlns="" id="{A2AAF75E-30B4-95C5-03FA-68DFE9B64F5F}"/>
               </a:ext>
             </a:extLst>
           </p:cNvPr>
@@ -1467,7 +1468,7 @@
           <p:cNvPr id="5" name="Date Placeholder 4">
             <a:extLst>
               <a:ext uri="{FF2B5EF4-FFF2-40B4-BE49-F238E27FC236}">
-                <a16:creationId xmlns:a16="http://schemas.microsoft.com/office/drawing/2014/main" id="{A6DFD8E9-0675-218E-C3CC-38024FB7EAF5}"/>
+                <a16:creationId xmlns:a16="http://schemas.microsoft.com/office/drawing/2014/main" xmlns="" id="{A6DFD8E9-0675-218E-C3CC-38024FB7EAF5}"/>
               </a:ext>
             </a:extLst>
           </p:cNvPr>
@@ -1485,7 +1486,7 @@
           <a:p>
             <a:fld id="{C6AFB733-5CAB-4116-B755-B92E902BA3C4}" type="datetimeFigureOut">
               <a:rPr lang="en-IN" smtClean="0"/>
-              <a:t>08-06-2022</a:t>
+              <a:t>09-06-2022</a:t>
             </a:fld>
             <a:endParaRPr lang="en-IN"/>
           </a:p>
@@ -1496,7 +1497,7 @@
           <p:cNvPr id="6" name="Footer Placeholder 5">
             <a:extLst>
               <a:ext uri="{FF2B5EF4-FFF2-40B4-BE49-F238E27FC236}">
-                <a16:creationId xmlns:a16="http://schemas.microsoft.com/office/drawing/2014/main" id="{61700D96-9A91-1959-8F7E-744AF74AB750}"/>
+                <a16:creationId xmlns:a16="http://schemas.microsoft.com/office/drawing/2014/main" xmlns="" id="{61700D96-9A91-1959-8F7E-744AF74AB750}"/>
               </a:ext>
             </a:extLst>
           </p:cNvPr>
@@ -1521,7 +1522,7 @@
           <p:cNvPr id="7" name="Slide Number Placeholder 6">
             <a:extLst>
               <a:ext uri="{FF2B5EF4-FFF2-40B4-BE49-F238E27FC236}">
-                <a16:creationId xmlns:a16="http://schemas.microsoft.com/office/drawing/2014/main" id="{D0CF12C6-F388-4921-81E8-A536BCBBD9D8}"/>
+                <a16:creationId xmlns:a16="http://schemas.microsoft.com/office/drawing/2014/main" xmlns="" id="{D0CF12C6-F388-4921-81E8-A536BCBBD9D8}"/>
               </a:ext>
             </a:extLst>
           </p:cNvPr>
@@ -1592,7 +1593,7 @@
           <p:cNvPr id="2" name="Title 1">
             <a:extLst>
               <a:ext uri="{FF2B5EF4-FFF2-40B4-BE49-F238E27FC236}">
-                <a16:creationId xmlns:a16="http://schemas.microsoft.com/office/drawing/2014/main" id="{A7B26E5B-61BB-41BF-C96C-FF4DD3D36FEB}"/>
+                <a16:creationId xmlns:a16="http://schemas.microsoft.com/office/drawing/2014/main" xmlns="" id="{A7B26E5B-61BB-41BF-C96C-FF4DD3D36FEB}"/>
               </a:ext>
             </a:extLst>
           </p:cNvPr>
@@ -1626,7 +1627,7 @@
           <p:cNvPr id="3" name="Text Placeholder 2">
             <a:extLst>
               <a:ext uri="{FF2B5EF4-FFF2-40B4-BE49-F238E27FC236}">
-                <a16:creationId xmlns:a16="http://schemas.microsoft.com/office/drawing/2014/main" id="{329BD06F-0962-8FA2-EDBC-9EEAE22FB7C4}"/>
+                <a16:creationId xmlns:a16="http://schemas.microsoft.com/office/drawing/2014/main" xmlns="" id="{329BD06F-0962-8FA2-EDBC-9EEAE22FB7C4}"/>
               </a:ext>
             </a:extLst>
           </p:cNvPr>
@@ -1697,7 +1698,7 @@
           <p:cNvPr id="4" name="Content Placeholder 3">
             <a:extLst>
               <a:ext uri="{FF2B5EF4-FFF2-40B4-BE49-F238E27FC236}">
-                <a16:creationId xmlns:a16="http://schemas.microsoft.com/office/drawing/2014/main" id="{1AFEF974-566C-01BC-5A91-E5A89A2B61B2}"/>
+                <a16:creationId xmlns:a16="http://schemas.microsoft.com/office/drawing/2014/main" xmlns="" id="{1AFEF974-566C-01BC-5A91-E5A89A2B61B2}"/>
               </a:ext>
             </a:extLst>
           </p:cNvPr>
@@ -1760,7 +1761,7 @@
           <p:cNvPr id="5" name="Text Placeholder 4">
             <a:extLst>
               <a:ext uri="{FF2B5EF4-FFF2-40B4-BE49-F238E27FC236}">
-                <a16:creationId xmlns:a16="http://schemas.microsoft.com/office/drawing/2014/main" id="{01E900A7-69A0-33E8-F7B5-F28BFCFD7F94}"/>
+                <a16:creationId xmlns:a16="http://schemas.microsoft.com/office/drawing/2014/main" xmlns="" id="{01E900A7-69A0-33E8-F7B5-F28BFCFD7F94}"/>
               </a:ext>
             </a:extLst>
           </p:cNvPr>
@@ -1831,7 +1832,7 @@
           <p:cNvPr id="6" name="Content Placeholder 5">
             <a:extLst>
               <a:ext uri="{FF2B5EF4-FFF2-40B4-BE49-F238E27FC236}">
-                <a16:creationId xmlns:a16="http://schemas.microsoft.com/office/drawing/2014/main" id="{D4717E58-564A-EF21-D293-7B2B28D80384}"/>
+                <a16:creationId xmlns:a16="http://schemas.microsoft.com/office/drawing/2014/main" xmlns="" id="{D4717E58-564A-EF21-D293-7B2B28D80384}"/>
               </a:ext>
             </a:extLst>
           </p:cNvPr>
@@ -1894,7 +1895,7 @@
           <p:cNvPr id="7" name="Date Placeholder 6">
             <a:extLst>
               <a:ext uri="{FF2B5EF4-FFF2-40B4-BE49-F238E27FC236}">
-                <a16:creationId xmlns:a16="http://schemas.microsoft.com/office/drawing/2014/main" id="{5698AA7B-1238-D05F-4528-418C4A28D029}"/>
+                <a16:creationId xmlns:a16="http://schemas.microsoft.com/office/drawing/2014/main" xmlns="" id="{5698AA7B-1238-D05F-4528-418C4A28D029}"/>
               </a:ext>
             </a:extLst>
           </p:cNvPr>
@@ -1912,7 +1913,7 @@
           <a:p>
             <a:fld id="{C6AFB733-5CAB-4116-B755-B92E902BA3C4}" type="datetimeFigureOut">
               <a:rPr lang="en-IN" smtClean="0"/>
-              <a:t>08-06-2022</a:t>
+              <a:t>09-06-2022</a:t>
             </a:fld>
             <a:endParaRPr lang="en-IN"/>
           </a:p>
@@ -1923,7 +1924,7 @@
           <p:cNvPr id="8" name="Footer Placeholder 7">
             <a:extLst>
               <a:ext uri="{FF2B5EF4-FFF2-40B4-BE49-F238E27FC236}">
-                <a16:creationId xmlns:a16="http://schemas.microsoft.com/office/drawing/2014/main" id="{B93DA781-D5DD-8F28-93E7-A4C4C555A7B4}"/>
+                <a16:creationId xmlns:a16="http://schemas.microsoft.com/office/drawing/2014/main" xmlns="" id="{B93DA781-D5DD-8F28-93E7-A4C4C555A7B4}"/>
               </a:ext>
             </a:extLst>
           </p:cNvPr>
@@ -1948,7 +1949,7 @@
           <p:cNvPr id="9" name="Slide Number Placeholder 8">
             <a:extLst>
               <a:ext uri="{FF2B5EF4-FFF2-40B4-BE49-F238E27FC236}">
-                <a16:creationId xmlns:a16="http://schemas.microsoft.com/office/drawing/2014/main" id="{E8E67AB1-8839-0CAF-C719-51A90B81AFEB}"/>
+                <a16:creationId xmlns:a16="http://schemas.microsoft.com/office/drawing/2014/main" xmlns="" id="{E8E67AB1-8839-0CAF-C719-51A90B81AFEB}"/>
               </a:ext>
             </a:extLst>
           </p:cNvPr>
@@ -2019,7 +2020,7 @@
           <p:cNvPr id="2" name="Title 1">
             <a:extLst>
               <a:ext uri="{FF2B5EF4-FFF2-40B4-BE49-F238E27FC236}">
-                <a16:creationId xmlns:a16="http://schemas.microsoft.com/office/drawing/2014/main" id="{CE4D2789-54D0-6713-7262-A21AC1971C4F}"/>
+                <a16:creationId xmlns:a16="http://schemas.microsoft.com/office/drawing/2014/main" xmlns="" id="{CE4D2789-54D0-6713-7262-A21AC1971C4F}"/>
               </a:ext>
             </a:extLst>
           </p:cNvPr>
@@ -2048,7 +2049,7 @@
           <p:cNvPr id="3" name="Date Placeholder 2">
             <a:extLst>
               <a:ext uri="{FF2B5EF4-FFF2-40B4-BE49-F238E27FC236}">
-                <a16:creationId xmlns:a16="http://schemas.microsoft.com/office/drawing/2014/main" id="{73069810-BF24-5E62-22DC-C50FB18683F9}"/>
+                <a16:creationId xmlns:a16="http://schemas.microsoft.com/office/drawing/2014/main" xmlns="" id="{73069810-BF24-5E62-22DC-C50FB18683F9}"/>
               </a:ext>
             </a:extLst>
           </p:cNvPr>
@@ -2066,7 +2067,7 @@
           <a:p>
             <a:fld id="{C6AFB733-5CAB-4116-B755-B92E902BA3C4}" type="datetimeFigureOut">
               <a:rPr lang="en-IN" smtClean="0"/>
-              <a:t>08-06-2022</a:t>
+              <a:t>09-06-2022</a:t>
             </a:fld>
             <a:endParaRPr lang="en-IN"/>
           </a:p>
@@ -2077,7 +2078,7 @@
           <p:cNvPr id="4" name="Footer Placeholder 3">
             <a:extLst>
               <a:ext uri="{FF2B5EF4-FFF2-40B4-BE49-F238E27FC236}">
-                <a16:creationId xmlns:a16="http://schemas.microsoft.com/office/drawing/2014/main" id="{A26D7829-898D-1EDA-71E1-0C35083B2A21}"/>
+                <a16:creationId xmlns:a16="http://schemas.microsoft.com/office/drawing/2014/main" xmlns="" id="{A26D7829-898D-1EDA-71E1-0C35083B2A21}"/>
               </a:ext>
             </a:extLst>
           </p:cNvPr>
@@ -2102,7 +2103,7 @@
           <p:cNvPr id="5" name="Slide Number Placeholder 4">
             <a:extLst>
               <a:ext uri="{FF2B5EF4-FFF2-40B4-BE49-F238E27FC236}">
-                <a16:creationId xmlns:a16="http://schemas.microsoft.com/office/drawing/2014/main" id="{E2DEE532-A2F5-F5C7-CC5F-44BDD5A72F63}"/>
+                <a16:creationId xmlns:a16="http://schemas.microsoft.com/office/drawing/2014/main" xmlns="" id="{E2DEE532-A2F5-F5C7-CC5F-44BDD5A72F63}"/>
               </a:ext>
             </a:extLst>
           </p:cNvPr>
@@ -2173,7 +2174,7 @@
           <p:cNvPr id="2" name="Date Placeholder 1">
             <a:extLst>
               <a:ext uri="{FF2B5EF4-FFF2-40B4-BE49-F238E27FC236}">
-                <a16:creationId xmlns:a16="http://schemas.microsoft.com/office/drawing/2014/main" id="{58F183C1-135C-049A-C35C-781EEA2AD6CF}"/>
+                <a16:creationId xmlns:a16="http://schemas.microsoft.com/office/drawing/2014/main" xmlns="" id="{58F183C1-135C-049A-C35C-781EEA2AD6CF}"/>
               </a:ext>
             </a:extLst>
           </p:cNvPr>
@@ -2191,7 +2192,7 @@
           <a:p>
             <a:fld id="{C6AFB733-5CAB-4116-B755-B92E902BA3C4}" type="datetimeFigureOut">
               <a:rPr lang="en-IN" smtClean="0"/>
-              <a:t>08-06-2022</a:t>
+              <a:t>09-06-2022</a:t>
             </a:fld>
             <a:endParaRPr lang="en-IN"/>
           </a:p>
@@ -2202,7 +2203,7 @@
           <p:cNvPr id="3" name="Footer Placeholder 2">
             <a:extLst>
               <a:ext uri="{FF2B5EF4-FFF2-40B4-BE49-F238E27FC236}">
-                <a16:creationId xmlns:a16="http://schemas.microsoft.com/office/drawing/2014/main" id="{844A37D6-0CD5-2670-221B-FBDD25C0DB83}"/>
+                <a16:creationId xmlns:a16="http://schemas.microsoft.com/office/drawing/2014/main" xmlns="" id="{844A37D6-0CD5-2670-221B-FBDD25C0DB83}"/>
               </a:ext>
             </a:extLst>
           </p:cNvPr>
@@ -2227,7 +2228,7 @@
           <p:cNvPr id="4" name="Slide Number Placeholder 3">
             <a:extLst>
               <a:ext uri="{FF2B5EF4-FFF2-40B4-BE49-F238E27FC236}">
-                <a16:creationId xmlns:a16="http://schemas.microsoft.com/office/drawing/2014/main" id="{3D18CD6D-07A5-BE25-2554-198F5A942247}"/>
+                <a16:creationId xmlns:a16="http://schemas.microsoft.com/office/drawing/2014/main" xmlns="" id="{3D18CD6D-07A5-BE25-2554-198F5A942247}"/>
               </a:ext>
             </a:extLst>
           </p:cNvPr>
@@ -2298,7 +2299,7 @@
           <p:cNvPr id="2" name="Title 1">
             <a:extLst>
               <a:ext uri="{FF2B5EF4-FFF2-40B4-BE49-F238E27FC236}">
-                <a16:creationId xmlns:a16="http://schemas.microsoft.com/office/drawing/2014/main" id="{9B665786-8B5C-0A9D-EB50-80374D4979DD}"/>
+                <a16:creationId xmlns:a16="http://schemas.microsoft.com/office/drawing/2014/main" xmlns="" id="{9B665786-8B5C-0A9D-EB50-80374D4979DD}"/>
               </a:ext>
             </a:extLst>
           </p:cNvPr>
@@ -2336,7 +2337,7 @@
           <p:cNvPr id="3" name="Content Placeholder 2">
             <a:extLst>
               <a:ext uri="{FF2B5EF4-FFF2-40B4-BE49-F238E27FC236}">
-                <a16:creationId xmlns:a16="http://schemas.microsoft.com/office/drawing/2014/main" id="{9B3119C4-03CC-E152-8DC3-D5C24EAA3F58}"/>
+                <a16:creationId xmlns:a16="http://schemas.microsoft.com/office/drawing/2014/main" xmlns="" id="{9B3119C4-03CC-E152-8DC3-D5C24EAA3F58}"/>
               </a:ext>
             </a:extLst>
           </p:cNvPr>
@@ -2427,7 +2428,7 @@
           <p:cNvPr id="4" name="Text Placeholder 3">
             <a:extLst>
               <a:ext uri="{FF2B5EF4-FFF2-40B4-BE49-F238E27FC236}">
-                <a16:creationId xmlns:a16="http://schemas.microsoft.com/office/drawing/2014/main" id="{1BC45E4B-F85A-E04B-20B9-57BDA8F33008}"/>
+                <a16:creationId xmlns:a16="http://schemas.microsoft.com/office/drawing/2014/main" xmlns="" id="{1BC45E4B-F85A-E04B-20B9-57BDA8F33008}"/>
               </a:ext>
             </a:extLst>
           </p:cNvPr>
@@ -2498,7 +2499,7 @@
           <p:cNvPr id="5" name="Date Placeholder 4">
             <a:extLst>
               <a:ext uri="{FF2B5EF4-FFF2-40B4-BE49-F238E27FC236}">
-                <a16:creationId xmlns:a16="http://schemas.microsoft.com/office/drawing/2014/main" id="{638263BF-ABBB-8A79-F147-2F56AAC58318}"/>
+                <a16:creationId xmlns:a16="http://schemas.microsoft.com/office/drawing/2014/main" xmlns="" id="{638263BF-ABBB-8A79-F147-2F56AAC58318}"/>
               </a:ext>
             </a:extLst>
           </p:cNvPr>
@@ -2516,7 +2517,7 @@
           <a:p>
             <a:fld id="{C6AFB733-5CAB-4116-B755-B92E902BA3C4}" type="datetimeFigureOut">
               <a:rPr lang="en-IN" smtClean="0"/>
-              <a:t>08-06-2022</a:t>
+              <a:t>09-06-2022</a:t>
             </a:fld>
             <a:endParaRPr lang="en-IN"/>
           </a:p>
@@ -2527,7 +2528,7 @@
           <p:cNvPr id="6" name="Footer Placeholder 5">
             <a:extLst>
               <a:ext uri="{FF2B5EF4-FFF2-40B4-BE49-F238E27FC236}">
-                <a16:creationId xmlns:a16="http://schemas.microsoft.com/office/drawing/2014/main" id="{B5C0F773-65CB-8CE3-0995-88EC415C6721}"/>
+                <a16:creationId xmlns:a16="http://schemas.microsoft.com/office/drawing/2014/main" xmlns="" id="{B5C0F773-65CB-8CE3-0995-88EC415C6721}"/>
               </a:ext>
             </a:extLst>
           </p:cNvPr>
@@ -2552,7 +2553,7 @@
           <p:cNvPr id="7" name="Slide Number Placeholder 6">
             <a:extLst>
               <a:ext uri="{FF2B5EF4-FFF2-40B4-BE49-F238E27FC236}">
-                <a16:creationId xmlns:a16="http://schemas.microsoft.com/office/drawing/2014/main" id="{D3226D40-876A-6FA0-D05F-F0751BA7CC6D}"/>
+                <a16:creationId xmlns:a16="http://schemas.microsoft.com/office/drawing/2014/main" xmlns="" id="{D3226D40-876A-6FA0-D05F-F0751BA7CC6D}"/>
               </a:ext>
             </a:extLst>
           </p:cNvPr>
@@ -2623,7 +2624,7 @@
           <p:cNvPr id="2" name="Title 1">
             <a:extLst>
               <a:ext uri="{FF2B5EF4-FFF2-40B4-BE49-F238E27FC236}">
-                <a16:creationId xmlns:a16="http://schemas.microsoft.com/office/drawing/2014/main" id="{C4D5396E-DB31-6025-1493-B473F19512E0}"/>
+                <a16:creationId xmlns:a16="http://schemas.microsoft.com/office/drawing/2014/main" xmlns="" id="{C4D5396E-DB31-6025-1493-B473F19512E0}"/>
               </a:ext>
             </a:extLst>
           </p:cNvPr>
@@ -2661,7 +2662,7 @@
           <p:cNvPr id="3" name="Picture Placeholder 2">
             <a:extLst>
               <a:ext uri="{FF2B5EF4-FFF2-40B4-BE49-F238E27FC236}">
-                <a16:creationId xmlns:a16="http://schemas.microsoft.com/office/drawing/2014/main" id="{631CE13D-A3BC-E86D-3B03-E6FC38B4DD5A}"/>
+                <a16:creationId xmlns:a16="http://schemas.microsoft.com/office/drawing/2014/main" xmlns="" id="{631CE13D-A3BC-E86D-3B03-E6FC38B4DD5A}"/>
               </a:ext>
             </a:extLst>
           </p:cNvPr>
@@ -2728,7 +2729,7 @@
           <p:cNvPr id="4" name="Text Placeholder 3">
             <a:extLst>
               <a:ext uri="{FF2B5EF4-FFF2-40B4-BE49-F238E27FC236}">
-                <a16:creationId xmlns:a16="http://schemas.microsoft.com/office/drawing/2014/main" id="{3F7A6A7B-7674-C575-6129-37F89B565C38}"/>
+                <a16:creationId xmlns:a16="http://schemas.microsoft.com/office/drawing/2014/main" xmlns="" id="{3F7A6A7B-7674-C575-6129-37F89B565C38}"/>
               </a:ext>
             </a:extLst>
           </p:cNvPr>
@@ -2799,7 +2800,7 @@
           <p:cNvPr id="5" name="Date Placeholder 4">
             <a:extLst>
               <a:ext uri="{FF2B5EF4-FFF2-40B4-BE49-F238E27FC236}">
-                <a16:creationId xmlns:a16="http://schemas.microsoft.com/office/drawing/2014/main" id="{B4F231B0-36D2-0390-17F2-EA0E8580FFDE}"/>
+                <a16:creationId xmlns:a16="http://schemas.microsoft.com/office/drawing/2014/main" xmlns="" id="{B4F231B0-36D2-0390-17F2-EA0E8580FFDE}"/>
               </a:ext>
             </a:extLst>
           </p:cNvPr>
@@ -2817,7 +2818,7 @@
           <a:p>
             <a:fld id="{C6AFB733-5CAB-4116-B755-B92E902BA3C4}" type="datetimeFigureOut">
               <a:rPr lang="en-IN" smtClean="0"/>
-              <a:t>08-06-2022</a:t>
+              <a:t>09-06-2022</a:t>
             </a:fld>
             <a:endParaRPr lang="en-IN"/>
           </a:p>
@@ -2828,7 +2829,7 @@
           <p:cNvPr id="6" name="Footer Placeholder 5">
             <a:extLst>
               <a:ext uri="{FF2B5EF4-FFF2-40B4-BE49-F238E27FC236}">
-                <a16:creationId xmlns:a16="http://schemas.microsoft.com/office/drawing/2014/main" id="{87F376B6-E25F-4933-6F99-1D9BCE0D8D3A}"/>
+                <a16:creationId xmlns:a16="http://schemas.microsoft.com/office/drawing/2014/main" xmlns="" id="{87F376B6-E25F-4933-6F99-1D9BCE0D8D3A}"/>
               </a:ext>
             </a:extLst>
           </p:cNvPr>
@@ -2853,7 +2854,7 @@
           <p:cNvPr id="7" name="Slide Number Placeholder 6">
             <a:extLst>
               <a:ext uri="{FF2B5EF4-FFF2-40B4-BE49-F238E27FC236}">
-                <a16:creationId xmlns:a16="http://schemas.microsoft.com/office/drawing/2014/main" id="{383B51B9-8778-C67B-74A6-AC0C62CE2583}"/>
+                <a16:creationId xmlns:a16="http://schemas.microsoft.com/office/drawing/2014/main" xmlns="" id="{383B51B9-8778-C67B-74A6-AC0C62CE2583}"/>
               </a:ext>
             </a:extLst>
           </p:cNvPr>
@@ -2929,7 +2930,7 @@
           <p:cNvPr id="2" name="Title Placeholder 1">
             <a:extLst>
               <a:ext uri="{FF2B5EF4-FFF2-40B4-BE49-F238E27FC236}">
-                <a16:creationId xmlns:a16="http://schemas.microsoft.com/office/drawing/2014/main" id="{57455590-B893-67E5-CFEA-726642E77D06}"/>
+                <a16:creationId xmlns:a16="http://schemas.microsoft.com/office/drawing/2014/main" xmlns="" id="{57455590-B893-67E5-CFEA-726642E77D06}"/>
               </a:ext>
             </a:extLst>
           </p:cNvPr>
@@ -2968,7 +2969,7 @@
           <p:cNvPr id="3" name="Text Placeholder 2">
             <a:extLst>
               <a:ext uri="{FF2B5EF4-FFF2-40B4-BE49-F238E27FC236}">
-                <a16:creationId xmlns:a16="http://schemas.microsoft.com/office/drawing/2014/main" id="{D0FFEBC8-AA61-442D-DC66-0DC0E9F85C74}"/>
+                <a16:creationId xmlns:a16="http://schemas.microsoft.com/office/drawing/2014/main" xmlns="" id="{D0FFEBC8-AA61-442D-DC66-0DC0E9F85C74}"/>
               </a:ext>
             </a:extLst>
           </p:cNvPr>
@@ -3036,7 +3037,7 @@
           <p:cNvPr id="4" name="Date Placeholder 3">
             <a:extLst>
               <a:ext uri="{FF2B5EF4-FFF2-40B4-BE49-F238E27FC236}">
-                <a16:creationId xmlns:a16="http://schemas.microsoft.com/office/drawing/2014/main" id="{665E4156-4D46-61C8-5B45-8E201D88DA07}"/>
+                <a16:creationId xmlns:a16="http://schemas.microsoft.com/office/drawing/2014/main" xmlns="" id="{665E4156-4D46-61C8-5B45-8E201D88DA07}"/>
               </a:ext>
             </a:extLst>
           </p:cNvPr>
@@ -3072,7 +3073,7 @@
           <a:p>
             <a:fld id="{C6AFB733-5CAB-4116-B755-B92E902BA3C4}" type="datetimeFigureOut">
               <a:rPr lang="en-IN" smtClean="0"/>
-              <a:t>08-06-2022</a:t>
+              <a:t>09-06-2022</a:t>
             </a:fld>
             <a:endParaRPr lang="en-IN"/>
           </a:p>
@@ -3083,7 +3084,7 @@
           <p:cNvPr id="5" name="Footer Placeholder 4">
             <a:extLst>
               <a:ext uri="{FF2B5EF4-FFF2-40B4-BE49-F238E27FC236}">
-                <a16:creationId xmlns:a16="http://schemas.microsoft.com/office/drawing/2014/main" id="{BE1806EF-252B-1E42-A34B-447DCC28D343}"/>
+                <a16:creationId xmlns:a16="http://schemas.microsoft.com/office/drawing/2014/main" xmlns="" id="{BE1806EF-252B-1E42-A34B-447DCC28D343}"/>
               </a:ext>
             </a:extLst>
           </p:cNvPr>
@@ -3126,7 +3127,7 @@
           <p:cNvPr id="6" name="Slide Number Placeholder 5">
             <a:extLst>
               <a:ext uri="{FF2B5EF4-FFF2-40B4-BE49-F238E27FC236}">
-                <a16:creationId xmlns:a16="http://schemas.microsoft.com/office/drawing/2014/main" id="{A8081EFE-1E2E-1AB5-F138-3DC5824EFCB0}"/>
+                <a16:creationId xmlns:a16="http://schemas.microsoft.com/office/drawing/2014/main" xmlns="" id="{A8081EFE-1E2E-1AB5-F138-3DC5824EFCB0}"/>
               </a:ext>
             </a:extLst>
           </p:cNvPr>
@@ -3514,10 +3515,10 @@
           <p:cNvPr id="10" name="Rectangle 9">
             <a:extLst>
               <a:ext uri="{FF2B5EF4-FFF2-40B4-BE49-F238E27FC236}">
-                <a16:creationId xmlns:a16="http://schemas.microsoft.com/office/drawing/2014/main" id="{93245F62-CCC4-49E4-B95B-EA6C1E790510}"/>
+                <a16:creationId xmlns:a16="http://schemas.microsoft.com/office/drawing/2014/main" xmlns="" id="{93245F62-CCC4-49E4-B95B-EA6C1E790510}"/>
               </a:ext>
               <a:ext uri="{C183D7F6-B498-43B3-948B-1728B52AA6E4}">
-                <adec:decorative xmlns:adec="http://schemas.microsoft.com/office/drawing/2017/decorative" val="1"/>
+                <adec:decorative xmlns:adec="http://schemas.microsoft.com/office/drawing/2017/decorative" xmlns="" val="1"/>
               </a:ext>
             </a:extLst>
           </p:cNvPr>
@@ -3527,7 +3528,7 @@
           <p:nvPr>
             <p:extLst>
               <p:ext uri="{386F3935-93C4-4BCD-93E2-E3B085C9AB24}">
-                <p16:designElem xmlns:p16="http://schemas.microsoft.com/office/powerpoint/2015/main" val="1"/>
+                <p16:designElem xmlns:p16="http://schemas.microsoft.com/office/powerpoint/2015/main" xmlns="" val="1"/>
               </p:ext>
             </p:extLst>
           </p:nvPr>
@@ -3574,7 +3575,7 @@
           <p:cNvPr id="2" name="Title 1">
             <a:extLst>
               <a:ext uri="{FF2B5EF4-FFF2-40B4-BE49-F238E27FC236}">
-                <a16:creationId xmlns:a16="http://schemas.microsoft.com/office/drawing/2014/main" id="{61D16B83-F754-C7AD-A80C-9A7F90FE297C}"/>
+                <a16:creationId xmlns:a16="http://schemas.microsoft.com/office/drawing/2014/main" xmlns="" id="{61D16B83-F754-C7AD-A80C-9A7F90FE297C}"/>
               </a:ext>
             </a:extLst>
           </p:cNvPr>
@@ -3609,7 +3610,7 @@
           <p:cNvPr id="3" name="Subtitle 2">
             <a:extLst>
               <a:ext uri="{FF2B5EF4-FFF2-40B4-BE49-F238E27FC236}">
-                <a16:creationId xmlns:a16="http://schemas.microsoft.com/office/drawing/2014/main" id="{95D9B7CA-63D5-4C82-D0F9-F9CDB2F9B4AF}"/>
+                <a16:creationId xmlns:a16="http://schemas.microsoft.com/office/drawing/2014/main" xmlns="" id="{95D9B7CA-63D5-4C82-D0F9-F9CDB2F9B4AF}"/>
               </a:ext>
             </a:extLst>
           </p:cNvPr>
@@ -3644,7 +3645,7 @@
           <p:cNvPr id="5" name="Picture 4" descr="Icon&#10;&#10;Description automatically generated">
             <a:extLst>
               <a:ext uri="{FF2B5EF4-FFF2-40B4-BE49-F238E27FC236}">
-                <a16:creationId xmlns:a16="http://schemas.microsoft.com/office/drawing/2014/main" id="{412016E0-6AA0-6028-2703-CDEA97C89CBE}"/>
+                <a16:creationId xmlns:a16="http://schemas.microsoft.com/office/drawing/2014/main" xmlns="" id="{412016E0-6AA0-6028-2703-CDEA97C89CBE}"/>
               </a:ext>
             </a:extLst>
           </p:cNvPr>
@@ -3680,10 +3681,10 @@
           <p:cNvPr id="12" name="sketch line">
             <a:extLst>
               <a:ext uri="{FF2B5EF4-FFF2-40B4-BE49-F238E27FC236}">
-                <a16:creationId xmlns:a16="http://schemas.microsoft.com/office/drawing/2014/main" id="{E6C0DD6B-6AA3-448F-9B99-8386295BC1B4}"/>
+                <a16:creationId xmlns:a16="http://schemas.microsoft.com/office/drawing/2014/main" xmlns="" id="{E6C0DD6B-6AA3-448F-9B99-8386295BC1B4}"/>
               </a:ext>
               <a:ext uri="{C183D7F6-B498-43B3-948B-1728B52AA6E4}">
-                <adec:decorative xmlns:adec="http://schemas.microsoft.com/office/drawing/2017/decorative" val="1"/>
+                <adec:decorative xmlns:adec="http://schemas.microsoft.com/office/drawing/2017/decorative" xmlns="" val="1"/>
               </a:ext>
             </a:extLst>
           </p:cNvPr>
@@ -3693,7 +3694,7 @@
           <p:nvPr>
             <p:extLst>
               <p:ext uri="{386F3935-93C4-4BCD-93E2-E3B085C9AB24}">
-                <p16:designElem xmlns:p16="http://schemas.microsoft.com/office/powerpoint/2015/main" val="1"/>
+                <p16:designElem xmlns:p16="http://schemas.microsoft.com/office/powerpoint/2015/main" xmlns="" val="1"/>
               </p:ext>
             </p:extLst>
           </p:nvPr>
@@ -3981,7 +3982,7 @@
             <a:round/>
             <a:extLst>
               <a:ext uri="{C807C97D-BFC1-408E-A445-0C87EB9F89A2}">
-                <ask:lineSketchStyleProps xmlns:ask="http://schemas.microsoft.com/office/drawing/2018/sketchyshapes" sd="2727557108">
+                <ask:lineSketchStyleProps xmlns:ask="http://schemas.microsoft.com/office/drawing/2018/sketchyshapes" xmlns="" sd="2727557108">
                   <a:prstGeom prst="rect">
                     <a:avLst/>
                   </a:prstGeom>
@@ -4040,6 +4041,13 @@
       </p:transition>
     </mc:Fallback>
   </mc:AlternateContent>
+  <p:timing>
+    <p:tnLst>
+      <p:par>
+        <p:cTn id="1" dur="indefinite" restart="never" nodeType="tmRoot"/>
+      </p:par>
+    </p:tnLst>
+  </p:timing>
 </p:sld>
 </file>
 
@@ -4073,10 +4081,10 @@
           <p:cNvPr id="8" name="Rectangle 7">
             <a:extLst>
               <a:ext uri="{FF2B5EF4-FFF2-40B4-BE49-F238E27FC236}">
-                <a16:creationId xmlns:a16="http://schemas.microsoft.com/office/drawing/2014/main" id="{76EFD3D9-44F0-4267-BCC1-1613E79D8274}"/>
+                <a16:creationId xmlns:a16="http://schemas.microsoft.com/office/drawing/2014/main" xmlns="" id="{76EFD3D9-44F0-4267-BCC1-1613E79D8274}"/>
               </a:ext>
               <a:ext uri="{C183D7F6-B498-43B3-948B-1728B52AA6E4}">
-                <adec:decorative xmlns:adec="http://schemas.microsoft.com/office/drawing/2017/decorative" val="1"/>
+                <adec:decorative xmlns:adec="http://schemas.microsoft.com/office/drawing/2017/decorative" xmlns="" val="1"/>
               </a:ext>
             </a:extLst>
           </p:cNvPr>
@@ -4086,7 +4094,7 @@
           <p:nvPr>
             <p:extLst>
               <p:ext uri="{386F3935-93C4-4BCD-93E2-E3B085C9AB24}">
-                <p16:designElem xmlns:p16="http://schemas.microsoft.com/office/powerpoint/2015/main" val="1"/>
+                <p16:designElem xmlns:p16="http://schemas.microsoft.com/office/powerpoint/2015/main" xmlns="" val="1"/>
               </p:ext>
             </p:extLst>
           </p:nvPr>
@@ -4133,10 +4141,10 @@
           <p:cNvPr id="10" name="Freeform 6">
             <a:extLst>
               <a:ext uri="{FF2B5EF4-FFF2-40B4-BE49-F238E27FC236}">
-                <a16:creationId xmlns:a16="http://schemas.microsoft.com/office/drawing/2014/main" id="{A779A851-95D6-41AF-937A-B0E4B7F6FA8D}"/>
+                <a16:creationId xmlns:a16="http://schemas.microsoft.com/office/drawing/2014/main" xmlns="" id="{A779A851-95D6-41AF-937A-B0E4B7F6FA8D}"/>
               </a:ext>
               <a:ext uri="{C183D7F6-B498-43B3-948B-1728B52AA6E4}">
-                <adec:decorative xmlns:adec="http://schemas.microsoft.com/office/drawing/2017/decorative" val="1"/>
+                <adec:decorative xmlns:adec="http://schemas.microsoft.com/office/drawing/2017/decorative" xmlns="" val="1"/>
               </a:ext>
             </a:extLst>
           </p:cNvPr>
@@ -4146,7 +4154,7 @@
           <p:nvPr>
             <p:extLst>
               <p:ext uri="{386F3935-93C4-4BCD-93E2-E3B085C9AB24}">
-                <p16:designElem xmlns:p16="http://schemas.microsoft.com/office/powerpoint/2015/main" val="1"/>
+                <p16:designElem xmlns:p16="http://schemas.microsoft.com/office/powerpoint/2015/main" xmlns="" val="1"/>
               </p:ext>
             </p:extLst>
           </p:nvPr>
@@ -4236,10 +4244,10 @@
           <p:cNvPr id="12" name="Freeform 7">
             <a:extLst>
               <a:ext uri="{FF2B5EF4-FFF2-40B4-BE49-F238E27FC236}">
-                <a16:creationId xmlns:a16="http://schemas.microsoft.com/office/drawing/2014/main" id="{953FB2E7-B6CB-429C-81EB-D9516D6D5C8D}"/>
+                <a16:creationId xmlns:a16="http://schemas.microsoft.com/office/drawing/2014/main" xmlns="" id="{953FB2E7-B6CB-429C-81EB-D9516D6D5C8D}"/>
               </a:ext>
               <a:ext uri="{C183D7F6-B498-43B3-948B-1728B52AA6E4}">
-                <adec:decorative xmlns:adec="http://schemas.microsoft.com/office/drawing/2017/decorative" val="1"/>
+                <adec:decorative xmlns:adec="http://schemas.microsoft.com/office/drawing/2017/decorative" xmlns="" val="1"/>
               </a:ext>
             </a:extLst>
           </p:cNvPr>
@@ -4249,7 +4257,7 @@
           <p:nvPr>
             <p:extLst>
               <p:ext uri="{386F3935-93C4-4BCD-93E2-E3B085C9AB24}">
-                <p16:designElem xmlns:p16="http://schemas.microsoft.com/office/powerpoint/2015/main" val="1"/>
+                <p16:designElem xmlns:p16="http://schemas.microsoft.com/office/powerpoint/2015/main" xmlns="" val="1"/>
               </p:ext>
             </p:extLst>
           </p:nvPr>
@@ -4339,10 +4347,10 @@
           <p:cNvPr id="14" name="Freeform: Shape 13">
             <a:extLst>
               <a:ext uri="{FF2B5EF4-FFF2-40B4-BE49-F238E27FC236}">
-                <a16:creationId xmlns:a16="http://schemas.microsoft.com/office/drawing/2014/main" id="{2EC40DB1-B719-4A13-9A4D-0966B4B27866}"/>
+                <a16:creationId xmlns:a16="http://schemas.microsoft.com/office/drawing/2014/main" xmlns="" id="{2EC40DB1-B719-4A13-9A4D-0966B4B27866}"/>
               </a:ext>
               <a:ext uri="{C183D7F6-B498-43B3-948B-1728B52AA6E4}">
-                <adec:decorative xmlns:adec="http://schemas.microsoft.com/office/drawing/2017/decorative" val="1"/>
+                <adec:decorative xmlns:adec="http://schemas.microsoft.com/office/drawing/2017/decorative" xmlns="" val="1"/>
               </a:ext>
             </a:extLst>
           </p:cNvPr>
@@ -4352,7 +4360,7 @@
           <p:nvPr>
             <p:extLst>
               <p:ext uri="{386F3935-93C4-4BCD-93E2-E3B085C9AB24}">
-                <p16:designElem xmlns:p16="http://schemas.microsoft.com/office/powerpoint/2015/main" val="1"/>
+                <p16:designElem xmlns:p16="http://schemas.microsoft.com/office/powerpoint/2015/main" xmlns="" val="1"/>
               </p:ext>
             </p:extLst>
           </p:nvPr>
@@ -4449,7 +4457,7 @@
           <p:cNvPr id="2" name="Title 1">
             <a:extLst>
               <a:ext uri="{FF2B5EF4-FFF2-40B4-BE49-F238E27FC236}">
-                <a16:creationId xmlns:a16="http://schemas.microsoft.com/office/drawing/2014/main" id="{36E2C1D0-B0AF-829D-2CC0-864873625F77}"/>
+                <a16:creationId xmlns:a16="http://schemas.microsoft.com/office/drawing/2014/main" xmlns="" id="{79D90CEC-5C03-D15D-EB6E-366D514ACBF4}"/>
               </a:ext>
             </a:extLst>
           </p:cNvPr>
@@ -4473,28 +4481,29 @@
           <a:lstStyle/>
           <a:p>
             <a:r>
-              <a:rPr lang="en-IN" sz="2800" b="1" i="0" dirty="0">
+              <a:rPr lang="en-IN" sz="2800" i="0" dirty="0">
                 <a:solidFill>
-                  <a:schemeClr val="bg1"/>
+                  <a:srgbClr val="FFFFFF"/>
                 </a:solidFill>
                 <a:effectLst/>
-                <a:latin typeface="Montserrat" panose="00000500000000000000" pitchFamily="2" charset="0"/>
+                <a:latin typeface="+mn-lt"/>
               </a:rPr>
-              <a:t>Applications</a:t>
+              <a:t>Security Risks</a:t>
             </a:r>
             <a:br>
-              <a:rPr lang="en-IN" sz="1600" b="1" i="0" dirty="0">
+              <a:rPr lang="en-IN" sz="2800" i="0" dirty="0">
                 <a:solidFill>
-                  <a:srgbClr val="414141"/>
+                  <a:srgbClr val="FFFFFF"/>
                 </a:solidFill>
                 <a:effectLst/>
-                <a:latin typeface="Montserrat" panose="00000500000000000000" pitchFamily="2" charset="0"/>
+                <a:latin typeface="+mn-lt"/>
               </a:rPr>
             </a:br>
-            <a:endParaRPr lang="en-IN" sz="4000" dirty="0">
+            <a:endParaRPr lang="en-IN" sz="2800" dirty="0">
               <a:solidFill>
                 <a:srgbClr val="FFFFFF"/>
               </a:solidFill>
+              <a:latin typeface="+mn-lt"/>
             </a:endParaRPr>
           </a:p>
         </p:txBody>
@@ -4504,10 +4513,10 @@
           <p:cNvPr id="16" name="Rectangle 8">
             <a:extLst>
               <a:ext uri="{FF2B5EF4-FFF2-40B4-BE49-F238E27FC236}">
-                <a16:creationId xmlns:a16="http://schemas.microsoft.com/office/drawing/2014/main" id="{82211336-CFF3-412D-868A-6679C1004C45}"/>
+                <a16:creationId xmlns:a16="http://schemas.microsoft.com/office/drawing/2014/main" xmlns="" id="{82211336-CFF3-412D-868A-6679C1004C45}"/>
               </a:ext>
               <a:ext uri="{C183D7F6-B498-43B3-948B-1728B52AA6E4}">
-                <adec:decorative xmlns:adec="http://schemas.microsoft.com/office/drawing/2017/decorative" val="1"/>
+                <adec:decorative xmlns:adec="http://schemas.microsoft.com/office/drawing/2017/decorative" xmlns="" val="1"/>
               </a:ext>
             </a:extLst>
           </p:cNvPr>
@@ -4517,7 +4526,7 @@
           <p:nvPr>
             <p:extLst>
               <p:ext uri="{386F3935-93C4-4BCD-93E2-E3B085C9AB24}">
-                <p16:designElem xmlns:p16="http://schemas.microsoft.com/office/powerpoint/2015/main" val="1"/>
+                <p16:designElem xmlns:p16="http://schemas.microsoft.com/office/powerpoint/2015/main" xmlns="" val="1"/>
               </p:ext>
             </p:extLst>
           </p:nvPr>
@@ -4554,7 +4563,7 @@
           <p:cNvPr id="3" name="Content Placeholder 2">
             <a:extLst>
               <a:ext uri="{FF2B5EF4-FFF2-40B4-BE49-F238E27FC236}">
-                <a16:creationId xmlns:a16="http://schemas.microsoft.com/office/drawing/2014/main" id="{8FBC732D-B427-9072-A977-42E2D648B456}"/>
+                <a16:creationId xmlns:a16="http://schemas.microsoft.com/office/drawing/2014/main" xmlns="" id="{248CCC4F-3A28-5569-8945-C4B0FC3F99EE}"/>
               </a:ext>
             </a:extLst>
           </p:cNvPr>
@@ -4567,8 +4576,8 @@
         </p:nvSpPr>
         <p:spPr>
           <a:xfrm>
-            <a:off x="5014893" y="1564728"/>
-            <a:ext cx="6429375" cy="5084903"/>
+            <a:off x="5221862" y="1719618"/>
+            <a:ext cx="5948831" cy="4334629"/>
           </a:xfrm>
         </p:spPr>
         <p:txBody>
@@ -4578,161 +4587,28 @@
           <a:lstStyle/>
           <a:p>
             <a:r>
-              <a:rPr lang="en-US" sz="1800" b="0" i="0" dirty="0">
+              <a:rPr lang="en-US" sz="2200" b="0" i="0">
                 <a:solidFill>
                   <a:srgbClr val="FEFFFF"/>
                 </a:solidFill>
                 <a:effectLst/>
               </a:rPr>
-              <a:t>NFC technology is typically used for payments and </a:t>
-            </a:r>
-            <a:r>
-              <a:rPr lang="en-US" sz="1800" b="0" i="0" dirty="0">
-                <a:solidFill>
-                  <a:srgbClr val="FEFFFF"/>
-                </a:solidFill>
-                <a:effectLst/>
-                <a:hlinkClick r:id="rId2">
-                  <a:extLst>
-                    <a:ext uri="{A12FA001-AC4F-418D-AE19-62706E023703}">
-                      <ahyp:hlinkClr xmlns:ahyp="http://schemas.microsoft.com/office/drawing/2018/hyperlinkcolor" val="tx"/>
-                    </a:ext>
-                  </a:extLst>
-                </a:hlinkClick>
-              </a:rPr>
-              <a:t>marketing applications</a:t>
-            </a:r>
-            <a:r>
-              <a:rPr lang="en-US" sz="1800" b="0" i="0" dirty="0">
+              <a:t>Security risks exist when using NFC technology as a payment form. Since all the parts in an NFC system needs to be within 10 cm to enable the technology to transfer the data, eavesdropping with another NFC device is fairly difficult without being noticed, but can be done.</a:t>
+            </a:r>
+          </a:p>
+          <a:p>
+            <a:r>
+              <a:rPr lang="en-US" sz="2200" b="0" i="0">
                 <a:solidFill>
                   <a:srgbClr val="FEFFFF"/>
                 </a:solidFill>
                 <a:effectLst/>
               </a:rPr>
-              <a:t> today, but many other applications are slowly adopting NFC. </a:t>
-            </a:r>
-          </a:p>
-          <a:p>
-            <a:r>
-              <a:rPr lang="en-US" sz="1800" b="0" i="0" dirty="0">
-                <a:solidFill>
-                  <a:srgbClr val="FEFFFF"/>
-                </a:solidFill>
-                <a:effectLst/>
-              </a:rPr>
-              <a:t>Because programming is usually needed to bridge the gap between reading the tag and any action items associated, there are </a:t>
-            </a:r>
-            <a:r>
-              <a:rPr lang="en-US" sz="1800" b="0" i="0" dirty="0">
-                <a:solidFill>
-                  <a:srgbClr val="FEFFFF"/>
-                </a:solidFill>
-                <a:effectLst/>
-                <a:hlinkClick r:id="rId3">
-                  <a:extLst>
-                    <a:ext uri="{A12FA001-AC4F-418D-AE19-62706E023703}">
-                      <ahyp:hlinkClr xmlns:ahyp="http://schemas.microsoft.com/office/drawing/2018/hyperlinkcolor" val="tx"/>
-                    </a:ext>
-                  </a:extLst>
-                </a:hlinkClick>
-              </a:rPr>
-              <a:t>a few apps available</a:t>
-            </a:r>
-            <a:r>
-              <a:rPr lang="en-US" sz="1800" b="0" i="0" dirty="0">
-                <a:solidFill>
-                  <a:srgbClr val="FEFFFF"/>
-                </a:solidFill>
-                <a:effectLst/>
-              </a:rPr>
-              <a:t> to make some of these NFC uses come true. Below are a few examples of creative ways to use NFC tags.</a:t>
-            </a:r>
-          </a:p>
-          <a:p>
-            <a:r>
-              <a:rPr lang="en-US" sz="1800" b="0" i="0" dirty="0">
-                <a:solidFill>
-                  <a:srgbClr val="FEFFFF"/>
-                </a:solidFill>
-                <a:effectLst/>
-              </a:rPr>
-              <a:t>NFC can provide a phone with the ability to change settings depending on what tag is tapped.</a:t>
-            </a:r>
-          </a:p>
-          <a:p>
-            <a:r>
-              <a:rPr lang="en-US" sz="1800" b="0" i="0" dirty="0">
-                <a:solidFill>
-                  <a:srgbClr val="FEFFFF"/>
-                </a:solidFill>
-                <a:effectLst/>
-              </a:rPr>
-              <a:t> Placing a passive NFC tag on a desk at work and tapping it with an active NFC smartphone can (with the help of the right app) turn Wi-Fi on, Bluetooth off, or turn the ringer volume down.</a:t>
-            </a:r>
-          </a:p>
-          <a:p>
-            <a:r>
-              <a:rPr lang="en-US" sz="1800" b="0" i="0" dirty="0">
-                <a:solidFill>
-                  <a:srgbClr val="FEFFFF"/>
-                </a:solidFill>
-                <a:effectLst/>
-              </a:rPr>
-              <a:t>Other abilities include setting timers, calling specific contacts, saving battery power, or opening apps. To read more about these clever applications check out </a:t>
-            </a:r>
-            <a:r>
-              <a:rPr lang="en-US" sz="1800" b="0" i="0" dirty="0">
-                <a:solidFill>
-                  <a:srgbClr val="FEFFFF"/>
-                </a:solidFill>
-                <a:effectLst/>
-                <a:hlinkClick r:id="rId4">
-                  <a:extLst>
-                    <a:ext uri="{A12FA001-AC4F-418D-AE19-62706E023703}">
-                      <ahyp:hlinkClr xmlns:ahyp="http://schemas.microsoft.com/office/drawing/2018/hyperlinkcolor" val="tx"/>
-                    </a:ext>
-                  </a:extLst>
-                </a:hlinkClick>
-              </a:rPr>
-              <a:t>NXP’s 20 Creative Uses for NFC Technology</a:t>
-            </a:r>
-            <a:r>
-              <a:rPr lang="en-US" sz="1800" b="0" i="0" dirty="0">
-                <a:solidFill>
-                  <a:srgbClr val="FEFFFF"/>
-                </a:solidFill>
-                <a:effectLst/>
-              </a:rPr>
-              <a:t> and </a:t>
-            </a:r>
-            <a:r>
-              <a:rPr lang="en-US" sz="1800" b="0" i="0" dirty="0">
-                <a:solidFill>
-                  <a:srgbClr val="FEFFFF"/>
-                </a:solidFill>
-                <a:effectLst/>
-                <a:hlinkClick r:id="rId5">
-                  <a:extLst>
-                    <a:ext uri="{A12FA001-AC4F-418D-AE19-62706E023703}">
-                      <ahyp:hlinkClr xmlns:ahyp="http://schemas.microsoft.com/office/drawing/2018/hyperlinkcolor" val="tx"/>
-                    </a:ext>
-                  </a:extLst>
-                </a:hlinkClick>
-              </a:rPr>
-              <a:t>CNET’s Practical and Creative Ways to Use NFC</a:t>
-            </a:r>
-            <a:r>
-              <a:rPr lang="en-US" sz="1800" b="0" i="0" dirty="0">
-                <a:solidFill>
-                  <a:srgbClr val="FEFFFF"/>
-                </a:solidFill>
-                <a:effectLst/>
-              </a:rPr>
-              <a:t>.</a:t>
-            </a:r>
-          </a:p>
-          <a:p>
-            <a:endParaRPr lang="en-IN" sz="1800" dirty="0">
+              <a:t>There are other, more complex ways that thieves are trying to steal NFC data through data corruption, interception devices, or just theft of the NFC device. While new ways are coming out to try and defeat NFC security, new security measures are being put in place.</a:t>
+            </a:r>
+          </a:p>
+          <a:p>
+            <a:endParaRPr lang="en-IN" sz="2200">
               <a:solidFill>
                 <a:srgbClr val="FEFFFF"/>
               </a:solidFill>
@@ -4743,7 +4619,7 @@
     </p:spTree>
     <p:extLst>
       <p:ext uri="{BB962C8B-B14F-4D97-AF65-F5344CB8AC3E}">
-        <p14:creationId xmlns:p14="http://schemas.microsoft.com/office/powerpoint/2010/main" val="160713086"/>
+        <p14:creationId xmlns:p14="http://schemas.microsoft.com/office/powerpoint/2010/main" val="2082509318"/>
       </p:ext>
     </p:extLst>
   </p:cSld>
@@ -4762,6 +4638,13 @@
       </p:transition>
     </mc:Fallback>
   </mc:AlternateContent>
+  <p:timing>
+    <p:tnLst>
+      <p:par>
+        <p:cTn id="1" dur="indefinite" restart="never" nodeType="tmRoot"/>
+      </p:par>
+    </p:tnLst>
+  </p:timing>
 </p:sld>
 </file>
 
@@ -4792,13 +4675,13 @@
       </p:grpSpPr>
       <p:sp useBgFill="1">
         <p:nvSpPr>
-          <p:cNvPr id="10" name="Rectangle 9">
-            <a:extLst>
-              <a:ext uri="{FF2B5EF4-FFF2-40B4-BE49-F238E27FC236}">
-                <a16:creationId xmlns:a16="http://schemas.microsoft.com/office/drawing/2014/main" id="{A3363022-C969-41E9-8EB2-E4C94908C1FA}"/>
+          <p:cNvPr id="8" name="Rectangle 7">
+            <a:extLst>
+              <a:ext uri="{FF2B5EF4-FFF2-40B4-BE49-F238E27FC236}">
+                <a16:creationId xmlns:a16="http://schemas.microsoft.com/office/drawing/2014/main" xmlns="" id="{76EFD3D9-44F0-4267-BCC1-1613E79D8274}"/>
               </a:ext>
               <a:ext uri="{C183D7F6-B498-43B3-948B-1728B52AA6E4}">
-                <adec:decorative xmlns:adec="http://schemas.microsoft.com/office/drawing/2017/decorative" val="1"/>
+                <adec:decorative xmlns:adec="http://schemas.microsoft.com/office/drawing/2017/decorative" xmlns="" val="1"/>
               </a:ext>
             </a:extLst>
           </p:cNvPr>
@@ -4808,7 +4691,746 @@
           <p:nvPr>
             <p:extLst>
               <p:ext uri="{386F3935-93C4-4BCD-93E2-E3B085C9AB24}">
-                <p16:designElem xmlns:p16="http://schemas.microsoft.com/office/powerpoint/2015/main" val="1"/>
+                <p16:designElem xmlns:p16="http://schemas.microsoft.com/office/powerpoint/2015/main" xmlns="" val="1"/>
+              </p:ext>
+            </p:extLst>
+          </p:nvPr>
+        </p:nvSpPr>
+        <p:spPr>
+          <a:xfrm>
+            <a:off x="0" y="0"/>
+            <a:ext cx="12188952" cy="6858000"/>
+          </a:xfrm>
+          <a:prstGeom prst="rect">
+            <a:avLst/>
+          </a:prstGeom>
+          <a:ln>
+            <a:noFill/>
+          </a:ln>
+        </p:spPr>
+        <p:style>
+          <a:lnRef idx="2">
+            <a:schemeClr val="accent1">
+              <a:shade val="50000"/>
+            </a:schemeClr>
+          </a:lnRef>
+          <a:fillRef idx="1">
+            <a:schemeClr val="accent1"/>
+          </a:fillRef>
+          <a:effectRef idx="0">
+            <a:schemeClr val="accent1"/>
+          </a:effectRef>
+          <a:fontRef idx="minor">
+            <a:schemeClr val="lt1"/>
+          </a:fontRef>
+        </p:style>
+        <p:txBody>
+          <a:bodyPr rtlCol="0" anchor="ctr"/>
+          <a:lstStyle/>
+          <a:p>
+            <a:pPr algn="ctr"/>
+            <a:endParaRPr lang="en-US"/>
+          </a:p>
+        </p:txBody>
+      </p:sp>
+      <p:sp>
+        <p:nvSpPr>
+          <p:cNvPr id="10" name="Freeform 6">
+            <a:extLst>
+              <a:ext uri="{FF2B5EF4-FFF2-40B4-BE49-F238E27FC236}">
+                <a16:creationId xmlns:a16="http://schemas.microsoft.com/office/drawing/2014/main" xmlns="" id="{A779A851-95D6-41AF-937A-B0E4B7F6FA8D}"/>
+              </a:ext>
+              <a:ext uri="{C183D7F6-B498-43B3-948B-1728B52AA6E4}">
+                <adec:decorative xmlns:adec="http://schemas.microsoft.com/office/drawing/2017/decorative" xmlns="" val="1"/>
+              </a:ext>
+            </a:extLst>
+          </p:cNvPr>
+          <p:cNvSpPr>
+            <a:spLocks noGrp="1" noRot="1" noChangeAspect="1" noMove="1" noResize="1" noEditPoints="1" noAdjustHandles="1" noChangeArrowheads="1" noChangeShapeType="1" noTextEdit="1"/>
+          </p:cNvSpPr>
+          <p:nvPr>
+            <p:extLst>
+              <p:ext uri="{386F3935-93C4-4BCD-93E2-E3B085C9AB24}">
+                <p16:designElem xmlns:p16="http://schemas.microsoft.com/office/powerpoint/2015/main" xmlns="" val="1"/>
+              </p:ext>
+            </p:extLst>
+          </p:nvPr>
+        </p:nvSpPr>
+        <p:spPr bwMode="auto">
+          <a:xfrm>
+            <a:off x="4142164" y="900814"/>
+            <a:ext cx="759618" cy="5710965"/>
+          </a:xfrm>
+          <a:custGeom>
+            <a:avLst/>
+            <a:gdLst>
+              <a:gd name="T0" fmla="*/ 414 w 414"/>
+              <a:gd name="T1" fmla="*/ 2447 h 2447"/>
+              <a:gd name="T2" fmla="*/ 0 w 414"/>
+              <a:gd name="T3" fmla="*/ 2247 h 2447"/>
+              <a:gd name="T4" fmla="*/ 0 w 414"/>
+              <a:gd name="T5" fmla="*/ 0 h 2447"/>
+              <a:gd name="T6" fmla="*/ 414 w 414"/>
+              <a:gd name="T7" fmla="*/ 200 h 2447"/>
+              <a:gd name="T8" fmla="*/ 414 w 414"/>
+              <a:gd name="T9" fmla="*/ 2447 h 2447"/>
+            </a:gdLst>
+            <a:ahLst/>
+            <a:cxnLst>
+              <a:cxn ang="0">
+                <a:pos x="T0" y="T1"/>
+              </a:cxn>
+              <a:cxn ang="0">
+                <a:pos x="T2" y="T3"/>
+              </a:cxn>
+              <a:cxn ang="0">
+                <a:pos x="T4" y="T5"/>
+              </a:cxn>
+              <a:cxn ang="0">
+                <a:pos x="T6" y="T7"/>
+              </a:cxn>
+              <a:cxn ang="0">
+                <a:pos x="T8" y="T9"/>
+              </a:cxn>
+            </a:cxnLst>
+            <a:rect l="0" t="0" r="r" b="b"/>
+            <a:pathLst>
+              <a:path w="414" h="2447">
+                <a:moveTo>
+                  <a:pt x="414" y="2447"/>
+                </a:moveTo>
+                <a:lnTo>
+                  <a:pt x="0" y="2247"/>
+                </a:lnTo>
+                <a:lnTo>
+                  <a:pt x="0" y="0"/>
+                </a:lnTo>
+                <a:lnTo>
+                  <a:pt x="414" y="200"/>
+                </a:lnTo>
+                <a:lnTo>
+                  <a:pt x="414" y="2447"/>
+                </a:lnTo>
+                <a:close/>
+              </a:path>
+            </a:pathLst>
+          </a:custGeom>
+          <a:solidFill>
+            <a:schemeClr val="accent1">
+              <a:lumMod val="75000"/>
+            </a:schemeClr>
+          </a:solidFill>
+          <a:ln>
+            <a:noFill/>
+          </a:ln>
+        </p:spPr>
+        <p:txBody>
+          <a:bodyPr vert="horz" wrap="square" lIns="91440" tIns="45720" rIns="91440" bIns="45720" numCol="1" anchor="t" anchorCtr="0" compatLnSpc="1">
+            <a:prstTxWarp prst="textNoShape">
+              <a:avLst/>
+            </a:prstTxWarp>
+          </a:bodyPr>
+          <a:lstStyle/>
+          <a:p>
+            <a:endParaRPr lang="en-US"/>
+          </a:p>
+        </p:txBody>
+      </p:sp>
+      <p:sp>
+        <p:nvSpPr>
+          <p:cNvPr id="12" name="Freeform 7">
+            <a:extLst>
+              <a:ext uri="{FF2B5EF4-FFF2-40B4-BE49-F238E27FC236}">
+                <a16:creationId xmlns:a16="http://schemas.microsoft.com/office/drawing/2014/main" xmlns="" id="{953FB2E7-B6CB-429C-81EB-D9516D6D5C8D}"/>
+              </a:ext>
+              <a:ext uri="{C183D7F6-B498-43B3-948B-1728B52AA6E4}">
+                <adec:decorative xmlns:adec="http://schemas.microsoft.com/office/drawing/2017/decorative" xmlns="" val="1"/>
+              </a:ext>
+            </a:extLst>
+          </p:cNvPr>
+          <p:cNvSpPr>
+            <a:spLocks noGrp="1" noRot="1" noChangeAspect="1" noMove="1" noResize="1" noEditPoints="1" noAdjustHandles="1" noChangeArrowheads="1" noChangeShapeType="1" noTextEdit="1"/>
+          </p:cNvSpPr>
+          <p:nvPr>
+            <p:extLst>
+              <p:ext uri="{386F3935-93C4-4BCD-93E2-E3B085C9AB24}">
+                <p16:designElem xmlns:p16="http://schemas.microsoft.com/office/powerpoint/2015/main" xmlns="" val="1"/>
+              </p:ext>
+            </p:extLst>
+          </p:nvPr>
+        </p:nvSpPr>
+        <p:spPr bwMode="auto">
+          <a:xfrm>
+            <a:off x="4144437" y="633165"/>
+            <a:ext cx="482654" cy="5521414"/>
+          </a:xfrm>
+          <a:custGeom>
+            <a:avLst/>
+            <a:gdLst>
+              <a:gd name="T0" fmla="*/ 209 w 209"/>
+              <a:gd name="T1" fmla="*/ 2246 h 2358"/>
+              <a:gd name="T2" fmla="*/ 0 w 209"/>
+              <a:gd name="T3" fmla="*/ 2358 h 2358"/>
+              <a:gd name="T4" fmla="*/ 0 w 209"/>
+              <a:gd name="T5" fmla="*/ 111 h 2358"/>
+              <a:gd name="T6" fmla="*/ 209 w 209"/>
+              <a:gd name="T7" fmla="*/ 0 h 2358"/>
+              <a:gd name="T8" fmla="*/ 209 w 209"/>
+              <a:gd name="T9" fmla="*/ 2246 h 2358"/>
+            </a:gdLst>
+            <a:ahLst/>
+            <a:cxnLst>
+              <a:cxn ang="0">
+                <a:pos x="T0" y="T1"/>
+              </a:cxn>
+              <a:cxn ang="0">
+                <a:pos x="T2" y="T3"/>
+              </a:cxn>
+              <a:cxn ang="0">
+                <a:pos x="T4" y="T5"/>
+              </a:cxn>
+              <a:cxn ang="0">
+                <a:pos x="T6" y="T7"/>
+              </a:cxn>
+              <a:cxn ang="0">
+                <a:pos x="T8" y="T9"/>
+              </a:cxn>
+            </a:cxnLst>
+            <a:rect l="0" t="0" r="r" b="b"/>
+            <a:pathLst>
+              <a:path w="209" h="2358">
+                <a:moveTo>
+                  <a:pt x="209" y="2246"/>
+                </a:moveTo>
+                <a:lnTo>
+                  <a:pt x="0" y="2358"/>
+                </a:lnTo>
+                <a:lnTo>
+                  <a:pt x="0" y="111"/>
+                </a:lnTo>
+                <a:lnTo>
+                  <a:pt x="209" y="0"/>
+                </a:lnTo>
+                <a:lnTo>
+                  <a:pt x="209" y="2246"/>
+                </a:lnTo>
+                <a:close/>
+              </a:path>
+            </a:pathLst>
+          </a:custGeom>
+          <a:solidFill>
+            <a:schemeClr val="accent1">
+              <a:lumMod val="50000"/>
+            </a:schemeClr>
+          </a:solidFill>
+          <a:ln>
+            <a:noFill/>
+          </a:ln>
+        </p:spPr>
+        <p:txBody>
+          <a:bodyPr vert="horz" wrap="square" lIns="91440" tIns="45720" rIns="91440" bIns="45720" numCol="1" anchor="t" anchorCtr="0" compatLnSpc="1">
+            <a:prstTxWarp prst="textNoShape">
+              <a:avLst/>
+            </a:prstTxWarp>
+          </a:bodyPr>
+          <a:lstStyle/>
+          <a:p>
+            <a:endParaRPr lang="en-US"/>
+          </a:p>
+        </p:txBody>
+      </p:sp>
+      <p:sp>
+        <p:nvSpPr>
+          <p:cNvPr id="14" name="Freeform: Shape 13">
+            <a:extLst>
+              <a:ext uri="{FF2B5EF4-FFF2-40B4-BE49-F238E27FC236}">
+                <a16:creationId xmlns:a16="http://schemas.microsoft.com/office/drawing/2014/main" xmlns="" id="{2EC40DB1-B719-4A13-9A4D-0966B4B27866}"/>
+              </a:ext>
+              <a:ext uri="{C183D7F6-B498-43B3-948B-1728B52AA6E4}">
+                <adec:decorative xmlns:adec="http://schemas.microsoft.com/office/drawing/2017/decorative" xmlns="" val="1"/>
+              </a:ext>
+            </a:extLst>
+          </p:cNvPr>
+          <p:cNvSpPr>
+            <a:spLocks noGrp="1" noRot="1" noChangeAspect="1" noMove="1" noResize="1" noEditPoints="1" noAdjustHandles="1" noChangeArrowheads="1" noChangeShapeType="1" noTextEdit="1"/>
+          </p:cNvSpPr>
+          <p:nvPr>
+            <p:extLst>
+              <p:ext uri="{386F3935-93C4-4BCD-93E2-E3B085C9AB24}">
+                <p16:designElem xmlns:p16="http://schemas.microsoft.com/office/powerpoint/2015/main" xmlns="" val="1"/>
+              </p:ext>
+            </p:extLst>
+          </p:nvPr>
+        </p:nvSpPr>
+        <p:spPr>
+          <a:xfrm>
+            <a:off x="634621" y="636723"/>
+            <a:ext cx="4000062" cy="5257799"/>
+          </a:xfrm>
+          <a:custGeom>
+            <a:avLst/>
+            <a:gdLst>
+              <a:gd name="connsiteX0" fmla="*/ 0 w 4634682"/>
+              <a:gd name="connsiteY0" fmla="*/ 0 h 5257799"/>
+              <a:gd name="connsiteX1" fmla="*/ 4634682 w 4634682"/>
+              <a:gd name="connsiteY1" fmla="*/ 0 h 5257799"/>
+              <a:gd name="connsiteX2" fmla="*/ 4634682 w 4634682"/>
+              <a:gd name="connsiteY2" fmla="*/ 5257799 h 5257799"/>
+              <a:gd name="connsiteX3" fmla="*/ 0 w 4634682"/>
+              <a:gd name="connsiteY3" fmla="*/ 5257799 h 5257799"/>
+            </a:gdLst>
+            <a:ahLst/>
+            <a:cxnLst>
+              <a:cxn ang="0">
+                <a:pos x="connsiteX0" y="connsiteY0"/>
+              </a:cxn>
+              <a:cxn ang="0">
+                <a:pos x="connsiteX1" y="connsiteY1"/>
+              </a:cxn>
+              <a:cxn ang="0">
+                <a:pos x="connsiteX2" y="connsiteY2"/>
+              </a:cxn>
+              <a:cxn ang="0">
+                <a:pos x="connsiteX3" y="connsiteY3"/>
+              </a:cxn>
+            </a:cxnLst>
+            <a:rect l="l" t="t" r="r" b="b"/>
+            <a:pathLst>
+              <a:path w="4634682" h="5257799">
+                <a:moveTo>
+                  <a:pt x="0" y="0"/>
+                </a:moveTo>
+                <a:lnTo>
+                  <a:pt x="4634682" y="0"/>
+                </a:lnTo>
+                <a:lnTo>
+                  <a:pt x="4634682" y="5257799"/>
+                </a:lnTo>
+                <a:lnTo>
+                  <a:pt x="0" y="5257799"/>
+                </a:lnTo>
+                <a:close/>
+              </a:path>
+            </a:pathLst>
+          </a:custGeom>
+          <a:solidFill>
+            <a:schemeClr val="accent1">
+              <a:lumMod val="50000"/>
+            </a:schemeClr>
+          </a:solidFill>
+          <a:ln>
+            <a:noFill/>
+          </a:ln>
+        </p:spPr>
+        <p:style>
+          <a:lnRef idx="2">
+            <a:schemeClr val="accent1">
+              <a:shade val="50000"/>
+            </a:schemeClr>
+          </a:lnRef>
+          <a:fillRef idx="1">
+            <a:schemeClr val="accent1"/>
+          </a:fillRef>
+          <a:effectRef idx="0">
+            <a:schemeClr val="accent1"/>
+          </a:effectRef>
+          <a:fontRef idx="minor">
+            <a:schemeClr val="lt1"/>
+          </a:fontRef>
+        </p:style>
+        <p:txBody>
+          <a:bodyPr wrap="square" rtlCol="0" anchor="ctr">
+            <a:noAutofit/>
+          </a:bodyPr>
+          <a:lstStyle/>
+          <a:p>
+            <a:pPr algn="ctr"/>
+            <a:endParaRPr lang="en-US"/>
+          </a:p>
+        </p:txBody>
+      </p:sp>
+      <p:sp>
+        <p:nvSpPr>
+          <p:cNvPr id="2" name="Title 1">
+            <a:extLst>
+              <a:ext uri="{FF2B5EF4-FFF2-40B4-BE49-F238E27FC236}">
+                <a16:creationId xmlns:a16="http://schemas.microsoft.com/office/drawing/2014/main" xmlns="" id="{36E2C1D0-B0AF-829D-2CC0-864873625F77}"/>
+              </a:ext>
+            </a:extLst>
+          </p:cNvPr>
+          <p:cNvSpPr>
+            <a:spLocks noGrp="1"/>
+          </p:cNvSpPr>
+          <p:nvPr>
+            <p:ph type="title"/>
+          </p:nvPr>
+        </p:nvSpPr>
+        <p:spPr>
+          <a:xfrm>
+            <a:off x="934872" y="982272"/>
+            <a:ext cx="3388419" cy="4560970"/>
+          </a:xfrm>
+        </p:spPr>
+        <p:txBody>
+          <a:bodyPr>
+            <a:normAutofit/>
+          </a:bodyPr>
+          <a:lstStyle/>
+          <a:p>
+            <a:r>
+              <a:rPr lang="en-IN" sz="2800" b="1" i="0" dirty="0">
+                <a:solidFill>
+                  <a:schemeClr val="bg1"/>
+                </a:solidFill>
+                <a:effectLst/>
+                <a:latin typeface="Montserrat" panose="00000500000000000000" pitchFamily="2" charset="0"/>
+              </a:rPr>
+              <a:t>Applications</a:t>
+            </a:r>
+            <a:r>
+              <a:rPr lang="en-IN" sz="1600" b="1" i="0" dirty="0">
+                <a:solidFill>
+                  <a:srgbClr val="414141"/>
+                </a:solidFill>
+                <a:effectLst/>
+                <a:latin typeface="Montserrat" panose="00000500000000000000" pitchFamily="2" charset="0"/>
+              </a:rPr>
+              <a:t/>
+            </a:r>
+            <a:br>
+              <a:rPr lang="en-IN" sz="1600" b="1" i="0" dirty="0">
+                <a:solidFill>
+                  <a:srgbClr val="414141"/>
+                </a:solidFill>
+                <a:effectLst/>
+                <a:latin typeface="Montserrat" panose="00000500000000000000" pitchFamily="2" charset="0"/>
+              </a:rPr>
+            </a:br>
+            <a:endParaRPr lang="en-IN" sz="4000" dirty="0">
+              <a:solidFill>
+                <a:srgbClr val="FFFFFF"/>
+              </a:solidFill>
+            </a:endParaRPr>
+          </a:p>
+        </p:txBody>
+      </p:sp>
+      <p:sp>
+        <p:nvSpPr>
+          <p:cNvPr id="16" name="Rectangle 8">
+            <a:extLst>
+              <a:ext uri="{FF2B5EF4-FFF2-40B4-BE49-F238E27FC236}">
+                <a16:creationId xmlns:a16="http://schemas.microsoft.com/office/drawing/2014/main" xmlns="" id="{82211336-CFF3-412D-868A-6679C1004C45}"/>
+              </a:ext>
+              <a:ext uri="{C183D7F6-B498-43B3-948B-1728B52AA6E4}">
+                <adec:decorative xmlns:adec="http://schemas.microsoft.com/office/drawing/2017/decorative" xmlns="" val="1"/>
+              </a:ext>
+            </a:extLst>
+          </p:cNvPr>
+          <p:cNvSpPr>
+            <a:spLocks noGrp="1" noRot="1" noChangeAspect="1" noMove="1" noResize="1" noEditPoints="1" noAdjustHandles="1" noChangeArrowheads="1" noChangeShapeType="1" noTextEdit="1"/>
+          </p:cNvSpPr>
+          <p:nvPr>
+            <p:extLst>
+              <p:ext uri="{386F3935-93C4-4BCD-93E2-E3B085C9AB24}">
+                <p16:designElem xmlns:p16="http://schemas.microsoft.com/office/powerpoint/2015/main" xmlns="" val="1"/>
+              </p:ext>
+            </p:extLst>
+          </p:nvPr>
+        </p:nvSpPr>
+        <p:spPr bwMode="auto">
+          <a:xfrm>
+            <a:off x="4901782" y="1352302"/>
+            <a:ext cx="6655597" cy="5251646"/>
+          </a:xfrm>
+          <a:prstGeom prst="rect">
+            <a:avLst/>
+          </a:prstGeom>
+          <a:solidFill>
+            <a:schemeClr val="accent1"/>
+          </a:solidFill>
+          <a:ln>
+            <a:noFill/>
+          </a:ln>
+        </p:spPr>
+        <p:txBody>
+          <a:bodyPr vert="horz" wrap="square" lIns="91440" tIns="45720" rIns="91440" bIns="45720" numCol="1" anchor="t" anchorCtr="0" compatLnSpc="1">
+            <a:prstTxWarp prst="textNoShape">
+              <a:avLst/>
+            </a:prstTxWarp>
+          </a:bodyPr>
+          <a:lstStyle/>
+          <a:p>
+            <a:endParaRPr lang="en-US"/>
+          </a:p>
+        </p:txBody>
+      </p:sp>
+      <p:sp>
+        <p:nvSpPr>
+          <p:cNvPr id="3" name="Content Placeholder 2">
+            <a:extLst>
+              <a:ext uri="{FF2B5EF4-FFF2-40B4-BE49-F238E27FC236}">
+                <a16:creationId xmlns:a16="http://schemas.microsoft.com/office/drawing/2014/main" xmlns="" id="{8FBC732D-B427-9072-A977-42E2D648B456}"/>
+              </a:ext>
+            </a:extLst>
+          </p:cNvPr>
+          <p:cNvSpPr>
+            <a:spLocks noGrp="1"/>
+          </p:cNvSpPr>
+          <p:nvPr>
+            <p:ph idx="1"/>
+          </p:nvPr>
+        </p:nvSpPr>
+        <p:spPr>
+          <a:xfrm>
+            <a:off x="5014893" y="1564728"/>
+            <a:ext cx="6429375" cy="5084903"/>
+          </a:xfrm>
+        </p:spPr>
+        <p:txBody>
+          <a:bodyPr anchor="ctr">
+            <a:normAutofit/>
+          </a:bodyPr>
+          <a:lstStyle/>
+          <a:p>
+            <a:r>
+              <a:rPr lang="en-US" sz="1800" b="0" i="0" dirty="0">
+                <a:solidFill>
+                  <a:srgbClr val="FEFFFF"/>
+                </a:solidFill>
+                <a:effectLst/>
+              </a:rPr>
+              <a:t>NFC technology is typically used for payments and </a:t>
+            </a:r>
+            <a:r>
+              <a:rPr lang="en-US" sz="1800" b="0" i="0" dirty="0">
+                <a:solidFill>
+                  <a:srgbClr val="FEFFFF"/>
+                </a:solidFill>
+                <a:effectLst/>
+                <a:hlinkClick r:id="rId2">
+                  <a:extLst>
+                    <a:ext uri="{A12FA001-AC4F-418D-AE19-62706E023703}">
+                      <ahyp:hlinkClr xmlns:ahyp="http://schemas.microsoft.com/office/drawing/2018/hyperlinkcolor" xmlns="" val="tx"/>
+                    </a:ext>
+                  </a:extLst>
+                </a:hlinkClick>
+              </a:rPr>
+              <a:t>marketing applications</a:t>
+            </a:r>
+            <a:r>
+              <a:rPr lang="en-US" sz="1800" b="0" i="0" dirty="0">
+                <a:solidFill>
+                  <a:srgbClr val="FEFFFF"/>
+                </a:solidFill>
+                <a:effectLst/>
+              </a:rPr>
+              <a:t> today, but many other applications are slowly adopting NFC. </a:t>
+            </a:r>
+          </a:p>
+          <a:p>
+            <a:r>
+              <a:rPr lang="en-US" sz="1800" b="0" i="0" dirty="0">
+                <a:solidFill>
+                  <a:srgbClr val="FEFFFF"/>
+                </a:solidFill>
+                <a:effectLst/>
+              </a:rPr>
+              <a:t>Because programming is usually needed to bridge the gap between reading the tag and any action items associated, there are </a:t>
+            </a:r>
+            <a:r>
+              <a:rPr lang="en-US" sz="1800" b="0" i="0" dirty="0">
+                <a:solidFill>
+                  <a:srgbClr val="FEFFFF"/>
+                </a:solidFill>
+                <a:effectLst/>
+                <a:hlinkClick r:id="rId3">
+                  <a:extLst>
+                    <a:ext uri="{A12FA001-AC4F-418D-AE19-62706E023703}">
+                      <ahyp:hlinkClr xmlns:ahyp="http://schemas.microsoft.com/office/drawing/2018/hyperlinkcolor" xmlns="" val="tx"/>
+                    </a:ext>
+                  </a:extLst>
+                </a:hlinkClick>
+              </a:rPr>
+              <a:t>a few apps available</a:t>
+            </a:r>
+            <a:r>
+              <a:rPr lang="en-US" sz="1800" b="0" i="0" dirty="0">
+                <a:solidFill>
+                  <a:srgbClr val="FEFFFF"/>
+                </a:solidFill>
+                <a:effectLst/>
+              </a:rPr>
+              <a:t> to make some of these NFC uses come true. Below are a few examples of creative ways to use NFC tags.</a:t>
+            </a:r>
+          </a:p>
+          <a:p>
+            <a:r>
+              <a:rPr lang="en-US" sz="1800" b="0" i="0" dirty="0">
+                <a:solidFill>
+                  <a:srgbClr val="FEFFFF"/>
+                </a:solidFill>
+                <a:effectLst/>
+              </a:rPr>
+              <a:t>NFC can provide a phone with the ability to change settings depending on what tag is tapped.</a:t>
+            </a:r>
+          </a:p>
+          <a:p>
+            <a:r>
+              <a:rPr lang="en-US" sz="1800" b="0" i="0" dirty="0">
+                <a:solidFill>
+                  <a:srgbClr val="FEFFFF"/>
+                </a:solidFill>
+                <a:effectLst/>
+              </a:rPr>
+              <a:t> Placing a passive NFC tag on a desk at work and tapping it with an active NFC smartphone can (with the help of the right app) turn Wi-Fi on, Bluetooth off, or turn the ringer volume down.</a:t>
+            </a:r>
+          </a:p>
+          <a:p>
+            <a:r>
+              <a:rPr lang="en-US" sz="1800" b="0" i="0" dirty="0">
+                <a:solidFill>
+                  <a:srgbClr val="FEFFFF"/>
+                </a:solidFill>
+                <a:effectLst/>
+              </a:rPr>
+              <a:t>Other abilities include setting timers, calling specific contacts, saving battery power, or opening apps. To read more about these clever applications check out </a:t>
+            </a:r>
+            <a:r>
+              <a:rPr lang="en-US" sz="1800" b="0" i="0" dirty="0">
+                <a:solidFill>
+                  <a:srgbClr val="FEFFFF"/>
+                </a:solidFill>
+                <a:effectLst/>
+                <a:hlinkClick r:id="rId4">
+                  <a:extLst>
+                    <a:ext uri="{A12FA001-AC4F-418D-AE19-62706E023703}">
+                      <ahyp:hlinkClr xmlns:ahyp="http://schemas.microsoft.com/office/drawing/2018/hyperlinkcolor" xmlns="" val="tx"/>
+                    </a:ext>
+                  </a:extLst>
+                </a:hlinkClick>
+              </a:rPr>
+              <a:t>NXP’s 20 Creative Uses for NFC Technology</a:t>
+            </a:r>
+            <a:r>
+              <a:rPr lang="en-US" sz="1800" b="0" i="0" dirty="0">
+                <a:solidFill>
+                  <a:srgbClr val="FEFFFF"/>
+                </a:solidFill>
+                <a:effectLst/>
+              </a:rPr>
+              <a:t> and </a:t>
+            </a:r>
+            <a:r>
+              <a:rPr lang="en-US" sz="1800" b="0" i="0" dirty="0">
+                <a:solidFill>
+                  <a:srgbClr val="FEFFFF"/>
+                </a:solidFill>
+                <a:effectLst/>
+                <a:hlinkClick r:id="rId5">
+                  <a:extLst>
+                    <a:ext uri="{A12FA001-AC4F-418D-AE19-62706E023703}">
+                      <ahyp:hlinkClr xmlns:ahyp="http://schemas.microsoft.com/office/drawing/2018/hyperlinkcolor" xmlns="" val="tx"/>
+                    </a:ext>
+                  </a:extLst>
+                </a:hlinkClick>
+              </a:rPr>
+              <a:t>CNET’s Practical and Creative Ways to Use NFC</a:t>
+            </a:r>
+            <a:r>
+              <a:rPr lang="en-US" sz="1800" b="0" i="0" dirty="0">
+                <a:solidFill>
+                  <a:srgbClr val="FEFFFF"/>
+                </a:solidFill>
+                <a:effectLst/>
+              </a:rPr>
+              <a:t>.</a:t>
+            </a:r>
+          </a:p>
+          <a:p>
+            <a:endParaRPr lang="en-IN" sz="1800" dirty="0">
+              <a:solidFill>
+                <a:srgbClr val="FEFFFF"/>
+              </a:solidFill>
+            </a:endParaRPr>
+          </a:p>
+        </p:txBody>
+      </p:sp>
+    </p:spTree>
+    <p:extLst>
+      <p:ext uri="{BB962C8B-B14F-4D97-AF65-F5344CB8AC3E}">
+        <p14:creationId xmlns:p14="http://schemas.microsoft.com/office/powerpoint/2010/main" val="160713086"/>
+      </p:ext>
+    </p:extLst>
+  </p:cSld>
+  <p:clrMapOvr>
+    <a:masterClrMapping/>
+  </p:clrMapOvr>
+  <mc:AlternateContent xmlns:mc="http://schemas.openxmlformats.org/markup-compatibility/2006" xmlns:p15="http://schemas.microsoft.com/office/powerpoint/2012/main">
+    <mc:Choice Requires="p15">
+      <p:transition xmlns:p14="http://schemas.microsoft.com/office/powerpoint/2010/main" spd="slow" p14:dur="1250">
+        <p15:prstTrans prst="pageCurlDouble"/>
+      </p:transition>
+    </mc:Choice>
+    <mc:Fallback xmlns="">
+      <p:transition spd="slow">
+        <p:fade/>
+      </p:transition>
+    </mc:Fallback>
+  </mc:AlternateContent>
+  <p:timing>
+    <p:tnLst>
+      <p:par>
+        <p:cTn id="1" dur="indefinite" restart="never" nodeType="tmRoot"/>
+      </p:par>
+    </p:tnLst>
+  </p:timing>
+</p:sld>
+</file>
+
+<file path=ppt/slides/slide12.xml><?xml version="1.0" encoding="utf-8"?>
+<p:sld xmlns:a="http://schemas.openxmlformats.org/drawingml/2006/main" xmlns:r="http://schemas.openxmlformats.org/officeDocument/2006/relationships" xmlns:p="http://schemas.openxmlformats.org/presentationml/2006/main">
+  <p:cSld>
+    <p:bg>
+      <p:bgPr>
+        <a:solidFill>
+          <a:schemeClr val="bg1"/>
+        </a:solidFill>
+        <a:effectLst/>
+      </p:bgPr>
+    </p:bg>
+    <p:spTree>
+      <p:nvGrpSpPr>
+        <p:cNvPr id="1" name=""/>
+        <p:cNvGrpSpPr/>
+        <p:nvPr/>
+      </p:nvGrpSpPr>
+      <p:grpSpPr>
+        <a:xfrm>
+          <a:off x="0" y="0"/>
+          <a:ext cx="0" cy="0"/>
+          <a:chOff x="0" y="0"/>
+          <a:chExt cx="0" cy="0"/>
+        </a:xfrm>
+      </p:grpSpPr>
+      <p:sp useBgFill="1">
+        <p:nvSpPr>
+          <p:cNvPr id="10" name="Rectangle 9">
+            <a:extLst>
+              <a:ext uri="{FF2B5EF4-FFF2-40B4-BE49-F238E27FC236}">
+                <a16:creationId xmlns:a16="http://schemas.microsoft.com/office/drawing/2014/main" xmlns="" id="{A3363022-C969-41E9-8EB2-E4C94908C1FA}"/>
+              </a:ext>
+              <a:ext uri="{C183D7F6-B498-43B3-948B-1728B52AA6E4}">
+                <adec:decorative xmlns:adec="http://schemas.microsoft.com/office/drawing/2017/decorative" xmlns="" val="1"/>
+              </a:ext>
+            </a:extLst>
+          </p:cNvPr>
+          <p:cNvSpPr>
+            <a:spLocks noGrp="1" noRot="1" noChangeAspect="1" noMove="1" noResize="1" noEditPoints="1" noAdjustHandles="1" noChangeArrowheads="1" noChangeShapeType="1" noTextEdit="1"/>
+          </p:cNvSpPr>
+          <p:nvPr>
+            <p:extLst>
+              <p:ext uri="{386F3935-93C4-4BCD-93E2-E3B085C9AB24}">
+                <p16:designElem xmlns:p16="http://schemas.microsoft.com/office/powerpoint/2015/main" xmlns="" val="1"/>
               </p:ext>
             </p:extLst>
           </p:nvPr>
@@ -4855,10 +5477,10 @@
           <p:cNvPr id="12" name="Rectangle 11">
             <a:extLst>
               <a:ext uri="{FF2B5EF4-FFF2-40B4-BE49-F238E27FC236}">
-                <a16:creationId xmlns:a16="http://schemas.microsoft.com/office/drawing/2014/main" id="{8D1AD6B3-BE88-4CEB-BA17-790657CC4729}"/>
+                <a16:creationId xmlns:a16="http://schemas.microsoft.com/office/drawing/2014/main" xmlns="" id="{8D1AD6B3-BE88-4CEB-BA17-790657CC4729}"/>
               </a:ext>
               <a:ext uri="{C183D7F6-B498-43B3-948B-1728B52AA6E4}">
-                <adec:decorative xmlns:adec="http://schemas.microsoft.com/office/drawing/2017/decorative" val="1"/>
+                <adec:decorative xmlns:adec="http://schemas.microsoft.com/office/drawing/2017/decorative" xmlns="" val="1"/>
               </a:ext>
             </a:extLst>
           </p:cNvPr>
@@ -4868,7 +5490,7 @@
           <p:nvPr>
             <p:extLst>
               <p:ext uri="{386F3935-93C4-4BCD-93E2-E3B085C9AB24}">
-                <p16:designElem xmlns:p16="http://schemas.microsoft.com/office/powerpoint/2015/main" val="1"/>
+                <p16:designElem xmlns:p16="http://schemas.microsoft.com/office/powerpoint/2015/main" xmlns="" val="1"/>
               </p:ext>
             </p:extLst>
           </p:nvPr>
@@ -4918,7 +5540,7 @@
           <p:cNvPr id="2" name="Title 1">
             <a:extLst>
               <a:ext uri="{FF2B5EF4-FFF2-40B4-BE49-F238E27FC236}">
-                <a16:creationId xmlns:a16="http://schemas.microsoft.com/office/drawing/2014/main" id="{DF8C1EDD-98A1-C3CB-0E27-C2E45ED44530}"/>
+                <a16:creationId xmlns:a16="http://schemas.microsoft.com/office/drawing/2014/main" xmlns="" id="{DF8C1EDD-98A1-C3CB-0E27-C2E45ED44530}"/>
               </a:ext>
             </a:extLst>
           </p:cNvPr>
@@ -4960,7 +5582,7 @@
           <p:cNvPr id="7" name="Graphic 6" descr="Accept">
             <a:extLst>
               <a:ext uri="{FF2B5EF4-FFF2-40B4-BE49-F238E27FC236}">
-                <a16:creationId xmlns:a16="http://schemas.microsoft.com/office/drawing/2014/main" id="{CCFBF923-25B4-E296-A0D2-58BD120B1F60}"/>
+                <a16:creationId xmlns:a16="http://schemas.microsoft.com/office/drawing/2014/main" xmlns="" id="{CCFBF923-25B4-E296-A0D2-58BD120B1F60}"/>
               </a:ext>
             </a:extLst>
           </p:cNvPr>
@@ -4976,7 +5598,7 @@
                 <a14:useLocalDpi xmlns:a14="http://schemas.microsoft.com/office/drawing/2010/main" val="0"/>
               </a:ext>
               <a:ext uri="{96DAC541-7B7A-43D3-8B79-37D633B846F1}">
-                <asvg:svgBlip xmlns:asvg="http://schemas.microsoft.com/office/drawing/2016/SVG/main" r:embed="rId3"/>
+                <asvg:svgBlip xmlns:asvg="http://schemas.microsoft.com/office/drawing/2016/SVG/main" xmlns="" r:embed="rId3"/>
               </a:ext>
             </a:extLst>
           </a:blip>
@@ -5020,10 +5642,10 @@
           <p:cNvPr id="14" name="Group 13">
             <a:extLst>
               <a:ext uri="{FF2B5EF4-FFF2-40B4-BE49-F238E27FC236}">
-                <a16:creationId xmlns:a16="http://schemas.microsoft.com/office/drawing/2014/main" id="{89D1390B-7E13-4B4F-9CB2-391063412E54}"/>
+                <a16:creationId xmlns:a16="http://schemas.microsoft.com/office/drawing/2014/main" xmlns="" id="{89D1390B-7E13-4B4F-9CB2-391063412E54}"/>
               </a:ext>
               <a:ext uri="{C183D7F6-B498-43B3-948B-1728B52AA6E4}">
-                <adec:decorative xmlns:adec="http://schemas.microsoft.com/office/drawing/2017/decorative" val="1"/>
+                <adec:decorative xmlns:adec="http://schemas.microsoft.com/office/drawing/2017/decorative" xmlns="" val="1"/>
               </a:ext>
             </a:extLst>
           </p:cNvPr>
@@ -5033,7 +5655,7 @@
           <p:nvPr>
             <p:extLst>
               <p:ext uri="{386F3935-93C4-4BCD-93E2-E3B085C9AB24}">
-                <p16:designElem xmlns:p16="http://schemas.microsoft.com/office/powerpoint/2015/main" val="1"/>
+                <p16:designElem xmlns:p16="http://schemas.microsoft.com/office/powerpoint/2015/main" xmlns="" val="1"/>
               </p:ext>
             </p:extLst>
           </p:nvPr>
@@ -5051,10 +5673,10 @@
             <p:cNvPr id="15" name="Freeform: Shape 14">
               <a:extLst>
                 <a:ext uri="{FF2B5EF4-FFF2-40B4-BE49-F238E27FC236}">
-                  <a16:creationId xmlns:a16="http://schemas.microsoft.com/office/drawing/2014/main" id="{9E720206-AA49-4786-A932-A2650DE09183}"/>
+                  <a16:creationId xmlns:a16="http://schemas.microsoft.com/office/drawing/2014/main" xmlns="" id="{9E720206-AA49-4786-A932-A2650DE09183}"/>
                 </a:ext>
                 <a:ext uri="{C183D7F6-B498-43B3-948B-1728B52AA6E4}">
-                  <adec:decorative xmlns:adec="http://schemas.microsoft.com/office/drawing/2017/decorative" val="1"/>
+                  <adec:decorative xmlns:adec="http://schemas.microsoft.com/office/drawing/2017/decorative" xmlns="" val="1"/>
                 </a:ext>
               </a:extLst>
             </p:cNvPr>
@@ -5062,7 +5684,7 @@
             <p:nvPr>
               <p:extLst>
                 <p:ext uri="{386F3935-93C4-4BCD-93E2-E3B085C9AB24}">
-                  <p16:designElem xmlns:p16="http://schemas.microsoft.com/office/powerpoint/2015/main" val="1"/>
+                  <p16:designElem xmlns:p16="http://schemas.microsoft.com/office/powerpoint/2015/main" xmlns="" val="1"/>
                 </p:ext>
               </p:extLst>
             </p:nvPr>
@@ -5692,10 +6314,10 @@
             <p:cNvPr id="16" name="Freeform: Shape 15">
               <a:extLst>
                 <a:ext uri="{FF2B5EF4-FFF2-40B4-BE49-F238E27FC236}">
-                  <a16:creationId xmlns:a16="http://schemas.microsoft.com/office/drawing/2014/main" id="{C72F6EE6-EDE9-45A5-8F6D-02B9B7CB2C2F}"/>
+                  <a16:creationId xmlns:a16="http://schemas.microsoft.com/office/drawing/2014/main" xmlns="" id="{C72F6EE6-EDE9-45A5-8F6D-02B9B7CB2C2F}"/>
                 </a:ext>
                 <a:ext uri="{C183D7F6-B498-43B3-948B-1728B52AA6E4}">
-                  <adec:decorative xmlns:adec="http://schemas.microsoft.com/office/drawing/2017/decorative" val="1"/>
+                  <adec:decorative xmlns:adec="http://schemas.microsoft.com/office/drawing/2017/decorative" xmlns="" val="1"/>
                 </a:ext>
               </a:extLst>
             </p:cNvPr>
@@ -5703,7 +6325,7 @@
             <p:nvPr>
               <p:extLst>
                 <p:ext uri="{386F3935-93C4-4BCD-93E2-E3B085C9AB24}">
-                  <p16:designElem xmlns:p16="http://schemas.microsoft.com/office/powerpoint/2015/main" val="1"/>
+                  <p16:designElem xmlns:p16="http://schemas.microsoft.com/office/powerpoint/2015/main" xmlns="" val="1"/>
                 </p:ext>
               </p:extLst>
             </p:nvPr>
@@ -6385,10 +7007,10 @@
             <p:cNvPr id="17" name="Freeform: Shape 16">
               <a:extLst>
                 <a:ext uri="{FF2B5EF4-FFF2-40B4-BE49-F238E27FC236}">
-                  <a16:creationId xmlns:a16="http://schemas.microsoft.com/office/drawing/2014/main" id="{C093DC50-3BD7-46B1-A300-CD207E152FF4}"/>
+                  <a16:creationId xmlns:a16="http://schemas.microsoft.com/office/drawing/2014/main" xmlns="" id="{C093DC50-3BD7-46B1-A300-CD207E152FF4}"/>
                 </a:ext>
                 <a:ext uri="{C183D7F6-B498-43B3-948B-1728B52AA6E4}">
-                  <adec:decorative xmlns:adec="http://schemas.microsoft.com/office/drawing/2017/decorative" val="1"/>
+                  <adec:decorative xmlns:adec="http://schemas.microsoft.com/office/drawing/2017/decorative" xmlns="" val="1"/>
                 </a:ext>
               </a:extLst>
             </p:cNvPr>
@@ -6396,7 +7018,7 @@
             <p:nvPr>
               <p:extLst>
                 <p:ext uri="{386F3935-93C4-4BCD-93E2-E3B085C9AB24}">
-                  <p16:designElem xmlns:p16="http://schemas.microsoft.com/office/powerpoint/2015/main" val="1"/>
+                  <p16:designElem xmlns:p16="http://schemas.microsoft.com/office/powerpoint/2015/main" xmlns="" val="1"/>
                 </p:ext>
               </p:extLst>
             </p:nvPr>
@@ -7096,6 +7718,13 @@
       </p:transition>
     </mc:Fallback>
   </mc:AlternateContent>
+  <p:timing>
+    <p:tnLst>
+      <p:par>
+        <p:cTn id="1" dur="indefinite" restart="never" nodeType="tmRoot"/>
+      </p:par>
+    </p:tnLst>
+  </p:timing>
 </p:sld>
 </file>
 
@@ -7129,10 +7758,10 @@
           <p:cNvPr id="8" name="Rectangle 7">
             <a:extLst>
               <a:ext uri="{FF2B5EF4-FFF2-40B4-BE49-F238E27FC236}">
-                <a16:creationId xmlns:a16="http://schemas.microsoft.com/office/drawing/2014/main" id="{76EFD3D9-44F0-4267-BCC1-1613E79D8274}"/>
+                <a16:creationId xmlns:a16="http://schemas.microsoft.com/office/drawing/2014/main" xmlns="" id="{76EFD3D9-44F0-4267-BCC1-1613E79D8274}"/>
               </a:ext>
               <a:ext uri="{C183D7F6-B498-43B3-948B-1728B52AA6E4}">
-                <adec:decorative xmlns:adec="http://schemas.microsoft.com/office/drawing/2017/decorative" val="1"/>
+                <adec:decorative xmlns:adec="http://schemas.microsoft.com/office/drawing/2017/decorative" xmlns="" val="1"/>
               </a:ext>
             </a:extLst>
           </p:cNvPr>
@@ -7142,7 +7771,7 @@
           <p:nvPr>
             <p:extLst>
               <p:ext uri="{386F3935-93C4-4BCD-93E2-E3B085C9AB24}">
-                <p16:designElem xmlns:p16="http://schemas.microsoft.com/office/powerpoint/2015/main" val="1"/>
+                <p16:designElem xmlns:p16="http://schemas.microsoft.com/office/powerpoint/2015/main" xmlns="" val="1"/>
               </p:ext>
             </p:extLst>
           </p:nvPr>
@@ -7189,10 +7818,10 @@
           <p:cNvPr id="10" name="Freeform 6">
             <a:extLst>
               <a:ext uri="{FF2B5EF4-FFF2-40B4-BE49-F238E27FC236}">
-                <a16:creationId xmlns:a16="http://schemas.microsoft.com/office/drawing/2014/main" id="{A779A851-95D6-41AF-937A-B0E4B7F6FA8D}"/>
+                <a16:creationId xmlns:a16="http://schemas.microsoft.com/office/drawing/2014/main" xmlns="" id="{A779A851-95D6-41AF-937A-B0E4B7F6FA8D}"/>
               </a:ext>
               <a:ext uri="{C183D7F6-B498-43B3-948B-1728B52AA6E4}">
-                <adec:decorative xmlns:adec="http://schemas.microsoft.com/office/drawing/2017/decorative" val="1"/>
+                <adec:decorative xmlns:adec="http://schemas.microsoft.com/office/drawing/2017/decorative" xmlns="" val="1"/>
               </a:ext>
             </a:extLst>
           </p:cNvPr>
@@ -7202,7 +7831,7 @@
           <p:nvPr>
             <p:extLst>
               <p:ext uri="{386F3935-93C4-4BCD-93E2-E3B085C9AB24}">
-                <p16:designElem xmlns:p16="http://schemas.microsoft.com/office/powerpoint/2015/main" val="1"/>
+                <p16:designElem xmlns:p16="http://schemas.microsoft.com/office/powerpoint/2015/main" xmlns="" val="1"/>
               </p:ext>
             </p:extLst>
           </p:nvPr>
@@ -7292,10 +7921,10 @@
           <p:cNvPr id="12" name="Freeform 7">
             <a:extLst>
               <a:ext uri="{FF2B5EF4-FFF2-40B4-BE49-F238E27FC236}">
-                <a16:creationId xmlns:a16="http://schemas.microsoft.com/office/drawing/2014/main" id="{953FB2E7-B6CB-429C-81EB-D9516D6D5C8D}"/>
+                <a16:creationId xmlns:a16="http://schemas.microsoft.com/office/drawing/2014/main" xmlns="" id="{953FB2E7-B6CB-429C-81EB-D9516D6D5C8D}"/>
               </a:ext>
               <a:ext uri="{C183D7F6-B498-43B3-948B-1728B52AA6E4}">
-                <adec:decorative xmlns:adec="http://schemas.microsoft.com/office/drawing/2017/decorative" val="1"/>
+                <adec:decorative xmlns:adec="http://schemas.microsoft.com/office/drawing/2017/decorative" xmlns="" val="1"/>
               </a:ext>
             </a:extLst>
           </p:cNvPr>
@@ -7305,7 +7934,7 @@
           <p:nvPr>
             <p:extLst>
               <p:ext uri="{386F3935-93C4-4BCD-93E2-E3B085C9AB24}">
-                <p16:designElem xmlns:p16="http://schemas.microsoft.com/office/powerpoint/2015/main" val="1"/>
+                <p16:designElem xmlns:p16="http://schemas.microsoft.com/office/powerpoint/2015/main" xmlns="" val="1"/>
               </p:ext>
             </p:extLst>
           </p:nvPr>
@@ -7395,10 +8024,10 @@
           <p:cNvPr id="14" name="Freeform: Shape 13">
             <a:extLst>
               <a:ext uri="{FF2B5EF4-FFF2-40B4-BE49-F238E27FC236}">
-                <a16:creationId xmlns:a16="http://schemas.microsoft.com/office/drawing/2014/main" id="{2EC40DB1-B719-4A13-9A4D-0966B4B27866}"/>
+                <a16:creationId xmlns:a16="http://schemas.microsoft.com/office/drawing/2014/main" xmlns="" id="{2EC40DB1-B719-4A13-9A4D-0966B4B27866}"/>
               </a:ext>
               <a:ext uri="{C183D7F6-B498-43B3-948B-1728B52AA6E4}">
-                <adec:decorative xmlns:adec="http://schemas.microsoft.com/office/drawing/2017/decorative" val="1"/>
+                <adec:decorative xmlns:adec="http://schemas.microsoft.com/office/drawing/2017/decorative" xmlns="" val="1"/>
               </a:ext>
             </a:extLst>
           </p:cNvPr>
@@ -7408,7 +8037,7 @@
           <p:nvPr>
             <p:extLst>
               <p:ext uri="{386F3935-93C4-4BCD-93E2-E3B085C9AB24}">
-                <p16:designElem xmlns:p16="http://schemas.microsoft.com/office/powerpoint/2015/main" val="1"/>
+                <p16:designElem xmlns:p16="http://schemas.microsoft.com/office/powerpoint/2015/main" xmlns="" val="1"/>
               </p:ext>
             </p:extLst>
           </p:nvPr>
@@ -7505,7 +8134,7 @@
           <p:cNvPr id="2" name="Title 1">
             <a:extLst>
               <a:ext uri="{FF2B5EF4-FFF2-40B4-BE49-F238E27FC236}">
-                <a16:creationId xmlns:a16="http://schemas.microsoft.com/office/drawing/2014/main" id="{54F8D3ED-A884-79C1-6433-F110ED27EEC5}"/>
+                <a16:creationId xmlns:a16="http://schemas.microsoft.com/office/drawing/2014/main" xmlns="" id="{54F8D3ED-A884-79C1-6433-F110ED27EEC5}"/>
               </a:ext>
             </a:extLst>
           </p:cNvPr>
@@ -7518,8 +8147,8 @@
         </p:nvSpPr>
         <p:spPr>
           <a:xfrm>
-            <a:off x="934872" y="982272"/>
-            <a:ext cx="3388419" cy="4560970"/>
+            <a:off x="934873" y="982272"/>
+            <a:ext cx="3278926" cy="4407696"/>
           </a:xfrm>
         </p:spPr>
         <p:txBody>
@@ -7534,8 +8163,88 @@
                   <a:srgbClr val="FFFFFF"/>
                 </a:solidFill>
               </a:rPr>
-              <a:t>Near Field Communication(NFC)</a:t>
-            </a:r>
+              <a:t>Near Field </a:t>
+            </a:r>
+            <a:r>
+              <a:rPr lang="en-IN" sz="2800" b="1" dirty="0" smtClean="0">
+                <a:solidFill>
+                  <a:srgbClr val="FFFFFF"/>
+                </a:solidFill>
+              </a:rPr>
+              <a:t>Communication(NFC)</a:t>
+            </a:r>
+            <a:br>
+              <a:rPr lang="en-IN" sz="2800" b="1" dirty="0" smtClean="0">
+                <a:solidFill>
+                  <a:srgbClr val="FFFFFF"/>
+                </a:solidFill>
+              </a:rPr>
+            </a:br>
+            <a:r>
+              <a:rPr lang="en-IN" sz="2800" b="1" dirty="0">
+                <a:solidFill>
+                  <a:srgbClr val="FFFFFF"/>
+                </a:solidFill>
+              </a:rPr>
+              <a:t/>
+            </a:r>
+            <a:br>
+              <a:rPr lang="en-IN" sz="2800" b="1" dirty="0">
+                <a:solidFill>
+                  <a:srgbClr val="FFFFFF"/>
+                </a:solidFill>
+              </a:rPr>
+            </a:br>
+            <a:r>
+              <a:rPr lang="en-IN" sz="2800" b="1" dirty="0" smtClean="0">
+                <a:solidFill>
+                  <a:srgbClr val="FFFFFF"/>
+                </a:solidFill>
+              </a:rPr>
+              <a:t/>
+            </a:r>
+            <a:br>
+              <a:rPr lang="en-IN" sz="2800" b="1" dirty="0" smtClean="0">
+                <a:solidFill>
+                  <a:srgbClr val="FFFFFF"/>
+                </a:solidFill>
+              </a:rPr>
+            </a:br>
+            <a:r>
+              <a:rPr lang="en-IN" sz="2800" b="1" dirty="0">
+                <a:solidFill>
+                  <a:srgbClr val="FFFFFF"/>
+                </a:solidFill>
+              </a:rPr>
+              <a:t/>
+            </a:r>
+            <a:br>
+              <a:rPr lang="en-IN" sz="2800" b="1" dirty="0">
+                <a:solidFill>
+                  <a:srgbClr val="FFFFFF"/>
+                </a:solidFill>
+              </a:rPr>
+            </a:br>
+            <a:r>
+              <a:rPr lang="en-IN" sz="2800" b="1" dirty="0">
+                <a:solidFill>
+                  <a:srgbClr val="FFFFFF"/>
+                </a:solidFill>
+              </a:rPr>
+              <a:t/>
+            </a:r>
+            <a:br>
+              <a:rPr lang="en-IN" sz="2800" b="1" dirty="0">
+                <a:solidFill>
+                  <a:srgbClr val="FFFFFF"/>
+                </a:solidFill>
+              </a:rPr>
+            </a:br>
+            <a:endParaRPr lang="en-IN" sz="2800" b="1" dirty="0">
+              <a:solidFill>
+                <a:srgbClr val="FFFFFF"/>
+              </a:solidFill>
+            </a:endParaRPr>
           </a:p>
         </p:txBody>
       </p:sp>
@@ -7544,10 +8253,10 @@
           <p:cNvPr id="16" name="Rectangle 8">
             <a:extLst>
               <a:ext uri="{FF2B5EF4-FFF2-40B4-BE49-F238E27FC236}">
-                <a16:creationId xmlns:a16="http://schemas.microsoft.com/office/drawing/2014/main" id="{82211336-CFF3-412D-868A-6679C1004C45}"/>
+                <a16:creationId xmlns:a16="http://schemas.microsoft.com/office/drawing/2014/main" xmlns="" id="{82211336-CFF3-412D-868A-6679C1004C45}"/>
               </a:ext>
               <a:ext uri="{C183D7F6-B498-43B3-948B-1728B52AA6E4}">
-                <adec:decorative xmlns:adec="http://schemas.microsoft.com/office/drawing/2017/decorative" val="1"/>
+                <adec:decorative xmlns:adec="http://schemas.microsoft.com/office/drawing/2017/decorative" xmlns="" val="1"/>
               </a:ext>
             </a:extLst>
           </p:cNvPr>
@@ -7557,7 +8266,7 @@
           <p:nvPr>
             <p:extLst>
               <p:ext uri="{386F3935-93C4-4BCD-93E2-E3B085C9AB24}">
-                <p16:designElem xmlns:p16="http://schemas.microsoft.com/office/powerpoint/2015/main" val="1"/>
+                <p16:designElem xmlns:p16="http://schemas.microsoft.com/office/powerpoint/2015/main" xmlns="" val="1"/>
               </p:ext>
             </p:extLst>
           </p:nvPr>
@@ -7594,7 +8303,7 @@
           <p:cNvPr id="3" name="Content Placeholder 2">
             <a:extLst>
               <a:ext uri="{FF2B5EF4-FFF2-40B4-BE49-F238E27FC236}">
-                <a16:creationId xmlns:a16="http://schemas.microsoft.com/office/drawing/2014/main" id="{8779D76D-267C-65E4-489E-53A38D57B1B6}"/>
+                <a16:creationId xmlns:a16="http://schemas.microsoft.com/office/drawing/2014/main" xmlns="" id="{8779D76D-267C-65E4-489E-53A38D57B1B6}"/>
               </a:ext>
             </a:extLst>
           </p:cNvPr>
@@ -7637,7 +8346,7 @@
                 <a:hlinkClick r:id="rId2">
                   <a:extLst>
                     <a:ext uri="{A12FA001-AC4F-418D-AE19-62706E023703}">
-                      <ahyp:hlinkClr xmlns:ahyp="http://schemas.microsoft.com/office/drawing/2018/hyperlinkcolor" val="tx"/>
+                      <ahyp:hlinkClr xmlns:ahyp="http://schemas.microsoft.com/office/drawing/2018/hyperlinkcolor" xmlns="" val="tx"/>
                     </a:ext>
                   </a:extLst>
                 </a:hlinkClick>
@@ -7794,6 +8503,47 @@
           </a:p>
         </p:txBody>
       </p:sp>
+      <p:pic>
+        <p:nvPicPr>
+          <p:cNvPr id="1032" name="Picture 8" descr="NFC for all | Avery Dennison | RFID"/>
+          <p:cNvPicPr>
+            <a:picLocks noChangeAspect="1" noChangeArrowheads="1"/>
+          </p:cNvPicPr>
+          <p:nvPr/>
+        </p:nvPicPr>
+        <p:blipFill>
+          <a:blip r:embed="rId3" cstate="print">
+            <a:extLst>
+              <a:ext uri="{28A0092B-C50C-407E-A947-70E740481C1C}">
+                <a14:useLocalDpi xmlns:a14="http://schemas.microsoft.com/office/drawing/2010/main" val="0"/>
+              </a:ext>
+            </a:extLst>
+          </a:blip>
+          <a:srcRect/>
+          <a:stretch>
+            <a:fillRect/>
+          </a:stretch>
+        </p:blipFill>
+        <p:spPr bwMode="auto">
+          <a:xfrm>
+            <a:off x="996274" y="2931022"/>
+            <a:ext cx="3084489" cy="2094206"/>
+          </a:xfrm>
+          <a:prstGeom prst="rect">
+            <a:avLst/>
+          </a:prstGeom>
+          <a:noFill/>
+          <a:extLst>
+            <a:ext uri="{909E8E84-426E-40DD-AFC4-6F175D3DCCD1}">
+              <a14:hiddenFill xmlns:a14="http://schemas.microsoft.com/office/drawing/2010/main">
+                <a:solidFill>
+                  <a:srgbClr val="FFFFFF"/>
+                </a:solidFill>
+              </a14:hiddenFill>
+            </a:ext>
+          </a:extLst>
+        </p:spPr>
+      </p:pic>
     </p:spTree>
     <p:extLst>
       <p:ext uri="{BB962C8B-B14F-4D97-AF65-F5344CB8AC3E}">
@@ -7816,6 +8566,13 @@
       </p:transition>
     </mc:Fallback>
   </mc:AlternateContent>
+  <p:timing>
+    <p:tnLst>
+      <p:par>
+        <p:cTn id="1" dur="indefinite" restart="never" nodeType="tmRoot"/>
+      </p:par>
+    </p:tnLst>
+  </p:timing>
 </p:sld>
 </file>
 
@@ -7849,10 +8606,10 @@
           <p:cNvPr id="10" name="Rectangle 9">
             <a:extLst>
               <a:ext uri="{FF2B5EF4-FFF2-40B4-BE49-F238E27FC236}">
-                <a16:creationId xmlns:a16="http://schemas.microsoft.com/office/drawing/2014/main" id="{B5FA7C47-B7C1-4D2E-AB49-ED23BA34BA83}"/>
+                <a16:creationId xmlns:a16="http://schemas.microsoft.com/office/drawing/2014/main" xmlns="" id="{B5FA7C47-B7C1-4D2E-AB49-ED23BA34BA83}"/>
               </a:ext>
               <a:ext uri="{C183D7F6-B498-43B3-948B-1728B52AA6E4}">
-                <adec:decorative xmlns:adec="http://schemas.microsoft.com/office/drawing/2017/decorative" val="1"/>
+                <adec:decorative xmlns:adec="http://schemas.microsoft.com/office/drawing/2017/decorative" xmlns="" val="1"/>
               </a:ext>
             </a:extLst>
           </p:cNvPr>
@@ -7862,7 +8619,7 @@
           <p:nvPr>
             <p:extLst>
               <p:ext uri="{386F3935-93C4-4BCD-93E2-E3B085C9AB24}">
-                <p16:designElem xmlns:p16="http://schemas.microsoft.com/office/powerpoint/2015/main" val="1"/>
+                <p16:designElem xmlns:p16="http://schemas.microsoft.com/office/powerpoint/2015/main" xmlns="" val="1"/>
               </p:ext>
             </p:extLst>
           </p:nvPr>
@@ -7909,10 +8666,10 @@
           <p:cNvPr id="12" name="Freeform 6">
             <a:extLst>
               <a:ext uri="{FF2B5EF4-FFF2-40B4-BE49-F238E27FC236}">
-                <a16:creationId xmlns:a16="http://schemas.microsoft.com/office/drawing/2014/main" id="{596EE156-ABF1-4329-A6BA-03B4254E0877}"/>
+                <a16:creationId xmlns:a16="http://schemas.microsoft.com/office/drawing/2014/main" xmlns="" id="{596EE156-ABF1-4329-A6BA-03B4254E0877}"/>
               </a:ext>
               <a:ext uri="{C183D7F6-B498-43B3-948B-1728B52AA6E4}">
-                <adec:decorative xmlns:adec="http://schemas.microsoft.com/office/drawing/2017/decorative" val="1"/>
+                <adec:decorative xmlns:adec="http://schemas.microsoft.com/office/drawing/2017/decorative" xmlns="" val="1"/>
               </a:ext>
             </a:extLst>
           </p:cNvPr>
@@ -7922,7 +8679,7 @@
           <p:nvPr>
             <p:extLst>
               <p:ext uri="{386F3935-93C4-4BCD-93E2-E3B085C9AB24}">
-                <p16:designElem xmlns:p16="http://schemas.microsoft.com/office/powerpoint/2015/main" val="1"/>
+                <p16:designElem xmlns:p16="http://schemas.microsoft.com/office/powerpoint/2015/main" xmlns="" val="1"/>
               </p:ext>
             </p:extLst>
           </p:nvPr>
@@ -8012,10 +8769,10 @@
           <p:cNvPr id="14" name="Rectangle 8">
             <a:extLst>
               <a:ext uri="{FF2B5EF4-FFF2-40B4-BE49-F238E27FC236}">
-                <a16:creationId xmlns:a16="http://schemas.microsoft.com/office/drawing/2014/main" id="{19B9933F-AAB3-444A-8BB5-9CA194A8BC63}"/>
+                <a16:creationId xmlns:a16="http://schemas.microsoft.com/office/drawing/2014/main" xmlns="" id="{19B9933F-AAB3-444A-8BB5-9CA194A8BC63}"/>
               </a:ext>
               <a:ext uri="{C183D7F6-B498-43B3-948B-1728B52AA6E4}">
-                <adec:decorative xmlns:adec="http://schemas.microsoft.com/office/drawing/2017/decorative" val="1"/>
+                <adec:decorative xmlns:adec="http://schemas.microsoft.com/office/drawing/2017/decorative" xmlns="" val="1"/>
               </a:ext>
             </a:extLst>
           </p:cNvPr>
@@ -8025,7 +8782,7 @@
           <p:nvPr>
             <p:extLst>
               <p:ext uri="{386F3935-93C4-4BCD-93E2-E3B085C9AB24}">
-                <p16:designElem xmlns:p16="http://schemas.microsoft.com/office/powerpoint/2015/main" val="1"/>
+                <p16:designElem xmlns:p16="http://schemas.microsoft.com/office/powerpoint/2015/main" xmlns="" val="1"/>
               </p:ext>
             </p:extLst>
           </p:nvPr>
@@ -8062,10 +8819,10 @@
           <p:cNvPr id="16" name="Freeform 7">
             <a:extLst>
               <a:ext uri="{FF2B5EF4-FFF2-40B4-BE49-F238E27FC236}">
-                <a16:creationId xmlns:a16="http://schemas.microsoft.com/office/drawing/2014/main" id="{7D20183A-0B1D-4A1F-89B1-ADBEDBC6E54E}"/>
+                <a16:creationId xmlns:a16="http://schemas.microsoft.com/office/drawing/2014/main" xmlns="" id="{7D20183A-0B1D-4A1F-89B1-ADBEDBC6E54E}"/>
               </a:ext>
               <a:ext uri="{C183D7F6-B498-43B3-948B-1728B52AA6E4}">
-                <adec:decorative xmlns:adec="http://schemas.microsoft.com/office/drawing/2017/decorative" val="1"/>
+                <adec:decorative xmlns:adec="http://schemas.microsoft.com/office/drawing/2017/decorative" xmlns="" val="1"/>
               </a:ext>
             </a:extLst>
           </p:cNvPr>
@@ -8075,7 +8832,7 @@
           <p:nvPr>
             <p:extLst>
               <p:ext uri="{386F3935-93C4-4BCD-93E2-E3B085C9AB24}">
-                <p16:designElem xmlns:p16="http://schemas.microsoft.com/office/powerpoint/2015/main" val="1"/>
+                <p16:designElem xmlns:p16="http://schemas.microsoft.com/office/powerpoint/2015/main" xmlns="" val="1"/>
               </p:ext>
             </p:extLst>
           </p:nvPr>
@@ -8165,10 +8922,10 @@
           <p:cNvPr id="18" name="Rectangle 8">
             <a:extLst>
               <a:ext uri="{FF2B5EF4-FFF2-40B4-BE49-F238E27FC236}">
-                <a16:creationId xmlns:a16="http://schemas.microsoft.com/office/drawing/2014/main" id="{131031D3-26CD-4214-A9A4-5857EFA15A0C}"/>
+                <a16:creationId xmlns:a16="http://schemas.microsoft.com/office/drawing/2014/main" xmlns="" id="{131031D3-26CD-4214-A9A4-5857EFA15A0C}"/>
               </a:ext>
               <a:ext uri="{C183D7F6-B498-43B3-948B-1728B52AA6E4}">
-                <adec:decorative xmlns:adec="http://schemas.microsoft.com/office/drawing/2017/decorative" val="1"/>
+                <adec:decorative xmlns:adec="http://schemas.microsoft.com/office/drawing/2017/decorative" xmlns="" val="1"/>
               </a:ext>
             </a:extLst>
           </p:cNvPr>
@@ -8178,7 +8935,7 @@
           <p:nvPr>
             <p:extLst>
               <p:ext uri="{386F3935-93C4-4BCD-93E2-E3B085C9AB24}">
-                <p16:designElem xmlns:p16="http://schemas.microsoft.com/office/powerpoint/2015/main" val="1"/>
+                <p16:designElem xmlns:p16="http://schemas.microsoft.com/office/powerpoint/2015/main" xmlns="" val="1"/>
               </p:ext>
             </p:extLst>
           </p:nvPr>
@@ -8215,7 +8972,7 @@
           <p:cNvPr id="2" name="Title 1">
             <a:extLst>
               <a:ext uri="{FF2B5EF4-FFF2-40B4-BE49-F238E27FC236}">
-                <a16:creationId xmlns:a16="http://schemas.microsoft.com/office/drawing/2014/main" id="{F61AF5D2-51BA-42A6-FA41-DF140598663B}"/>
+                <a16:creationId xmlns:a16="http://schemas.microsoft.com/office/drawing/2014/main" xmlns="" id="{F61AF5D2-51BA-42A6-FA41-DF140598663B}"/>
               </a:ext>
             </a:extLst>
           </p:cNvPr>
@@ -8254,7 +9011,7 @@
           <p:cNvPr id="3" name="Content Placeholder 2">
             <a:extLst>
               <a:ext uri="{FF2B5EF4-FFF2-40B4-BE49-F238E27FC236}">
-                <a16:creationId xmlns:a16="http://schemas.microsoft.com/office/drawing/2014/main" id="{3B3150FE-D38E-A60C-6794-171A65AC815B}"/>
+                <a16:creationId xmlns:a16="http://schemas.microsoft.com/office/drawing/2014/main" xmlns="" id="{3B3150FE-D38E-A60C-6794-171A65AC815B}"/>
               </a:ext>
             </a:extLst>
           </p:cNvPr>
@@ -8299,7 +9056,7 @@
           <p:cNvPr id="5" name="Picture 4" descr="Application&#10;&#10;Description automatically generated with medium confidence">
             <a:extLst>
               <a:ext uri="{FF2B5EF4-FFF2-40B4-BE49-F238E27FC236}">
-                <a16:creationId xmlns:a16="http://schemas.microsoft.com/office/drawing/2014/main" id="{BBDB7F4E-5EF3-892F-6026-16076F1D78C4}"/>
+                <a16:creationId xmlns:a16="http://schemas.microsoft.com/office/drawing/2014/main" xmlns="" id="{BBDB7F4E-5EF3-892F-6026-16076F1D78C4}"/>
               </a:ext>
             </a:extLst>
           </p:cNvPr>
@@ -8352,6 +9109,13 @@
       </p:transition>
     </mc:Fallback>
   </mc:AlternateContent>
+  <p:timing>
+    <p:tnLst>
+      <p:par>
+        <p:cTn id="1" dur="indefinite" restart="never" nodeType="tmRoot"/>
+      </p:par>
+    </p:tnLst>
+  </p:timing>
 </p:sld>
 </file>
 
@@ -8385,10 +9149,10 @@
           <p:cNvPr id="8" name="Rectangle 7">
             <a:extLst>
               <a:ext uri="{FF2B5EF4-FFF2-40B4-BE49-F238E27FC236}">
-                <a16:creationId xmlns:a16="http://schemas.microsoft.com/office/drawing/2014/main" id="{76EFD3D9-44F0-4267-BCC1-1613E79D8274}"/>
+                <a16:creationId xmlns:a16="http://schemas.microsoft.com/office/drawing/2014/main" xmlns="" id="{76EFD3D9-44F0-4267-BCC1-1613E79D8274}"/>
               </a:ext>
               <a:ext uri="{C183D7F6-B498-43B3-948B-1728B52AA6E4}">
-                <adec:decorative xmlns:adec="http://schemas.microsoft.com/office/drawing/2017/decorative" val="1"/>
+                <adec:decorative xmlns:adec="http://schemas.microsoft.com/office/drawing/2017/decorative" xmlns="" val="1"/>
               </a:ext>
             </a:extLst>
           </p:cNvPr>
@@ -8398,7 +9162,7 @@
           <p:nvPr>
             <p:extLst>
               <p:ext uri="{386F3935-93C4-4BCD-93E2-E3B085C9AB24}">
-                <p16:designElem xmlns:p16="http://schemas.microsoft.com/office/powerpoint/2015/main" val="1"/>
+                <p16:designElem xmlns:p16="http://schemas.microsoft.com/office/powerpoint/2015/main" xmlns="" val="1"/>
               </p:ext>
             </p:extLst>
           </p:nvPr>
@@ -8445,10 +9209,10 @@
           <p:cNvPr id="10" name="Freeform 6">
             <a:extLst>
               <a:ext uri="{FF2B5EF4-FFF2-40B4-BE49-F238E27FC236}">
-                <a16:creationId xmlns:a16="http://schemas.microsoft.com/office/drawing/2014/main" id="{A779A851-95D6-41AF-937A-B0E4B7F6FA8D}"/>
+                <a16:creationId xmlns:a16="http://schemas.microsoft.com/office/drawing/2014/main" xmlns="" id="{A779A851-95D6-41AF-937A-B0E4B7F6FA8D}"/>
               </a:ext>
               <a:ext uri="{C183D7F6-B498-43B3-948B-1728B52AA6E4}">
-                <adec:decorative xmlns:adec="http://schemas.microsoft.com/office/drawing/2017/decorative" val="1"/>
+                <adec:decorative xmlns:adec="http://schemas.microsoft.com/office/drawing/2017/decorative" xmlns="" val="1"/>
               </a:ext>
             </a:extLst>
           </p:cNvPr>
@@ -8458,7 +9222,7 @@
           <p:nvPr>
             <p:extLst>
               <p:ext uri="{386F3935-93C4-4BCD-93E2-E3B085C9AB24}">
-                <p16:designElem xmlns:p16="http://schemas.microsoft.com/office/powerpoint/2015/main" val="1"/>
+                <p16:designElem xmlns:p16="http://schemas.microsoft.com/office/powerpoint/2015/main" xmlns="" val="1"/>
               </p:ext>
             </p:extLst>
           </p:nvPr>
@@ -8548,10 +9312,10 @@
           <p:cNvPr id="12" name="Freeform 7">
             <a:extLst>
               <a:ext uri="{FF2B5EF4-FFF2-40B4-BE49-F238E27FC236}">
-                <a16:creationId xmlns:a16="http://schemas.microsoft.com/office/drawing/2014/main" id="{953FB2E7-B6CB-429C-81EB-D9516D6D5C8D}"/>
+                <a16:creationId xmlns:a16="http://schemas.microsoft.com/office/drawing/2014/main" xmlns="" id="{953FB2E7-B6CB-429C-81EB-D9516D6D5C8D}"/>
               </a:ext>
               <a:ext uri="{C183D7F6-B498-43B3-948B-1728B52AA6E4}">
-                <adec:decorative xmlns:adec="http://schemas.microsoft.com/office/drawing/2017/decorative" val="1"/>
+                <adec:decorative xmlns:adec="http://schemas.microsoft.com/office/drawing/2017/decorative" xmlns="" val="1"/>
               </a:ext>
             </a:extLst>
           </p:cNvPr>
@@ -8561,7 +9325,7 @@
           <p:nvPr>
             <p:extLst>
               <p:ext uri="{386F3935-93C4-4BCD-93E2-E3B085C9AB24}">
-                <p16:designElem xmlns:p16="http://schemas.microsoft.com/office/powerpoint/2015/main" val="1"/>
+                <p16:designElem xmlns:p16="http://schemas.microsoft.com/office/powerpoint/2015/main" xmlns="" val="1"/>
               </p:ext>
             </p:extLst>
           </p:nvPr>
@@ -8651,10 +9415,10 @@
           <p:cNvPr id="14" name="Freeform: Shape 13">
             <a:extLst>
               <a:ext uri="{FF2B5EF4-FFF2-40B4-BE49-F238E27FC236}">
-                <a16:creationId xmlns:a16="http://schemas.microsoft.com/office/drawing/2014/main" id="{2EC40DB1-B719-4A13-9A4D-0966B4B27866}"/>
+                <a16:creationId xmlns:a16="http://schemas.microsoft.com/office/drawing/2014/main" xmlns="" id="{2EC40DB1-B719-4A13-9A4D-0966B4B27866}"/>
               </a:ext>
               <a:ext uri="{C183D7F6-B498-43B3-948B-1728B52AA6E4}">
-                <adec:decorative xmlns:adec="http://schemas.microsoft.com/office/drawing/2017/decorative" val="1"/>
+                <adec:decorative xmlns:adec="http://schemas.microsoft.com/office/drawing/2017/decorative" xmlns="" val="1"/>
               </a:ext>
             </a:extLst>
           </p:cNvPr>
@@ -8664,7 +9428,7 @@
           <p:nvPr>
             <p:extLst>
               <p:ext uri="{386F3935-93C4-4BCD-93E2-E3B085C9AB24}">
-                <p16:designElem xmlns:p16="http://schemas.microsoft.com/office/powerpoint/2015/main" val="1"/>
+                <p16:designElem xmlns:p16="http://schemas.microsoft.com/office/powerpoint/2015/main" xmlns="" val="1"/>
               </p:ext>
             </p:extLst>
           </p:nvPr>
@@ -8761,7 +9525,7 @@
           <p:cNvPr id="2" name="Title 1">
             <a:extLst>
               <a:ext uri="{FF2B5EF4-FFF2-40B4-BE49-F238E27FC236}">
-                <a16:creationId xmlns:a16="http://schemas.microsoft.com/office/drawing/2014/main" id="{A1788B16-938A-D7A2-9975-5AC6A176DBB7}"/>
+                <a16:creationId xmlns:a16="http://schemas.microsoft.com/office/drawing/2014/main" xmlns="" id="{A1788B16-938A-D7A2-9975-5AC6A176DBB7}"/>
               </a:ext>
             </a:extLst>
           </p:cNvPr>
@@ -8800,10 +9564,10 @@
           <p:cNvPr id="16" name="Rectangle 8">
             <a:extLst>
               <a:ext uri="{FF2B5EF4-FFF2-40B4-BE49-F238E27FC236}">
-                <a16:creationId xmlns:a16="http://schemas.microsoft.com/office/drawing/2014/main" id="{82211336-CFF3-412D-868A-6679C1004C45}"/>
+                <a16:creationId xmlns:a16="http://schemas.microsoft.com/office/drawing/2014/main" xmlns="" id="{82211336-CFF3-412D-868A-6679C1004C45}"/>
               </a:ext>
               <a:ext uri="{C183D7F6-B498-43B3-948B-1728B52AA6E4}">
-                <adec:decorative xmlns:adec="http://schemas.microsoft.com/office/drawing/2017/decorative" val="1"/>
+                <adec:decorative xmlns:adec="http://schemas.microsoft.com/office/drawing/2017/decorative" xmlns="" val="1"/>
               </a:ext>
             </a:extLst>
           </p:cNvPr>
@@ -8813,7 +9577,7 @@
           <p:nvPr>
             <p:extLst>
               <p:ext uri="{386F3935-93C4-4BCD-93E2-E3B085C9AB24}">
-                <p16:designElem xmlns:p16="http://schemas.microsoft.com/office/powerpoint/2015/main" val="1"/>
+                <p16:designElem xmlns:p16="http://schemas.microsoft.com/office/powerpoint/2015/main" xmlns="" val="1"/>
               </p:ext>
             </p:extLst>
           </p:nvPr>
@@ -8850,7 +9614,7 @@
           <p:cNvPr id="17" name="Content Placeholder 2">
             <a:extLst>
               <a:ext uri="{FF2B5EF4-FFF2-40B4-BE49-F238E27FC236}">
-                <a16:creationId xmlns:a16="http://schemas.microsoft.com/office/drawing/2014/main" id="{F5B8B63D-AFA9-1B9C-A9CA-EF255E61A0C4}"/>
+                <a16:creationId xmlns:a16="http://schemas.microsoft.com/office/drawing/2014/main" xmlns="" id="{F5B8B63D-AFA9-1B9C-A9CA-EF255E61A0C4}"/>
               </a:ext>
             </a:extLst>
           </p:cNvPr>
@@ -9140,6 +9904,13 @@
       </p:transition>
     </mc:Fallback>
   </mc:AlternateContent>
+  <p:timing>
+    <p:tnLst>
+      <p:par>
+        <p:cTn id="1" dur="indefinite" restart="never" nodeType="tmRoot"/>
+      </p:par>
+    </p:tnLst>
+  </p:timing>
 </p:sld>
 </file>
 
@@ -9173,10 +9944,10 @@
           <p:cNvPr id="8" name="Rectangle 7">
             <a:extLst>
               <a:ext uri="{FF2B5EF4-FFF2-40B4-BE49-F238E27FC236}">
-                <a16:creationId xmlns:a16="http://schemas.microsoft.com/office/drawing/2014/main" id="{76EFD3D9-44F0-4267-BCC1-1613E79D8274}"/>
+                <a16:creationId xmlns:a16="http://schemas.microsoft.com/office/drawing/2014/main" xmlns="" id="{76EFD3D9-44F0-4267-BCC1-1613E79D8274}"/>
               </a:ext>
               <a:ext uri="{C183D7F6-B498-43B3-948B-1728B52AA6E4}">
-                <adec:decorative xmlns:adec="http://schemas.microsoft.com/office/drawing/2017/decorative" val="1"/>
+                <adec:decorative xmlns:adec="http://schemas.microsoft.com/office/drawing/2017/decorative" xmlns="" val="1"/>
               </a:ext>
             </a:extLst>
           </p:cNvPr>
@@ -9186,7 +9957,7 @@
           <p:nvPr>
             <p:extLst>
               <p:ext uri="{386F3935-93C4-4BCD-93E2-E3B085C9AB24}">
-                <p16:designElem xmlns:p16="http://schemas.microsoft.com/office/powerpoint/2015/main" val="1"/>
+                <p16:designElem xmlns:p16="http://schemas.microsoft.com/office/powerpoint/2015/main" xmlns="" val="1"/>
               </p:ext>
             </p:extLst>
           </p:nvPr>
@@ -9262,10 +10033,10 @@
           <p:cNvPr id="10" name="Freeform 6">
             <a:extLst>
               <a:ext uri="{FF2B5EF4-FFF2-40B4-BE49-F238E27FC236}">
-                <a16:creationId xmlns:a16="http://schemas.microsoft.com/office/drawing/2014/main" id="{A779A851-95D6-41AF-937A-B0E4B7F6FA8D}"/>
+                <a16:creationId xmlns:a16="http://schemas.microsoft.com/office/drawing/2014/main" xmlns="" id="{A779A851-95D6-41AF-937A-B0E4B7F6FA8D}"/>
               </a:ext>
               <a:ext uri="{C183D7F6-B498-43B3-948B-1728B52AA6E4}">
-                <adec:decorative xmlns:adec="http://schemas.microsoft.com/office/drawing/2017/decorative" val="1"/>
+                <adec:decorative xmlns:adec="http://schemas.microsoft.com/office/drawing/2017/decorative" xmlns="" val="1"/>
               </a:ext>
             </a:extLst>
           </p:cNvPr>
@@ -9275,7 +10046,7 @@
           <p:nvPr>
             <p:extLst>
               <p:ext uri="{386F3935-93C4-4BCD-93E2-E3B085C9AB24}">
-                <p16:designElem xmlns:p16="http://schemas.microsoft.com/office/powerpoint/2015/main" val="1"/>
+                <p16:designElem xmlns:p16="http://schemas.microsoft.com/office/powerpoint/2015/main" xmlns="" val="1"/>
               </p:ext>
             </p:extLst>
           </p:nvPr>
@@ -9395,10 +10166,10 @@
           <p:cNvPr id="12" name="Freeform 7">
             <a:extLst>
               <a:ext uri="{FF2B5EF4-FFF2-40B4-BE49-F238E27FC236}">
-                <a16:creationId xmlns:a16="http://schemas.microsoft.com/office/drawing/2014/main" id="{953FB2E7-B6CB-429C-81EB-D9516D6D5C8D}"/>
+                <a16:creationId xmlns:a16="http://schemas.microsoft.com/office/drawing/2014/main" xmlns="" id="{953FB2E7-B6CB-429C-81EB-D9516D6D5C8D}"/>
               </a:ext>
               <a:ext uri="{C183D7F6-B498-43B3-948B-1728B52AA6E4}">
-                <adec:decorative xmlns:adec="http://schemas.microsoft.com/office/drawing/2017/decorative" val="1"/>
+                <adec:decorative xmlns:adec="http://schemas.microsoft.com/office/drawing/2017/decorative" xmlns="" val="1"/>
               </a:ext>
             </a:extLst>
           </p:cNvPr>
@@ -9408,7 +10179,7 @@
           <p:nvPr>
             <p:extLst>
               <p:ext uri="{386F3935-93C4-4BCD-93E2-E3B085C9AB24}">
-                <p16:designElem xmlns:p16="http://schemas.microsoft.com/office/powerpoint/2015/main" val="1"/>
+                <p16:designElem xmlns:p16="http://schemas.microsoft.com/office/powerpoint/2015/main" xmlns="" val="1"/>
               </p:ext>
             </p:extLst>
           </p:nvPr>
@@ -9528,10 +10299,10 @@
           <p:cNvPr id="14" name="Freeform: Shape 13">
             <a:extLst>
               <a:ext uri="{FF2B5EF4-FFF2-40B4-BE49-F238E27FC236}">
-                <a16:creationId xmlns:a16="http://schemas.microsoft.com/office/drawing/2014/main" id="{2EC40DB1-B719-4A13-9A4D-0966B4B27866}"/>
+                <a16:creationId xmlns:a16="http://schemas.microsoft.com/office/drawing/2014/main" xmlns="" id="{2EC40DB1-B719-4A13-9A4D-0966B4B27866}"/>
               </a:ext>
               <a:ext uri="{C183D7F6-B498-43B3-948B-1728B52AA6E4}">
-                <adec:decorative xmlns:adec="http://schemas.microsoft.com/office/drawing/2017/decorative" val="1"/>
+                <adec:decorative xmlns:adec="http://schemas.microsoft.com/office/drawing/2017/decorative" xmlns="" val="1"/>
               </a:ext>
             </a:extLst>
           </p:cNvPr>
@@ -9541,7 +10312,7 @@
           <p:nvPr>
             <p:extLst>
               <p:ext uri="{386F3935-93C4-4BCD-93E2-E3B085C9AB24}">
-                <p16:designElem xmlns:p16="http://schemas.microsoft.com/office/powerpoint/2015/main" val="1"/>
+                <p16:designElem xmlns:p16="http://schemas.microsoft.com/office/powerpoint/2015/main" xmlns="" val="1"/>
               </p:ext>
             </p:extLst>
           </p:nvPr>
@@ -9667,7 +10438,7 @@
           <p:cNvPr id="2" name="Title 1">
             <a:extLst>
               <a:ext uri="{FF2B5EF4-FFF2-40B4-BE49-F238E27FC236}">
-                <a16:creationId xmlns:a16="http://schemas.microsoft.com/office/drawing/2014/main" id="{A1788B16-938A-D7A2-9975-5AC6A176DBB7}"/>
+                <a16:creationId xmlns:a16="http://schemas.microsoft.com/office/drawing/2014/main" xmlns="" id="{A1788B16-938A-D7A2-9975-5AC6A176DBB7}"/>
               </a:ext>
             </a:extLst>
           </p:cNvPr>
@@ -9706,10 +10477,10 @@
           <p:cNvPr id="16" name="Rectangle 8">
             <a:extLst>
               <a:ext uri="{FF2B5EF4-FFF2-40B4-BE49-F238E27FC236}">
-                <a16:creationId xmlns:a16="http://schemas.microsoft.com/office/drawing/2014/main" id="{82211336-CFF3-412D-868A-6679C1004C45}"/>
+                <a16:creationId xmlns:a16="http://schemas.microsoft.com/office/drawing/2014/main" xmlns="" id="{82211336-CFF3-412D-868A-6679C1004C45}"/>
               </a:ext>
               <a:ext uri="{C183D7F6-B498-43B3-948B-1728B52AA6E4}">
-                <adec:decorative xmlns:adec="http://schemas.microsoft.com/office/drawing/2017/decorative" val="1"/>
+                <adec:decorative xmlns:adec="http://schemas.microsoft.com/office/drawing/2017/decorative" xmlns="" val="1"/>
               </a:ext>
             </a:extLst>
           </p:cNvPr>
@@ -9719,7 +10490,7 @@
           <p:nvPr>
             <p:extLst>
               <p:ext uri="{386F3935-93C4-4BCD-93E2-E3B085C9AB24}">
-                <p16:designElem xmlns:p16="http://schemas.microsoft.com/office/powerpoint/2015/main" val="1"/>
+                <p16:designElem xmlns:p16="http://schemas.microsoft.com/office/powerpoint/2015/main" xmlns="" val="1"/>
               </p:ext>
             </p:extLst>
           </p:nvPr>
@@ -9786,7 +10557,7 @@
           <p:cNvPr id="17" name="Content Placeholder 2">
             <a:extLst>
               <a:ext uri="{FF2B5EF4-FFF2-40B4-BE49-F238E27FC236}">
-                <a16:creationId xmlns:a16="http://schemas.microsoft.com/office/drawing/2014/main" id="{F5B8B63D-AFA9-1B9C-A9CA-EF255E61A0C4}"/>
+                <a16:creationId xmlns:a16="http://schemas.microsoft.com/office/drawing/2014/main" xmlns="" id="{F5B8B63D-AFA9-1B9C-A9CA-EF255E61A0C4}"/>
               </a:ext>
             </a:extLst>
           </p:cNvPr>
@@ -9913,6 +10684,13 @@
       </p:transition>
     </mc:Fallback>
   </mc:AlternateContent>
+  <p:timing>
+    <p:tnLst>
+      <p:par>
+        <p:cTn id="1" dur="indefinite" restart="never" nodeType="tmRoot"/>
+      </p:par>
+    </p:tnLst>
+  </p:timing>
 </p:sld>
 </file>
 
@@ -9946,10 +10724,10 @@
           <p:cNvPr id="8" name="Rectangle 7">
             <a:extLst>
               <a:ext uri="{FF2B5EF4-FFF2-40B4-BE49-F238E27FC236}">
-                <a16:creationId xmlns:a16="http://schemas.microsoft.com/office/drawing/2014/main" id="{76EFD3D9-44F0-4267-BCC1-1613E79D8274}"/>
+                <a16:creationId xmlns:a16="http://schemas.microsoft.com/office/drawing/2014/main" xmlns="" id="{76EFD3D9-44F0-4267-BCC1-1613E79D8274}"/>
               </a:ext>
               <a:ext uri="{C183D7F6-B498-43B3-948B-1728B52AA6E4}">
-                <adec:decorative xmlns:adec="http://schemas.microsoft.com/office/drawing/2017/decorative" val="1"/>
+                <adec:decorative xmlns:adec="http://schemas.microsoft.com/office/drawing/2017/decorative" xmlns="" val="1"/>
               </a:ext>
             </a:extLst>
           </p:cNvPr>
@@ -9959,7 +10737,7 @@
           <p:nvPr>
             <p:extLst>
               <p:ext uri="{386F3935-93C4-4BCD-93E2-E3B085C9AB24}">
-                <p16:designElem xmlns:p16="http://schemas.microsoft.com/office/powerpoint/2015/main" val="1"/>
+                <p16:designElem xmlns:p16="http://schemas.microsoft.com/office/powerpoint/2015/main" xmlns="" val="1"/>
               </p:ext>
             </p:extLst>
           </p:nvPr>
@@ -10006,10 +10784,10 @@
           <p:cNvPr id="10" name="Freeform 6">
             <a:extLst>
               <a:ext uri="{FF2B5EF4-FFF2-40B4-BE49-F238E27FC236}">
-                <a16:creationId xmlns:a16="http://schemas.microsoft.com/office/drawing/2014/main" id="{A779A851-95D6-41AF-937A-B0E4B7F6FA8D}"/>
+                <a16:creationId xmlns:a16="http://schemas.microsoft.com/office/drawing/2014/main" xmlns="" id="{A779A851-95D6-41AF-937A-B0E4B7F6FA8D}"/>
               </a:ext>
               <a:ext uri="{C183D7F6-B498-43B3-948B-1728B52AA6E4}">
-                <adec:decorative xmlns:adec="http://schemas.microsoft.com/office/drawing/2017/decorative" val="1"/>
+                <adec:decorative xmlns:adec="http://schemas.microsoft.com/office/drawing/2017/decorative" xmlns="" val="1"/>
               </a:ext>
             </a:extLst>
           </p:cNvPr>
@@ -10019,7 +10797,7 @@
           <p:nvPr>
             <p:extLst>
               <p:ext uri="{386F3935-93C4-4BCD-93E2-E3B085C9AB24}">
-                <p16:designElem xmlns:p16="http://schemas.microsoft.com/office/powerpoint/2015/main" val="1"/>
+                <p16:designElem xmlns:p16="http://schemas.microsoft.com/office/powerpoint/2015/main" xmlns="" val="1"/>
               </p:ext>
             </p:extLst>
           </p:nvPr>
@@ -10109,10 +10887,10 @@
           <p:cNvPr id="12" name="Freeform 7">
             <a:extLst>
               <a:ext uri="{FF2B5EF4-FFF2-40B4-BE49-F238E27FC236}">
-                <a16:creationId xmlns:a16="http://schemas.microsoft.com/office/drawing/2014/main" id="{953FB2E7-B6CB-429C-81EB-D9516D6D5C8D}"/>
+                <a16:creationId xmlns:a16="http://schemas.microsoft.com/office/drawing/2014/main" xmlns="" id="{953FB2E7-B6CB-429C-81EB-D9516D6D5C8D}"/>
               </a:ext>
               <a:ext uri="{C183D7F6-B498-43B3-948B-1728B52AA6E4}">
-                <adec:decorative xmlns:adec="http://schemas.microsoft.com/office/drawing/2017/decorative" val="1"/>
+                <adec:decorative xmlns:adec="http://schemas.microsoft.com/office/drawing/2017/decorative" xmlns="" val="1"/>
               </a:ext>
             </a:extLst>
           </p:cNvPr>
@@ -10122,7 +10900,7 @@
           <p:nvPr>
             <p:extLst>
               <p:ext uri="{386F3935-93C4-4BCD-93E2-E3B085C9AB24}">
-                <p16:designElem xmlns:p16="http://schemas.microsoft.com/office/powerpoint/2015/main" val="1"/>
+                <p16:designElem xmlns:p16="http://schemas.microsoft.com/office/powerpoint/2015/main" xmlns="" val="1"/>
               </p:ext>
             </p:extLst>
           </p:nvPr>
@@ -10212,10 +10990,10 @@
           <p:cNvPr id="14" name="Freeform: Shape 13">
             <a:extLst>
               <a:ext uri="{FF2B5EF4-FFF2-40B4-BE49-F238E27FC236}">
-                <a16:creationId xmlns:a16="http://schemas.microsoft.com/office/drawing/2014/main" id="{2EC40DB1-B719-4A13-9A4D-0966B4B27866}"/>
+                <a16:creationId xmlns:a16="http://schemas.microsoft.com/office/drawing/2014/main" xmlns="" id="{2EC40DB1-B719-4A13-9A4D-0966B4B27866}"/>
               </a:ext>
               <a:ext uri="{C183D7F6-B498-43B3-948B-1728B52AA6E4}">
-                <adec:decorative xmlns:adec="http://schemas.microsoft.com/office/drawing/2017/decorative" val="1"/>
+                <adec:decorative xmlns:adec="http://schemas.microsoft.com/office/drawing/2017/decorative" xmlns="" val="1"/>
               </a:ext>
             </a:extLst>
           </p:cNvPr>
@@ -10225,7 +11003,7 @@
           <p:nvPr>
             <p:extLst>
               <p:ext uri="{386F3935-93C4-4BCD-93E2-E3B085C9AB24}">
-                <p16:designElem xmlns:p16="http://schemas.microsoft.com/office/powerpoint/2015/main" val="1"/>
+                <p16:designElem xmlns:p16="http://schemas.microsoft.com/office/powerpoint/2015/main" xmlns="" val="1"/>
               </p:ext>
             </p:extLst>
           </p:nvPr>
@@ -10322,7 +11100,7 @@
           <p:cNvPr id="2" name="Title 1">
             <a:extLst>
               <a:ext uri="{FF2B5EF4-FFF2-40B4-BE49-F238E27FC236}">
-                <a16:creationId xmlns:a16="http://schemas.microsoft.com/office/drawing/2014/main" id="{6243D9CE-EFB9-4E94-F3DA-B69750A7362D}"/>
+                <a16:creationId xmlns:a16="http://schemas.microsoft.com/office/drawing/2014/main" xmlns="" id="{6243D9CE-EFB9-4E94-F3DA-B69750A7362D}"/>
               </a:ext>
             </a:extLst>
           </p:cNvPr>
@@ -10351,8 +11129,73 @@
                   <a:srgbClr val="FFFFFF"/>
                 </a:solidFill>
               </a:rPr>
-              <a:t>Types of NFC devices</a:t>
-            </a:r>
+              <a:t>Types of NFC </a:t>
+            </a:r>
+            <a:r>
+              <a:rPr lang="en-IN" sz="4000" b="1" dirty="0" smtClean="0">
+                <a:solidFill>
+                  <a:srgbClr val="FFFFFF"/>
+                </a:solidFill>
+              </a:rPr>
+              <a:t>devices</a:t>
+            </a:r>
+            <a:br>
+              <a:rPr lang="en-IN" sz="4000" b="1" dirty="0" smtClean="0">
+                <a:solidFill>
+                  <a:srgbClr val="FFFFFF"/>
+                </a:solidFill>
+              </a:rPr>
+            </a:br>
+            <a:r>
+              <a:rPr lang="en-IN" sz="4000" b="1" dirty="0">
+                <a:solidFill>
+                  <a:srgbClr val="FFFFFF"/>
+                </a:solidFill>
+              </a:rPr>
+              <a:t/>
+            </a:r>
+            <a:br>
+              <a:rPr lang="en-IN" sz="4000" b="1" dirty="0">
+                <a:solidFill>
+                  <a:srgbClr val="FFFFFF"/>
+                </a:solidFill>
+              </a:rPr>
+            </a:br>
+            <a:r>
+              <a:rPr lang="en-IN" sz="4000" b="1" dirty="0" smtClean="0">
+                <a:solidFill>
+                  <a:srgbClr val="FFFFFF"/>
+                </a:solidFill>
+              </a:rPr>
+              <a:t/>
+            </a:r>
+            <a:br>
+              <a:rPr lang="en-IN" sz="4000" b="1" dirty="0" smtClean="0">
+                <a:solidFill>
+                  <a:srgbClr val="FFFFFF"/>
+                </a:solidFill>
+              </a:rPr>
+            </a:br>
+            <a:r>
+              <a:rPr lang="en-IN" sz="4000" b="1" dirty="0">
+                <a:solidFill>
+                  <a:srgbClr val="FFFFFF"/>
+                </a:solidFill>
+              </a:rPr>
+              <a:t/>
+            </a:r>
+            <a:br>
+              <a:rPr lang="en-IN" sz="4000" b="1" dirty="0">
+                <a:solidFill>
+                  <a:srgbClr val="FFFFFF"/>
+                </a:solidFill>
+              </a:rPr>
+            </a:br>
+            <a:endParaRPr lang="en-IN" sz="4000" b="1" dirty="0">
+              <a:solidFill>
+                <a:srgbClr val="FFFFFF"/>
+              </a:solidFill>
+            </a:endParaRPr>
           </a:p>
         </p:txBody>
       </p:sp>
@@ -10361,10 +11204,10 @@
           <p:cNvPr id="16" name="Rectangle 8">
             <a:extLst>
               <a:ext uri="{FF2B5EF4-FFF2-40B4-BE49-F238E27FC236}">
-                <a16:creationId xmlns:a16="http://schemas.microsoft.com/office/drawing/2014/main" id="{82211336-CFF3-412D-868A-6679C1004C45}"/>
+                <a16:creationId xmlns:a16="http://schemas.microsoft.com/office/drawing/2014/main" xmlns="" id="{82211336-CFF3-412D-868A-6679C1004C45}"/>
               </a:ext>
               <a:ext uri="{C183D7F6-B498-43B3-948B-1728B52AA6E4}">
-                <adec:decorative xmlns:adec="http://schemas.microsoft.com/office/drawing/2017/decorative" val="1"/>
+                <adec:decorative xmlns:adec="http://schemas.microsoft.com/office/drawing/2017/decorative" xmlns="" val="1"/>
               </a:ext>
             </a:extLst>
           </p:cNvPr>
@@ -10374,7 +11217,7 @@
           <p:nvPr>
             <p:extLst>
               <p:ext uri="{386F3935-93C4-4BCD-93E2-E3B085C9AB24}">
-                <p16:designElem xmlns:p16="http://schemas.microsoft.com/office/powerpoint/2015/main" val="1"/>
+                <p16:designElem xmlns:p16="http://schemas.microsoft.com/office/powerpoint/2015/main" xmlns="" val="1"/>
               </p:ext>
             </p:extLst>
           </p:nvPr>
@@ -10411,7 +11254,7 @@
           <p:cNvPr id="3" name="Content Placeholder 2">
             <a:extLst>
               <a:ext uri="{FF2B5EF4-FFF2-40B4-BE49-F238E27FC236}">
-                <a16:creationId xmlns:a16="http://schemas.microsoft.com/office/drawing/2014/main" id="{5FA40040-06E8-279A-29E8-624C796B9DD2}"/>
+                <a16:creationId xmlns:a16="http://schemas.microsoft.com/office/drawing/2014/main" xmlns="" id="{5FA40040-06E8-279A-29E8-624C796B9DD2}"/>
               </a:ext>
             </a:extLst>
           </p:cNvPr>
@@ -10515,6 +11358,36 @@
           </a:p>
         </p:txBody>
       </p:sp>
+      <p:pic>
+        <p:nvPicPr>
+          <p:cNvPr id="4" name="Picture 3"/>
+          <p:cNvPicPr>
+            <a:picLocks noChangeAspect="1"/>
+          </p:cNvPicPr>
+          <p:nvPr/>
+        </p:nvPicPr>
+        <p:blipFill>
+          <a:blip r:embed="rId2">
+            <a:extLst>
+              <a:ext uri="{28A0092B-C50C-407E-A947-70E740481C1C}">
+                <a14:useLocalDpi xmlns:a14="http://schemas.microsoft.com/office/drawing/2010/main" val="0"/>
+              </a:ext>
+            </a:extLst>
+          </a:blip>
+          <a:stretch>
+            <a:fillRect/>
+          </a:stretch>
+        </p:blipFill>
+        <p:spPr>
+          <a:xfrm>
+            <a:off x="741346" y="2937605"/>
+            <a:ext cx="3780627" cy="2123678"/>
+          </a:xfrm>
+          <a:prstGeom prst="rect">
+            <a:avLst/>
+          </a:prstGeom>
+        </p:spPr>
+      </p:pic>
     </p:spTree>
     <p:extLst>
       <p:ext uri="{BB962C8B-B14F-4D97-AF65-F5344CB8AC3E}">
@@ -10537,6 +11410,13 @@
       </p:transition>
     </mc:Fallback>
   </mc:AlternateContent>
+  <p:timing>
+    <p:tnLst>
+      <p:par>
+        <p:cTn id="1" dur="indefinite" restart="never" nodeType="tmRoot"/>
+      </p:par>
+    </p:tnLst>
+  </p:timing>
 </p:sld>
 </file>
 
@@ -10570,10 +11450,10 @@
           <p:cNvPr id="8" name="Rectangle 7">
             <a:extLst>
               <a:ext uri="{FF2B5EF4-FFF2-40B4-BE49-F238E27FC236}">
-                <a16:creationId xmlns:a16="http://schemas.microsoft.com/office/drawing/2014/main" id="{76EFD3D9-44F0-4267-BCC1-1613E79D8274}"/>
+                <a16:creationId xmlns:a16="http://schemas.microsoft.com/office/drawing/2014/main" xmlns="" id="{76EFD3D9-44F0-4267-BCC1-1613E79D8274}"/>
               </a:ext>
               <a:ext uri="{C183D7F6-B498-43B3-948B-1728B52AA6E4}">
-                <adec:decorative xmlns:adec="http://schemas.microsoft.com/office/drawing/2017/decorative" val="1"/>
+                <adec:decorative xmlns:adec="http://schemas.microsoft.com/office/drawing/2017/decorative" xmlns="" val="1"/>
               </a:ext>
             </a:extLst>
           </p:cNvPr>
@@ -10583,7 +11463,7 @@
           <p:nvPr>
             <p:extLst>
               <p:ext uri="{386F3935-93C4-4BCD-93E2-E3B085C9AB24}">
-                <p16:designElem xmlns:p16="http://schemas.microsoft.com/office/powerpoint/2015/main" val="1"/>
+                <p16:designElem xmlns:p16="http://schemas.microsoft.com/office/powerpoint/2015/main" xmlns="" val="1"/>
               </p:ext>
             </p:extLst>
           </p:nvPr>
@@ -10630,10 +11510,10 @@
           <p:cNvPr id="10" name="Freeform 6">
             <a:extLst>
               <a:ext uri="{FF2B5EF4-FFF2-40B4-BE49-F238E27FC236}">
-                <a16:creationId xmlns:a16="http://schemas.microsoft.com/office/drawing/2014/main" id="{A779A851-95D6-41AF-937A-B0E4B7F6FA8D}"/>
+                <a16:creationId xmlns:a16="http://schemas.microsoft.com/office/drawing/2014/main" xmlns="" id="{A779A851-95D6-41AF-937A-B0E4B7F6FA8D}"/>
               </a:ext>
               <a:ext uri="{C183D7F6-B498-43B3-948B-1728B52AA6E4}">
-                <adec:decorative xmlns:adec="http://schemas.microsoft.com/office/drawing/2017/decorative" val="1"/>
+                <adec:decorative xmlns:adec="http://schemas.microsoft.com/office/drawing/2017/decorative" xmlns="" val="1"/>
               </a:ext>
             </a:extLst>
           </p:cNvPr>
@@ -10643,7 +11523,7 @@
           <p:nvPr>
             <p:extLst>
               <p:ext uri="{386F3935-93C4-4BCD-93E2-E3B085C9AB24}">
-                <p16:designElem xmlns:p16="http://schemas.microsoft.com/office/powerpoint/2015/main" val="1"/>
+                <p16:designElem xmlns:p16="http://schemas.microsoft.com/office/powerpoint/2015/main" xmlns="" val="1"/>
               </p:ext>
             </p:extLst>
           </p:nvPr>
@@ -10733,10 +11613,10 @@
           <p:cNvPr id="12" name="Freeform 7">
             <a:extLst>
               <a:ext uri="{FF2B5EF4-FFF2-40B4-BE49-F238E27FC236}">
-                <a16:creationId xmlns:a16="http://schemas.microsoft.com/office/drawing/2014/main" id="{953FB2E7-B6CB-429C-81EB-D9516D6D5C8D}"/>
+                <a16:creationId xmlns:a16="http://schemas.microsoft.com/office/drawing/2014/main" xmlns="" id="{953FB2E7-B6CB-429C-81EB-D9516D6D5C8D}"/>
               </a:ext>
               <a:ext uri="{C183D7F6-B498-43B3-948B-1728B52AA6E4}">
-                <adec:decorative xmlns:adec="http://schemas.microsoft.com/office/drawing/2017/decorative" val="1"/>
+                <adec:decorative xmlns:adec="http://schemas.microsoft.com/office/drawing/2017/decorative" xmlns="" val="1"/>
               </a:ext>
             </a:extLst>
           </p:cNvPr>
@@ -10746,7 +11626,7 @@
           <p:nvPr>
             <p:extLst>
               <p:ext uri="{386F3935-93C4-4BCD-93E2-E3B085C9AB24}">
-                <p16:designElem xmlns:p16="http://schemas.microsoft.com/office/powerpoint/2015/main" val="1"/>
+                <p16:designElem xmlns:p16="http://schemas.microsoft.com/office/powerpoint/2015/main" xmlns="" val="1"/>
               </p:ext>
             </p:extLst>
           </p:nvPr>
@@ -10836,10 +11716,10 @@
           <p:cNvPr id="14" name="Freeform: Shape 13">
             <a:extLst>
               <a:ext uri="{FF2B5EF4-FFF2-40B4-BE49-F238E27FC236}">
-                <a16:creationId xmlns:a16="http://schemas.microsoft.com/office/drawing/2014/main" id="{2EC40DB1-B719-4A13-9A4D-0966B4B27866}"/>
+                <a16:creationId xmlns:a16="http://schemas.microsoft.com/office/drawing/2014/main" xmlns="" id="{2EC40DB1-B719-4A13-9A4D-0966B4B27866}"/>
               </a:ext>
               <a:ext uri="{C183D7F6-B498-43B3-948B-1728B52AA6E4}">
-                <adec:decorative xmlns:adec="http://schemas.microsoft.com/office/drawing/2017/decorative" val="1"/>
+                <adec:decorative xmlns:adec="http://schemas.microsoft.com/office/drawing/2017/decorative" xmlns="" val="1"/>
               </a:ext>
             </a:extLst>
           </p:cNvPr>
@@ -10849,7 +11729,7 @@
           <p:nvPr>
             <p:extLst>
               <p:ext uri="{386F3935-93C4-4BCD-93E2-E3B085C9AB24}">
-                <p16:designElem xmlns:p16="http://schemas.microsoft.com/office/powerpoint/2015/main" val="1"/>
+                <p16:designElem xmlns:p16="http://schemas.microsoft.com/office/powerpoint/2015/main" xmlns="" val="1"/>
               </p:ext>
             </p:extLst>
           </p:nvPr>
@@ -10946,7 +11826,7 @@
           <p:cNvPr id="2" name="Title 1">
             <a:extLst>
               <a:ext uri="{FF2B5EF4-FFF2-40B4-BE49-F238E27FC236}">
-                <a16:creationId xmlns:a16="http://schemas.microsoft.com/office/drawing/2014/main" id="{6997988E-4C94-740D-50AD-CB20BCC33876}"/>
+                <a16:creationId xmlns:a16="http://schemas.microsoft.com/office/drawing/2014/main" xmlns="" id="{6997988E-4C94-740D-50AD-CB20BCC33876}"/>
               </a:ext>
             </a:extLst>
           </p:cNvPr>
@@ -10969,6 +11849,45 @@
           </a:bodyPr>
           <a:lstStyle/>
           <a:p>
+            <a:r>
+              <a:rPr lang="en-IN" sz="2800" i="0" dirty="0">
+                <a:solidFill>
+                  <a:srgbClr val="FFFFFF"/>
+                </a:solidFill>
+                <a:effectLst/>
+                <a:latin typeface="+mn-lt"/>
+              </a:rPr>
+              <a:t>Magnetic Coupling in </a:t>
+            </a:r>
+            <a:r>
+              <a:rPr lang="en-IN" sz="2800" i="0" dirty="0" smtClean="0">
+                <a:solidFill>
+                  <a:srgbClr val="FFFFFF"/>
+                </a:solidFill>
+                <a:effectLst/>
+                <a:latin typeface="+mn-lt"/>
+              </a:rPr>
+              <a:t>NFC</a:t>
+            </a:r>
+            <a:r>
+              <a:rPr lang="en-IN" sz="4000" i="0" dirty="0" smtClean="0">
+                <a:solidFill>
+                  <a:srgbClr val="FFFFFF"/>
+                </a:solidFill>
+                <a:effectLst/>
+                <a:latin typeface="+mn-lt"/>
+              </a:rPr>
+              <a:t/>
+            </a:r>
+            <a:br>
+              <a:rPr lang="en-IN" sz="4000" i="0" dirty="0" smtClean="0">
+                <a:solidFill>
+                  <a:srgbClr val="FFFFFF"/>
+                </a:solidFill>
+                <a:effectLst/>
+                <a:latin typeface="+mn-lt"/>
+              </a:rPr>
+            </a:br>
             <a:r>
               <a:rPr lang="en-IN" sz="4000" i="0" dirty="0">
                 <a:solidFill>
@@ -10977,7 +11896,7 @@
                 <a:effectLst/>
                 <a:latin typeface="+mn-lt"/>
               </a:rPr>
-              <a:t>Magnetic Coupling in NFC</a:t>
+              <a:t/>
             </a:r>
             <a:br>
               <a:rPr lang="en-IN" sz="4000" i="0" dirty="0">
@@ -11012,10 +11931,10 @@
           <p:cNvPr id="16" name="Rectangle 8">
             <a:extLst>
               <a:ext uri="{FF2B5EF4-FFF2-40B4-BE49-F238E27FC236}">
-                <a16:creationId xmlns:a16="http://schemas.microsoft.com/office/drawing/2014/main" id="{82211336-CFF3-412D-868A-6679C1004C45}"/>
+                <a16:creationId xmlns:a16="http://schemas.microsoft.com/office/drawing/2014/main" xmlns="" id="{82211336-CFF3-412D-868A-6679C1004C45}"/>
               </a:ext>
               <a:ext uri="{C183D7F6-B498-43B3-948B-1728B52AA6E4}">
-                <adec:decorative xmlns:adec="http://schemas.microsoft.com/office/drawing/2017/decorative" val="1"/>
+                <adec:decorative xmlns:adec="http://schemas.microsoft.com/office/drawing/2017/decorative" xmlns="" val="1"/>
               </a:ext>
             </a:extLst>
           </p:cNvPr>
@@ -11025,7 +11944,7 @@
           <p:nvPr>
             <p:extLst>
               <p:ext uri="{386F3935-93C4-4BCD-93E2-E3B085C9AB24}">
-                <p16:designElem xmlns:p16="http://schemas.microsoft.com/office/powerpoint/2015/main" val="1"/>
+                <p16:designElem xmlns:p16="http://schemas.microsoft.com/office/powerpoint/2015/main" xmlns="" val="1"/>
               </p:ext>
             </p:extLst>
           </p:nvPr>
@@ -11062,7 +11981,7 @@
           <p:cNvPr id="3" name="Content Placeholder 2">
             <a:extLst>
               <a:ext uri="{FF2B5EF4-FFF2-40B4-BE49-F238E27FC236}">
-                <a16:creationId xmlns:a16="http://schemas.microsoft.com/office/drawing/2014/main" id="{BE6973F7-FD89-C916-5141-A5EEC0E6F8DF}"/>
+                <a16:creationId xmlns:a16="http://schemas.microsoft.com/office/drawing/2014/main" xmlns="" id="{BE6973F7-FD89-C916-5141-A5EEC0E6F8DF}"/>
               </a:ext>
             </a:extLst>
           </p:cNvPr>
@@ -11146,6 +12065,36 @@
           </a:p>
         </p:txBody>
       </p:sp>
+      <p:pic>
+        <p:nvPicPr>
+          <p:cNvPr id="4" name="Picture 3"/>
+          <p:cNvPicPr>
+            <a:picLocks noChangeAspect="1"/>
+          </p:cNvPicPr>
+          <p:nvPr/>
+        </p:nvPicPr>
+        <p:blipFill>
+          <a:blip r:embed="rId2">
+            <a:extLst>
+              <a:ext uri="{28A0092B-C50C-407E-A947-70E740481C1C}">
+                <a14:useLocalDpi xmlns:a14="http://schemas.microsoft.com/office/drawing/2010/main" val="0"/>
+              </a:ext>
+            </a:extLst>
+          </a:blip>
+          <a:stretch>
+            <a:fillRect/>
+          </a:stretch>
+        </p:blipFill>
+        <p:spPr>
+          <a:xfrm>
+            <a:off x="667773" y="3103809"/>
+            <a:ext cx="3847323" cy="2520892"/>
+          </a:xfrm>
+          <a:prstGeom prst="rect">
+            <a:avLst/>
+          </a:prstGeom>
+        </p:spPr>
+      </p:pic>
     </p:spTree>
     <p:extLst>
       <p:ext uri="{BB962C8B-B14F-4D97-AF65-F5344CB8AC3E}">
@@ -11168,10 +12117,96 @@
       </p:transition>
     </mc:Fallback>
   </mc:AlternateContent>
+  <p:timing>
+    <p:tnLst>
+      <p:par>
+        <p:cTn id="1" dur="indefinite" restart="never" nodeType="tmRoot"/>
+      </p:par>
+    </p:tnLst>
+  </p:timing>
 </p:sld>
 </file>
 
 <file path=ppt/slides/slide8.xml><?xml version="1.0" encoding="utf-8"?>
+<p:sld xmlns:a="http://schemas.openxmlformats.org/drawingml/2006/main" xmlns:r="http://schemas.openxmlformats.org/officeDocument/2006/relationships" xmlns:p="http://schemas.openxmlformats.org/presentationml/2006/main">
+  <p:cSld>
+    <p:spTree>
+      <p:nvGrpSpPr>
+        <p:cNvPr id="1" name=""/>
+        <p:cNvGrpSpPr/>
+        <p:nvPr/>
+      </p:nvGrpSpPr>
+      <p:grpSpPr>
+        <a:xfrm>
+          <a:off x="0" y="0"/>
+          <a:ext cx="0" cy="0"/>
+          <a:chOff x="0" y="0"/>
+          <a:chExt cx="0" cy="0"/>
+        </a:xfrm>
+      </p:grpSpPr>
+      <p:pic>
+        <p:nvPicPr>
+          <p:cNvPr id="2" name="Picture 1"/>
+          <p:cNvPicPr>
+            <a:picLocks noChangeAspect="1"/>
+          </p:cNvPicPr>
+          <p:nvPr/>
+        </p:nvPicPr>
+        <p:blipFill>
+          <a:blip r:embed="rId2">
+            <a:extLst>
+              <a:ext uri="{28A0092B-C50C-407E-A947-70E740481C1C}">
+                <a14:useLocalDpi xmlns:a14="http://schemas.microsoft.com/office/drawing/2010/main" val="0"/>
+              </a:ext>
+            </a:extLst>
+          </a:blip>
+          <a:stretch>
+            <a:fillRect/>
+          </a:stretch>
+        </p:blipFill>
+        <p:spPr>
+          <a:xfrm>
+            <a:off x="592428" y="643944"/>
+            <a:ext cx="10663707" cy="5383369"/>
+          </a:xfrm>
+          <a:prstGeom prst="rect">
+            <a:avLst/>
+          </a:prstGeom>
+        </p:spPr>
+      </p:pic>
+    </p:spTree>
+    <p:extLst>
+      <p:ext uri="{BB962C8B-B14F-4D97-AF65-F5344CB8AC3E}">
+        <p14:creationId xmlns:p14="http://schemas.microsoft.com/office/powerpoint/2010/main" val="826749772"/>
+      </p:ext>
+    </p:extLst>
+  </p:cSld>
+  <p:clrMapOvr>
+    <a:masterClrMapping/>
+  </p:clrMapOvr>
+  <mc:AlternateContent xmlns:mc="http://schemas.openxmlformats.org/markup-compatibility/2006">
+    <mc:Choice xmlns:p15="http://schemas.microsoft.com/office/powerpoint/2012/main" Requires="p15">
+      <p:transition xmlns:p14="http://schemas.microsoft.com/office/powerpoint/2010/main" spd="slow" p14:dur="1250">
+        <p15:prstTrans prst="pageCurlDouble"/>
+      </p:transition>
+    </mc:Choice>
+    <mc:Fallback>
+      <p:transition spd="slow">
+        <p:fade/>
+      </p:transition>
+    </mc:Fallback>
+  </mc:AlternateContent>
+  <p:timing>
+    <p:tnLst>
+      <p:par>
+        <p:cTn id="1" dur="indefinite" restart="never" nodeType="tmRoot"/>
+      </p:par>
+    </p:tnLst>
+  </p:timing>
+</p:sld>
+</file>
+
+<file path=ppt/slides/slide9.xml><?xml version="1.0" encoding="utf-8"?>
 <p:sld xmlns:a="http://schemas.openxmlformats.org/drawingml/2006/main" xmlns:r="http://schemas.openxmlformats.org/officeDocument/2006/relationships" xmlns:p="http://schemas.openxmlformats.org/presentationml/2006/main">
   <p:cSld>
     <p:bg>
@@ -11201,10 +12236,10 @@
           <p:cNvPr id="12" name="Rectangle 11">
             <a:extLst>
               <a:ext uri="{FF2B5EF4-FFF2-40B4-BE49-F238E27FC236}">
-                <a16:creationId xmlns:a16="http://schemas.microsoft.com/office/drawing/2014/main" id="{B5FA7C47-B7C1-4D2E-AB49-ED23BA34BA83}"/>
+                <a16:creationId xmlns:a16="http://schemas.microsoft.com/office/drawing/2014/main" xmlns="" id="{B5FA7C47-B7C1-4D2E-AB49-ED23BA34BA83}"/>
               </a:ext>
               <a:ext uri="{C183D7F6-B498-43B3-948B-1728B52AA6E4}">
-                <adec:decorative xmlns:adec="http://schemas.microsoft.com/office/drawing/2017/decorative" val="1"/>
+                <adec:decorative xmlns:adec="http://schemas.microsoft.com/office/drawing/2017/decorative" xmlns="" val="1"/>
               </a:ext>
             </a:extLst>
           </p:cNvPr>
@@ -11214,7 +12249,7 @@
           <p:nvPr>
             <p:extLst>
               <p:ext uri="{386F3935-93C4-4BCD-93E2-E3B085C9AB24}">
-                <p16:designElem xmlns:p16="http://schemas.microsoft.com/office/powerpoint/2015/main" val="1"/>
+                <p16:designElem xmlns:p16="http://schemas.microsoft.com/office/powerpoint/2015/main" xmlns="" val="1"/>
               </p:ext>
             </p:extLst>
           </p:nvPr>
@@ -11261,10 +12296,10 @@
           <p:cNvPr id="14" name="Freeform 6">
             <a:extLst>
               <a:ext uri="{FF2B5EF4-FFF2-40B4-BE49-F238E27FC236}">
-                <a16:creationId xmlns:a16="http://schemas.microsoft.com/office/drawing/2014/main" id="{596EE156-ABF1-4329-A6BA-03B4254E0877}"/>
+                <a16:creationId xmlns:a16="http://schemas.microsoft.com/office/drawing/2014/main" xmlns="" id="{596EE156-ABF1-4329-A6BA-03B4254E0877}"/>
               </a:ext>
               <a:ext uri="{C183D7F6-B498-43B3-948B-1728B52AA6E4}">
-                <adec:decorative xmlns:adec="http://schemas.microsoft.com/office/drawing/2017/decorative" val="1"/>
+                <adec:decorative xmlns:adec="http://schemas.microsoft.com/office/drawing/2017/decorative" xmlns="" val="1"/>
               </a:ext>
             </a:extLst>
           </p:cNvPr>
@@ -11274,7 +12309,7 @@
           <p:nvPr>
             <p:extLst>
               <p:ext uri="{386F3935-93C4-4BCD-93E2-E3B085C9AB24}">
-                <p16:designElem xmlns:p16="http://schemas.microsoft.com/office/powerpoint/2015/main" val="1"/>
+                <p16:designElem xmlns:p16="http://schemas.microsoft.com/office/powerpoint/2015/main" xmlns="" val="1"/>
               </p:ext>
             </p:extLst>
           </p:nvPr>
@@ -11364,10 +12399,10 @@
           <p:cNvPr id="16" name="Rectangle 8">
             <a:extLst>
               <a:ext uri="{FF2B5EF4-FFF2-40B4-BE49-F238E27FC236}">
-                <a16:creationId xmlns:a16="http://schemas.microsoft.com/office/drawing/2014/main" id="{19B9933F-AAB3-444A-8BB5-9CA194A8BC63}"/>
+                <a16:creationId xmlns:a16="http://schemas.microsoft.com/office/drawing/2014/main" xmlns="" id="{19B9933F-AAB3-444A-8BB5-9CA194A8BC63}"/>
               </a:ext>
               <a:ext uri="{C183D7F6-B498-43B3-948B-1728B52AA6E4}">
-                <adec:decorative xmlns:adec="http://schemas.microsoft.com/office/drawing/2017/decorative" val="1"/>
+                <adec:decorative xmlns:adec="http://schemas.microsoft.com/office/drawing/2017/decorative" xmlns="" val="1"/>
               </a:ext>
             </a:extLst>
           </p:cNvPr>
@@ -11377,7 +12412,7 @@
           <p:nvPr>
             <p:extLst>
               <p:ext uri="{386F3935-93C4-4BCD-93E2-E3B085C9AB24}">
-                <p16:designElem xmlns:p16="http://schemas.microsoft.com/office/powerpoint/2015/main" val="1"/>
+                <p16:designElem xmlns:p16="http://schemas.microsoft.com/office/powerpoint/2015/main" xmlns="" val="1"/>
               </p:ext>
             </p:extLst>
           </p:nvPr>
@@ -11414,10 +12449,10 @@
           <p:cNvPr id="18" name="Freeform 7">
             <a:extLst>
               <a:ext uri="{FF2B5EF4-FFF2-40B4-BE49-F238E27FC236}">
-                <a16:creationId xmlns:a16="http://schemas.microsoft.com/office/drawing/2014/main" id="{7D20183A-0B1D-4A1F-89B1-ADBEDBC6E54E}"/>
+                <a16:creationId xmlns:a16="http://schemas.microsoft.com/office/drawing/2014/main" xmlns="" id="{7D20183A-0B1D-4A1F-89B1-ADBEDBC6E54E}"/>
               </a:ext>
               <a:ext uri="{C183D7F6-B498-43B3-948B-1728B52AA6E4}">
-                <adec:decorative xmlns:adec="http://schemas.microsoft.com/office/drawing/2017/decorative" val="1"/>
+                <adec:decorative xmlns:adec="http://schemas.microsoft.com/office/drawing/2017/decorative" xmlns="" val="1"/>
               </a:ext>
             </a:extLst>
           </p:cNvPr>
@@ -11427,7 +12462,7 @@
           <p:nvPr>
             <p:extLst>
               <p:ext uri="{386F3935-93C4-4BCD-93E2-E3B085C9AB24}">
-                <p16:designElem xmlns:p16="http://schemas.microsoft.com/office/powerpoint/2015/main" val="1"/>
+                <p16:designElem xmlns:p16="http://schemas.microsoft.com/office/powerpoint/2015/main" xmlns="" val="1"/>
               </p:ext>
             </p:extLst>
           </p:nvPr>
@@ -11517,10 +12552,10 @@
           <p:cNvPr id="20" name="Rectangle 8">
             <a:extLst>
               <a:ext uri="{FF2B5EF4-FFF2-40B4-BE49-F238E27FC236}">
-                <a16:creationId xmlns:a16="http://schemas.microsoft.com/office/drawing/2014/main" id="{131031D3-26CD-4214-A9A4-5857EFA15A0C}"/>
+                <a16:creationId xmlns:a16="http://schemas.microsoft.com/office/drawing/2014/main" xmlns="" id="{131031D3-26CD-4214-A9A4-5857EFA15A0C}"/>
               </a:ext>
               <a:ext uri="{C183D7F6-B498-43B3-948B-1728B52AA6E4}">
-                <adec:decorative xmlns:adec="http://schemas.microsoft.com/office/drawing/2017/decorative" val="1"/>
+                <adec:decorative xmlns:adec="http://schemas.microsoft.com/office/drawing/2017/decorative" xmlns="" val="1"/>
               </a:ext>
             </a:extLst>
           </p:cNvPr>
@@ -11530,7 +12565,7 @@
           <p:nvPr>
             <p:extLst>
               <p:ext uri="{386F3935-93C4-4BCD-93E2-E3B085C9AB24}">
-                <p16:designElem xmlns:p16="http://schemas.microsoft.com/office/powerpoint/2015/main" val="1"/>
+                <p16:designElem xmlns:p16="http://schemas.microsoft.com/office/powerpoint/2015/main" xmlns="" val="1"/>
               </p:ext>
             </p:extLst>
           </p:nvPr>
@@ -11567,7 +12602,7 @@
           <p:cNvPr id="2" name="Title 1">
             <a:extLst>
               <a:ext uri="{FF2B5EF4-FFF2-40B4-BE49-F238E27FC236}">
-                <a16:creationId xmlns:a16="http://schemas.microsoft.com/office/drawing/2014/main" id="{271B304D-547D-C646-CECF-33F2E9D7D563}"/>
+                <a16:creationId xmlns:a16="http://schemas.microsoft.com/office/drawing/2014/main" xmlns="" id="{271B304D-547D-C646-CECF-33F2E9D7D563}"/>
               </a:ext>
             </a:extLst>
           </p:cNvPr>
@@ -11613,7 +12648,7 @@
           <p:cNvPr id="9" name="Content Placeholder 8">
             <a:extLst>
               <a:ext uri="{FF2B5EF4-FFF2-40B4-BE49-F238E27FC236}">
-                <a16:creationId xmlns:a16="http://schemas.microsoft.com/office/drawing/2014/main" id="{2C9C8EFA-E19F-4DE2-DA9F-6E7C428B7846}"/>
+                <a16:creationId xmlns:a16="http://schemas.microsoft.com/office/drawing/2014/main" xmlns="" id="{2C9C8EFA-E19F-4DE2-DA9F-6E7C428B7846}"/>
               </a:ext>
             </a:extLst>
           </p:cNvPr>
@@ -11709,7 +12744,7 @@
           <p:cNvPr id="5" name="Content Placeholder 4" descr="Graphical user interface, application&#10;&#10;Description automatically generated">
             <a:extLst>
               <a:ext uri="{FF2B5EF4-FFF2-40B4-BE49-F238E27FC236}">
-                <a16:creationId xmlns:a16="http://schemas.microsoft.com/office/drawing/2014/main" id="{79E14921-68E5-777B-7A37-C71AFA0B6C12}"/>
+                <a16:creationId xmlns:a16="http://schemas.microsoft.com/office/drawing/2014/main" xmlns="" id="{79E14921-68E5-777B-7A37-C71AFA0B6C12}"/>
               </a:ext>
             </a:extLst>
           </p:cNvPr>
@@ -11762,596 +12797,13 @@
       </p:transition>
     </mc:Fallback>
   </mc:AlternateContent>
-</p:sld>
-</file>
-
-<file path=ppt/slides/slide9.xml><?xml version="1.0" encoding="utf-8"?>
-<p:sld xmlns:a="http://schemas.openxmlformats.org/drawingml/2006/main" xmlns:r="http://schemas.openxmlformats.org/officeDocument/2006/relationships" xmlns:p="http://schemas.openxmlformats.org/presentationml/2006/main">
-  <p:cSld>
-    <p:bg>
-      <p:bgPr>
-        <a:solidFill>
-          <a:schemeClr val="bg1"/>
-        </a:solidFill>
-        <a:effectLst/>
-      </p:bgPr>
-    </p:bg>
-    <p:spTree>
-      <p:nvGrpSpPr>
-        <p:cNvPr id="1" name=""/>
-        <p:cNvGrpSpPr/>
-        <p:nvPr/>
-      </p:nvGrpSpPr>
-      <p:grpSpPr>
-        <a:xfrm>
-          <a:off x="0" y="0"/>
-          <a:ext cx="0" cy="0"/>
-          <a:chOff x="0" y="0"/>
-          <a:chExt cx="0" cy="0"/>
-        </a:xfrm>
-      </p:grpSpPr>
-      <p:sp useBgFill="1">
-        <p:nvSpPr>
-          <p:cNvPr id="8" name="Rectangle 7">
-            <a:extLst>
-              <a:ext uri="{FF2B5EF4-FFF2-40B4-BE49-F238E27FC236}">
-                <a16:creationId xmlns:a16="http://schemas.microsoft.com/office/drawing/2014/main" id="{76EFD3D9-44F0-4267-BCC1-1613E79D8274}"/>
-              </a:ext>
-              <a:ext uri="{C183D7F6-B498-43B3-948B-1728B52AA6E4}">
-                <adec:decorative xmlns:adec="http://schemas.microsoft.com/office/drawing/2017/decorative" val="1"/>
-              </a:ext>
-            </a:extLst>
-          </p:cNvPr>
-          <p:cNvSpPr>
-            <a:spLocks noGrp="1" noRot="1" noChangeAspect="1" noMove="1" noResize="1" noEditPoints="1" noAdjustHandles="1" noChangeArrowheads="1" noChangeShapeType="1" noTextEdit="1"/>
-          </p:cNvSpPr>
-          <p:nvPr>
-            <p:extLst>
-              <p:ext uri="{386F3935-93C4-4BCD-93E2-E3B085C9AB24}">
-                <p16:designElem xmlns:p16="http://schemas.microsoft.com/office/powerpoint/2015/main" val="1"/>
-              </p:ext>
-            </p:extLst>
-          </p:nvPr>
-        </p:nvSpPr>
-        <p:spPr>
-          <a:xfrm>
-            <a:off x="0" y="0"/>
-            <a:ext cx="12188952" cy="6858000"/>
-          </a:xfrm>
-          <a:prstGeom prst="rect">
-            <a:avLst/>
-          </a:prstGeom>
-          <a:ln>
-            <a:noFill/>
-          </a:ln>
-        </p:spPr>
-        <p:style>
-          <a:lnRef idx="2">
-            <a:schemeClr val="accent1">
-              <a:shade val="50000"/>
-            </a:schemeClr>
-          </a:lnRef>
-          <a:fillRef idx="1">
-            <a:schemeClr val="accent1"/>
-          </a:fillRef>
-          <a:effectRef idx="0">
-            <a:schemeClr val="accent1"/>
-          </a:effectRef>
-          <a:fontRef idx="minor">
-            <a:schemeClr val="lt1"/>
-          </a:fontRef>
-        </p:style>
-        <p:txBody>
-          <a:bodyPr rtlCol="0" anchor="ctr"/>
-          <a:lstStyle/>
-          <a:p>
-            <a:pPr algn="ctr"/>
-            <a:endParaRPr lang="en-US"/>
-          </a:p>
-        </p:txBody>
-      </p:sp>
-      <p:sp>
-        <p:nvSpPr>
-          <p:cNvPr id="10" name="Freeform 6">
-            <a:extLst>
-              <a:ext uri="{FF2B5EF4-FFF2-40B4-BE49-F238E27FC236}">
-                <a16:creationId xmlns:a16="http://schemas.microsoft.com/office/drawing/2014/main" id="{A779A851-95D6-41AF-937A-B0E4B7F6FA8D}"/>
-              </a:ext>
-              <a:ext uri="{C183D7F6-B498-43B3-948B-1728B52AA6E4}">
-                <adec:decorative xmlns:adec="http://schemas.microsoft.com/office/drawing/2017/decorative" val="1"/>
-              </a:ext>
-            </a:extLst>
-          </p:cNvPr>
-          <p:cNvSpPr>
-            <a:spLocks noGrp="1" noRot="1" noChangeAspect="1" noMove="1" noResize="1" noEditPoints="1" noAdjustHandles="1" noChangeArrowheads="1" noChangeShapeType="1" noTextEdit="1"/>
-          </p:cNvSpPr>
-          <p:nvPr>
-            <p:extLst>
-              <p:ext uri="{386F3935-93C4-4BCD-93E2-E3B085C9AB24}">
-                <p16:designElem xmlns:p16="http://schemas.microsoft.com/office/powerpoint/2015/main" val="1"/>
-              </p:ext>
-            </p:extLst>
-          </p:nvPr>
-        </p:nvSpPr>
-        <p:spPr bwMode="auto">
-          <a:xfrm>
-            <a:off x="4142164" y="900814"/>
-            <a:ext cx="759618" cy="5710965"/>
-          </a:xfrm>
-          <a:custGeom>
-            <a:avLst/>
-            <a:gdLst>
-              <a:gd name="T0" fmla="*/ 414 w 414"/>
-              <a:gd name="T1" fmla="*/ 2447 h 2447"/>
-              <a:gd name="T2" fmla="*/ 0 w 414"/>
-              <a:gd name="T3" fmla="*/ 2247 h 2447"/>
-              <a:gd name="T4" fmla="*/ 0 w 414"/>
-              <a:gd name="T5" fmla="*/ 0 h 2447"/>
-              <a:gd name="T6" fmla="*/ 414 w 414"/>
-              <a:gd name="T7" fmla="*/ 200 h 2447"/>
-              <a:gd name="T8" fmla="*/ 414 w 414"/>
-              <a:gd name="T9" fmla="*/ 2447 h 2447"/>
-            </a:gdLst>
-            <a:ahLst/>
-            <a:cxnLst>
-              <a:cxn ang="0">
-                <a:pos x="T0" y="T1"/>
-              </a:cxn>
-              <a:cxn ang="0">
-                <a:pos x="T2" y="T3"/>
-              </a:cxn>
-              <a:cxn ang="0">
-                <a:pos x="T4" y="T5"/>
-              </a:cxn>
-              <a:cxn ang="0">
-                <a:pos x="T6" y="T7"/>
-              </a:cxn>
-              <a:cxn ang="0">
-                <a:pos x="T8" y="T9"/>
-              </a:cxn>
-            </a:cxnLst>
-            <a:rect l="0" t="0" r="r" b="b"/>
-            <a:pathLst>
-              <a:path w="414" h="2447">
-                <a:moveTo>
-                  <a:pt x="414" y="2447"/>
-                </a:moveTo>
-                <a:lnTo>
-                  <a:pt x="0" y="2247"/>
-                </a:lnTo>
-                <a:lnTo>
-                  <a:pt x="0" y="0"/>
-                </a:lnTo>
-                <a:lnTo>
-                  <a:pt x="414" y="200"/>
-                </a:lnTo>
-                <a:lnTo>
-                  <a:pt x="414" y="2447"/>
-                </a:lnTo>
-                <a:close/>
-              </a:path>
-            </a:pathLst>
-          </a:custGeom>
-          <a:solidFill>
-            <a:schemeClr val="accent1">
-              <a:lumMod val="75000"/>
-            </a:schemeClr>
-          </a:solidFill>
-          <a:ln>
-            <a:noFill/>
-          </a:ln>
-        </p:spPr>
-        <p:txBody>
-          <a:bodyPr vert="horz" wrap="square" lIns="91440" tIns="45720" rIns="91440" bIns="45720" numCol="1" anchor="t" anchorCtr="0" compatLnSpc="1">
-            <a:prstTxWarp prst="textNoShape">
-              <a:avLst/>
-            </a:prstTxWarp>
-          </a:bodyPr>
-          <a:lstStyle/>
-          <a:p>
-            <a:endParaRPr lang="en-US"/>
-          </a:p>
-        </p:txBody>
-      </p:sp>
-      <p:sp>
-        <p:nvSpPr>
-          <p:cNvPr id="12" name="Freeform 7">
-            <a:extLst>
-              <a:ext uri="{FF2B5EF4-FFF2-40B4-BE49-F238E27FC236}">
-                <a16:creationId xmlns:a16="http://schemas.microsoft.com/office/drawing/2014/main" id="{953FB2E7-B6CB-429C-81EB-D9516D6D5C8D}"/>
-              </a:ext>
-              <a:ext uri="{C183D7F6-B498-43B3-948B-1728B52AA6E4}">
-                <adec:decorative xmlns:adec="http://schemas.microsoft.com/office/drawing/2017/decorative" val="1"/>
-              </a:ext>
-            </a:extLst>
-          </p:cNvPr>
-          <p:cNvSpPr>
-            <a:spLocks noGrp="1" noRot="1" noChangeAspect="1" noMove="1" noResize="1" noEditPoints="1" noAdjustHandles="1" noChangeArrowheads="1" noChangeShapeType="1" noTextEdit="1"/>
-          </p:cNvSpPr>
-          <p:nvPr>
-            <p:extLst>
-              <p:ext uri="{386F3935-93C4-4BCD-93E2-E3B085C9AB24}">
-                <p16:designElem xmlns:p16="http://schemas.microsoft.com/office/powerpoint/2015/main" val="1"/>
-              </p:ext>
-            </p:extLst>
-          </p:nvPr>
-        </p:nvSpPr>
-        <p:spPr bwMode="auto">
-          <a:xfrm>
-            <a:off x="4144437" y="633165"/>
-            <a:ext cx="482654" cy="5521414"/>
-          </a:xfrm>
-          <a:custGeom>
-            <a:avLst/>
-            <a:gdLst>
-              <a:gd name="T0" fmla="*/ 209 w 209"/>
-              <a:gd name="T1" fmla="*/ 2246 h 2358"/>
-              <a:gd name="T2" fmla="*/ 0 w 209"/>
-              <a:gd name="T3" fmla="*/ 2358 h 2358"/>
-              <a:gd name="T4" fmla="*/ 0 w 209"/>
-              <a:gd name="T5" fmla="*/ 111 h 2358"/>
-              <a:gd name="T6" fmla="*/ 209 w 209"/>
-              <a:gd name="T7" fmla="*/ 0 h 2358"/>
-              <a:gd name="T8" fmla="*/ 209 w 209"/>
-              <a:gd name="T9" fmla="*/ 2246 h 2358"/>
-            </a:gdLst>
-            <a:ahLst/>
-            <a:cxnLst>
-              <a:cxn ang="0">
-                <a:pos x="T0" y="T1"/>
-              </a:cxn>
-              <a:cxn ang="0">
-                <a:pos x="T2" y="T3"/>
-              </a:cxn>
-              <a:cxn ang="0">
-                <a:pos x="T4" y="T5"/>
-              </a:cxn>
-              <a:cxn ang="0">
-                <a:pos x="T6" y="T7"/>
-              </a:cxn>
-              <a:cxn ang="0">
-                <a:pos x="T8" y="T9"/>
-              </a:cxn>
-            </a:cxnLst>
-            <a:rect l="0" t="0" r="r" b="b"/>
-            <a:pathLst>
-              <a:path w="209" h="2358">
-                <a:moveTo>
-                  <a:pt x="209" y="2246"/>
-                </a:moveTo>
-                <a:lnTo>
-                  <a:pt x="0" y="2358"/>
-                </a:lnTo>
-                <a:lnTo>
-                  <a:pt x="0" y="111"/>
-                </a:lnTo>
-                <a:lnTo>
-                  <a:pt x="209" y="0"/>
-                </a:lnTo>
-                <a:lnTo>
-                  <a:pt x="209" y="2246"/>
-                </a:lnTo>
-                <a:close/>
-              </a:path>
-            </a:pathLst>
-          </a:custGeom>
-          <a:solidFill>
-            <a:schemeClr val="accent1">
-              <a:lumMod val="50000"/>
-            </a:schemeClr>
-          </a:solidFill>
-          <a:ln>
-            <a:noFill/>
-          </a:ln>
-        </p:spPr>
-        <p:txBody>
-          <a:bodyPr vert="horz" wrap="square" lIns="91440" tIns="45720" rIns="91440" bIns="45720" numCol="1" anchor="t" anchorCtr="0" compatLnSpc="1">
-            <a:prstTxWarp prst="textNoShape">
-              <a:avLst/>
-            </a:prstTxWarp>
-          </a:bodyPr>
-          <a:lstStyle/>
-          <a:p>
-            <a:endParaRPr lang="en-US"/>
-          </a:p>
-        </p:txBody>
-      </p:sp>
-      <p:sp>
-        <p:nvSpPr>
-          <p:cNvPr id="14" name="Freeform: Shape 13">
-            <a:extLst>
-              <a:ext uri="{FF2B5EF4-FFF2-40B4-BE49-F238E27FC236}">
-                <a16:creationId xmlns:a16="http://schemas.microsoft.com/office/drawing/2014/main" id="{2EC40DB1-B719-4A13-9A4D-0966B4B27866}"/>
-              </a:ext>
-              <a:ext uri="{C183D7F6-B498-43B3-948B-1728B52AA6E4}">
-                <adec:decorative xmlns:adec="http://schemas.microsoft.com/office/drawing/2017/decorative" val="1"/>
-              </a:ext>
-            </a:extLst>
-          </p:cNvPr>
-          <p:cNvSpPr>
-            <a:spLocks noGrp="1" noRot="1" noChangeAspect="1" noMove="1" noResize="1" noEditPoints="1" noAdjustHandles="1" noChangeArrowheads="1" noChangeShapeType="1" noTextEdit="1"/>
-          </p:cNvSpPr>
-          <p:nvPr>
-            <p:extLst>
-              <p:ext uri="{386F3935-93C4-4BCD-93E2-E3B085C9AB24}">
-                <p16:designElem xmlns:p16="http://schemas.microsoft.com/office/powerpoint/2015/main" val="1"/>
-              </p:ext>
-            </p:extLst>
-          </p:nvPr>
-        </p:nvSpPr>
-        <p:spPr>
-          <a:xfrm>
-            <a:off x="634621" y="636723"/>
-            <a:ext cx="4000062" cy="5257799"/>
-          </a:xfrm>
-          <a:custGeom>
-            <a:avLst/>
-            <a:gdLst>
-              <a:gd name="connsiteX0" fmla="*/ 0 w 4634682"/>
-              <a:gd name="connsiteY0" fmla="*/ 0 h 5257799"/>
-              <a:gd name="connsiteX1" fmla="*/ 4634682 w 4634682"/>
-              <a:gd name="connsiteY1" fmla="*/ 0 h 5257799"/>
-              <a:gd name="connsiteX2" fmla="*/ 4634682 w 4634682"/>
-              <a:gd name="connsiteY2" fmla="*/ 5257799 h 5257799"/>
-              <a:gd name="connsiteX3" fmla="*/ 0 w 4634682"/>
-              <a:gd name="connsiteY3" fmla="*/ 5257799 h 5257799"/>
-            </a:gdLst>
-            <a:ahLst/>
-            <a:cxnLst>
-              <a:cxn ang="0">
-                <a:pos x="connsiteX0" y="connsiteY0"/>
-              </a:cxn>
-              <a:cxn ang="0">
-                <a:pos x="connsiteX1" y="connsiteY1"/>
-              </a:cxn>
-              <a:cxn ang="0">
-                <a:pos x="connsiteX2" y="connsiteY2"/>
-              </a:cxn>
-              <a:cxn ang="0">
-                <a:pos x="connsiteX3" y="connsiteY3"/>
-              </a:cxn>
-            </a:cxnLst>
-            <a:rect l="l" t="t" r="r" b="b"/>
-            <a:pathLst>
-              <a:path w="4634682" h="5257799">
-                <a:moveTo>
-                  <a:pt x="0" y="0"/>
-                </a:moveTo>
-                <a:lnTo>
-                  <a:pt x="4634682" y="0"/>
-                </a:lnTo>
-                <a:lnTo>
-                  <a:pt x="4634682" y="5257799"/>
-                </a:lnTo>
-                <a:lnTo>
-                  <a:pt x="0" y="5257799"/>
-                </a:lnTo>
-                <a:close/>
-              </a:path>
-            </a:pathLst>
-          </a:custGeom>
-          <a:solidFill>
-            <a:schemeClr val="accent1">
-              <a:lumMod val="50000"/>
-            </a:schemeClr>
-          </a:solidFill>
-          <a:ln>
-            <a:noFill/>
-          </a:ln>
-        </p:spPr>
-        <p:style>
-          <a:lnRef idx="2">
-            <a:schemeClr val="accent1">
-              <a:shade val="50000"/>
-            </a:schemeClr>
-          </a:lnRef>
-          <a:fillRef idx="1">
-            <a:schemeClr val="accent1"/>
-          </a:fillRef>
-          <a:effectRef idx="0">
-            <a:schemeClr val="accent1"/>
-          </a:effectRef>
-          <a:fontRef idx="minor">
-            <a:schemeClr val="lt1"/>
-          </a:fontRef>
-        </p:style>
-        <p:txBody>
-          <a:bodyPr wrap="square" rtlCol="0" anchor="ctr">
-            <a:noAutofit/>
-          </a:bodyPr>
-          <a:lstStyle/>
-          <a:p>
-            <a:pPr algn="ctr"/>
-            <a:endParaRPr lang="en-US"/>
-          </a:p>
-        </p:txBody>
-      </p:sp>
-      <p:sp>
-        <p:nvSpPr>
-          <p:cNvPr id="2" name="Title 1">
-            <a:extLst>
-              <a:ext uri="{FF2B5EF4-FFF2-40B4-BE49-F238E27FC236}">
-                <a16:creationId xmlns:a16="http://schemas.microsoft.com/office/drawing/2014/main" id="{79D90CEC-5C03-D15D-EB6E-366D514ACBF4}"/>
-              </a:ext>
-            </a:extLst>
-          </p:cNvPr>
-          <p:cNvSpPr>
-            <a:spLocks noGrp="1"/>
-          </p:cNvSpPr>
-          <p:nvPr>
-            <p:ph type="title"/>
-          </p:nvPr>
-        </p:nvSpPr>
-        <p:spPr>
-          <a:xfrm>
-            <a:off x="934872" y="982272"/>
-            <a:ext cx="3388419" cy="4560970"/>
-          </a:xfrm>
-        </p:spPr>
-        <p:txBody>
-          <a:bodyPr>
-            <a:normAutofit/>
-          </a:bodyPr>
-          <a:lstStyle/>
-          <a:p>
-            <a:r>
-              <a:rPr lang="en-IN" sz="2800" i="0" dirty="0">
-                <a:solidFill>
-                  <a:srgbClr val="FFFFFF"/>
-                </a:solidFill>
-                <a:effectLst/>
-                <a:latin typeface="+mn-lt"/>
-              </a:rPr>
-              <a:t>Security Risks</a:t>
-            </a:r>
-            <a:br>
-              <a:rPr lang="en-IN" sz="2800" i="0" dirty="0">
-                <a:solidFill>
-                  <a:srgbClr val="FFFFFF"/>
-                </a:solidFill>
-                <a:effectLst/>
-                <a:latin typeface="+mn-lt"/>
-              </a:rPr>
-            </a:br>
-            <a:endParaRPr lang="en-IN" sz="2800" dirty="0">
-              <a:solidFill>
-                <a:srgbClr val="FFFFFF"/>
-              </a:solidFill>
-              <a:latin typeface="+mn-lt"/>
-            </a:endParaRPr>
-          </a:p>
-        </p:txBody>
-      </p:sp>
-      <p:sp>
-        <p:nvSpPr>
-          <p:cNvPr id="16" name="Rectangle 8">
-            <a:extLst>
-              <a:ext uri="{FF2B5EF4-FFF2-40B4-BE49-F238E27FC236}">
-                <a16:creationId xmlns:a16="http://schemas.microsoft.com/office/drawing/2014/main" id="{82211336-CFF3-412D-868A-6679C1004C45}"/>
-              </a:ext>
-              <a:ext uri="{C183D7F6-B498-43B3-948B-1728B52AA6E4}">
-                <adec:decorative xmlns:adec="http://schemas.microsoft.com/office/drawing/2017/decorative" val="1"/>
-              </a:ext>
-            </a:extLst>
-          </p:cNvPr>
-          <p:cNvSpPr>
-            <a:spLocks noGrp="1" noRot="1" noChangeAspect="1" noMove="1" noResize="1" noEditPoints="1" noAdjustHandles="1" noChangeArrowheads="1" noChangeShapeType="1" noTextEdit="1"/>
-          </p:cNvSpPr>
-          <p:nvPr>
-            <p:extLst>
-              <p:ext uri="{386F3935-93C4-4BCD-93E2-E3B085C9AB24}">
-                <p16:designElem xmlns:p16="http://schemas.microsoft.com/office/powerpoint/2015/main" val="1"/>
-              </p:ext>
-            </p:extLst>
-          </p:nvPr>
-        </p:nvSpPr>
-        <p:spPr bwMode="auto">
-          <a:xfrm>
-            <a:off x="4901782" y="1352302"/>
-            <a:ext cx="6655597" cy="5251646"/>
-          </a:xfrm>
-          <a:prstGeom prst="rect">
-            <a:avLst/>
-          </a:prstGeom>
-          <a:solidFill>
-            <a:schemeClr val="accent1"/>
-          </a:solidFill>
-          <a:ln>
-            <a:noFill/>
-          </a:ln>
-        </p:spPr>
-        <p:txBody>
-          <a:bodyPr vert="horz" wrap="square" lIns="91440" tIns="45720" rIns="91440" bIns="45720" numCol="1" anchor="t" anchorCtr="0" compatLnSpc="1">
-            <a:prstTxWarp prst="textNoShape">
-              <a:avLst/>
-            </a:prstTxWarp>
-          </a:bodyPr>
-          <a:lstStyle/>
-          <a:p>
-            <a:endParaRPr lang="en-US"/>
-          </a:p>
-        </p:txBody>
-      </p:sp>
-      <p:sp>
-        <p:nvSpPr>
-          <p:cNvPr id="3" name="Content Placeholder 2">
-            <a:extLst>
-              <a:ext uri="{FF2B5EF4-FFF2-40B4-BE49-F238E27FC236}">
-                <a16:creationId xmlns:a16="http://schemas.microsoft.com/office/drawing/2014/main" id="{248CCC4F-3A28-5569-8945-C4B0FC3F99EE}"/>
-              </a:ext>
-            </a:extLst>
-          </p:cNvPr>
-          <p:cNvSpPr>
-            <a:spLocks noGrp="1"/>
-          </p:cNvSpPr>
-          <p:nvPr>
-            <p:ph idx="1"/>
-          </p:nvPr>
-        </p:nvSpPr>
-        <p:spPr>
-          <a:xfrm>
-            <a:off x="5221862" y="1719618"/>
-            <a:ext cx="5948831" cy="4334629"/>
-          </a:xfrm>
-        </p:spPr>
-        <p:txBody>
-          <a:bodyPr anchor="ctr">
-            <a:normAutofit/>
-          </a:bodyPr>
-          <a:lstStyle/>
-          <a:p>
-            <a:r>
-              <a:rPr lang="en-US" sz="2200" b="0" i="0">
-                <a:solidFill>
-                  <a:srgbClr val="FEFFFF"/>
-                </a:solidFill>
-                <a:effectLst/>
-              </a:rPr>
-              <a:t>Security risks exist when using NFC technology as a payment form. Since all the parts in an NFC system needs to be within 10 cm to enable the technology to transfer the data, eavesdropping with another NFC device is fairly difficult without being noticed, but can be done.</a:t>
-            </a:r>
-          </a:p>
-          <a:p>
-            <a:r>
-              <a:rPr lang="en-US" sz="2200" b="0" i="0">
-                <a:solidFill>
-                  <a:srgbClr val="FEFFFF"/>
-                </a:solidFill>
-                <a:effectLst/>
-              </a:rPr>
-              <a:t>There are other, more complex ways that thieves are trying to steal NFC data through data corruption, interception devices, or just theft of the NFC device. While new ways are coming out to try and defeat NFC security, new security measures are being put in place.</a:t>
-            </a:r>
-          </a:p>
-          <a:p>
-            <a:endParaRPr lang="en-IN" sz="2200">
-              <a:solidFill>
-                <a:srgbClr val="FEFFFF"/>
-              </a:solidFill>
-            </a:endParaRPr>
-          </a:p>
-        </p:txBody>
-      </p:sp>
-    </p:spTree>
-    <p:extLst>
-      <p:ext uri="{BB962C8B-B14F-4D97-AF65-F5344CB8AC3E}">
-        <p14:creationId xmlns:p14="http://schemas.microsoft.com/office/powerpoint/2010/main" val="2082509318"/>
-      </p:ext>
-    </p:extLst>
-  </p:cSld>
-  <p:clrMapOvr>
-    <a:masterClrMapping/>
-  </p:clrMapOvr>
-  <mc:AlternateContent xmlns:mc="http://schemas.openxmlformats.org/markup-compatibility/2006" xmlns:p15="http://schemas.microsoft.com/office/powerpoint/2012/main">
-    <mc:Choice Requires="p15">
-      <p:transition xmlns:p14="http://schemas.microsoft.com/office/powerpoint/2010/main" spd="slow" p14:dur="1250">
-        <p15:prstTrans prst="pageCurlDouble"/>
-      </p:transition>
-    </mc:Choice>
-    <mc:Fallback xmlns="">
-      <p:transition spd="slow">
-        <p:fade/>
-      </p:transition>
-    </mc:Fallback>
-  </mc:AlternateContent>
+  <p:timing>
+    <p:tnLst>
+      <p:par>
+        <p:cTn id="1" dur="indefinite" restart="never" nodeType="tmRoot"/>
+      </p:par>
+    </p:tnLst>
+  </p:timing>
 </p:sld>
 </file>
 
